--- a/presentation_final_project.pptx
+++ b/presentation_final_project.pptx
@@ -5,28 +5,27 @@
     <p:sldMasterId id="2147483648" r:id="rId1"/>
     <p:sldMasterId id="2147483661" r:id="rId2"/>
   </p:sldMasterIdLst>
+  <p:notesMasterIdLst>
+    <p:notesMasterId r:id="rId20"/>
+  </p:notesMasterIdLst>
   <p:sldIdLst>
     <p:sldId id="256" r:id="rId3"/>
-    <p:sldId id="257" r:id="rId4"/>
-    <p:sldId id="258" r:id="rId5"/>
-    <p:sldId id="259" r:id="rId6"/>
-    <p:sldId id="260" r:id="rId7"/>
-    <p:sldId id="267" r:id="rId8"/>
-    <p:sldId id="263" r:id="rId9"/>
-    <p:sldId id="264" r:id="rId10"/>
-    <p:sldId id="265" r:id="rId11"/>
-    <p:sldId id="268" r:id="rId12"/>
-    <p:sldId id="269" r:id="rId13"/>
-    <p:sldId id="270" r:id="rId14"/>
-    <p:sldId id="276" r:id="rId15"/>
-    <p:sldId id="271" r:id="rId16"/>
-    <p:sldId id="273" r:id="rId17"/>
-    <p:sldId id="274" r:id="rId18"/>
-    <p:sldId id="275" r:id="rId19"/>
-    <p:sldId id="277" r:id="rId20"/>
-    <p:sldId id="272" r:id="rId21"/>
-    <p:sldId id="278" r:id="rId22"/>
-    <p:sldId id="266" r:id="rId23"/>
+    <p:sldId id="258" r:id="rId4"/>
+    <p:sldId id="286" r:id="rId5"/>
+    <p:sldId id="287" r:id="rId6"/>
+    <p:sldId id="288" r:id="rId7"/>
+    <p:sldId id="264" r:id="rId8"/>
+    <p:sldId id="265" r:id="rId9"/>
+    <p:sldId id="269" r:id="rId10"/>
+    <p:sldId id="268" r:id="rId11"/>
+    <p:sldId id="282" r:id="rId12"/>
+    <p:sldId id="283" r:id="rId13"/>
+    <p:sldId id="284" r:id="rId14"/>
+    <p:sldId id="281" r:id="rId15"/>
+    <p:sldId id="285" r:id="rId16"/>
+    <p:sldId id="272" r:id="rId17"/>
+    <p:sldId id="278" r:id="rId18"/>
+    <p:sldId id="266" r:id="rId19"/>
   </p:sldIdLst>
   <p:sldSz cx="12192000" cy="6858000"/>
   <p:notesSz cx="7772400" cy="10058400"/>
@@ -125,7 +124,361 @@
       </a:defRPr>
     </a:lvl9pPr>
   </p:defaultTextStyle>
+  <p:extLst>
+    <p:ext uri="{EFAFB233-063F-42B5-8137-9DF3F51BA10A}">
+      <p15:sldGuideLst xmlns:p15="http://schemas.microsoft.com/office/powerpoint/2012/main"/>
+    </p:ext>
+  </p:extLst>
 </p:presentation>
+</file>
+
+<file path=ppt/notesMasters/notesMaster1.xml><?xml version="1.0" encoding="utf-8"?>
+<p:notesMaster xmlns:a="http://schemas.openxmlformats.org/drawingml/2006/main" xmlns:r="http://schemas.openxmlformats.org/officeDocument/2006/relationships" xmlns:p="http://schemas.openxmlformats.org/presentationml/2006/main">
+  <p:cSld>
+    <p:bg>
+      <p:bgRef idx="1001">
+        <a:schemeClr val="bg1"/>
+      </p:bgRef>
+    </p:bg>
+    <p:spTree>
+      <p:nvGrpSpPr>
+        <p:cNvPr id="1" name=""/>
+        <p:cNvGrpSpPr/>
+        <p:nvPr/>
+      </p:nvGrpSpPr>
+      <p:grpSpPr>
+        <a:xfrm>
+          <a:off x="0" y="0"/>
+          <a:ext cx="0" cy="0"/>
+          <a:chOff x="0" y="0"/>
+          <a:chExt cx="0" cy="0"/>
+        </a:xfrm>
+      </p:grpSpPr>
+      <p:sp>
+        <p:nvSpPr>
+          <p:cNvPr id="2" name="Kopfzeilenplatzhalter 1"/>
+          <p:cNvSpPr>
+            <a:spLocks noGrp="1"/>
+          </p:cNvSpPr>
+          <p:nvPr>
+            <p:ph type="hdr" sz="quarter"/>
+          </p:nvPr>
+        </p:nvSpPr>
+        <p:spPr>
+          <a:xfrm>
+            <a:off x="0" y="0"/>
+            <a:ext cx="3368675" cy="504825"/>
+          </a:xfrm>
+          <a:prstGeom prst="rect">
+            <a:avLst/>
+          </a:prstGeom>
+        </p:spPr>
+        <p:txBody>
+          <a:bodyPr vert="horz" lIns="91440" tIns="45720" rIns="91440" bIns="45720" rtlCol="0"/>
+          <a:lstStyle>
+            <a:lvl1pPr algn="l">
+              <a:defRPr sz="1200"/>
+            </a:lvl1pPr>
+          </a:lstStyle>
+          <a:p>
+            <a:endParaRPr lang="de-DE"/>
+          </a:p>
+        </p:txBody>
+      </p:sp>
+      <p:sp>
+        <p:nvSpPr>
+          <p:cNvPr id="3" name="Datumsplatzhalter 2"/>
+          <p:cNvSpPr>
+            <a:spLocks noGrp="1"/>
+          </p:cNvSpPr>
+          <p:nvPr>
+            <p:ph type="dt" idx="1"/>
+          </p:nvPr>
+        </p:nvSpPr>
+        <p:spPr>
+          <a:xfrm>
+            <a:off x="4402138" y="0"/>
+            <a:ext cx="3368675" cy="504825"/>
+          </a:xfrm>
+          <a:prstGeom prst="rect">
+            <a:avLst/>
+          </a:prstGeom>
+        </p:spPr>
+        <p:txBody>
+          <a:bodyPr vert="horz" lIns="91440" tIns="45720" rIns="91440" bIns="45720" rtlCol="0"/>
+          <a:lstStyle>
+            <a:lvl1pPr algn="r">
+              <a:defRPr sz="1200"/>
+            </a:lvl1pPr>
+          </a:lstStyle>
+          <a:p>
+            <a:fld id="{B0DA1FEF-FE62-48E0-A586-29A2C29ADBAF}" type="datetimeFigureOut">
+              <a:rPr lang="de-DE" smtClean="0"/>
+              <a:t>13.10.2022</a:t>
+            </a:fld>
+            <a:endParaRPr lang="de-DE"/>
+          </a:p>
+        </p:txBody>
+      </p:sp>
+      <p:sp>
+        <p:nvSpPr>
+          <p:cNvPr id="4" name="Folienbildplatzhalter 3"/>
+          <p:cNvSpPr>
+            <a:spLocks noGrp="1" noRot="1" noChangeAspect="1"/>
+          </p:cNvSpPr>
+          <p:nvPr>
+            <p:ph type="sldImg" idx="2"/>
+          </p:nvPr>
+        </p:nvSpPr>
+        <p:spPr>
+          <a:xfrm>
+            <a:off x="869950" y="1257300"/>
+            <a:ext cx="6032500" cy="3394075"/>
+          </a:xfrm>
+          <a:prstGeom prst="rect">
+            <a:avLst/>
+          </a:prstGeom>
+          <a:noFill/>
+          <a:ln w="12700">
+            <a:solidFill>
+              <a:prstClr val="black"/>
+            </a:solidFill>
+          </a:ln>
+        </p:spPr>
+        <p:txBody>
+          <a:bodyPr vert="horz" lIns="91440" tIns="45720" rIns="91440" bIns="45720" rtlCol="0" anchor="ctr"/>
+          <a:lstStyle/>
+          <a:p>
+            <a:endParaRPr lang="de-DE"/>
+          </a:p>
+        </p:txBody>
+      </p:sp>
+      <p:sp>
+        <p:nvSpPr>
+          <p:cNvPr id="5" name="Notizenplatzhalter 4"/>
+          <p:cNvSpPr>
+            <a:spLocks noGrp="1"/>
+          </p:cNvSpPr>
+          <p:nvPr>
+            <p:ph type="body" sz="quarter" idx="3"/>
+          </p:nvPr>
+        </p:nvSpPr>
+        <p:spPr>
+          <a:xfrm>
+            <a:off x="777875" y="4840288"/>
+            <a:ext cx="6216650" cy="3960812"/>
+          </a:xfrm>
+          <a:prstGeom prst="rect">
+            <a:avLst/>
+          </a:prstGeom>
+        </p:spPr>
+        <p:txBody>
+          <a:bodyPr vert="horz" lIns="91440" tIns="45720" rIns="91440" bIns="45720" rtlCol="0"/>
+          <a:lstStyle/>
+          <a:p>
+            <a:pPr lvl="0"/>
+            <a:r>
+              <a:rPr lang="de-DE"/>
+              <a:t>Mastertextformat bearbeiten</a:t>
+            </a:r>
+          </a:p>
+          <a:p>
+            <a:pPr lvl="1"/>
+            <a:r>
+              <a:rPr lang="de-DE"/>
+              <a:t>Zweite Ebene</a:t>
+            </a:r>
+          </a:p>
+          <a:p>
+            <a:pPr lvl="2"/>
+            <a:r>
+              <a:rPr lang="de-DE"/>
+              <a:t>Dritte Ebene</a:t>
+            </a:r>
+          </a:p>
+          <a:p>
+            <a:pPr lvl="3"/>
+            <a:r>
+              <a:rPr lang="de-DE"/>
+              <a:t>Vierte Ebene</a:t>
+            </a:r>
+          </a:p>
+          <a:p>
+            <a:pPr lvl="4"/>
+            <a:r>
+              <a:rPr lang="de-DE"/>
+              <a:t>Fünfte Ebene</a:t>
+            </a:r>
+          </a:p>
+        </p:txBody>
+      </p:sp>
+      <p:sp>
+        <p:nvSpPr>
+          <p:cNvPr id="6" name="Fußzeilenplatzhalter 5"/>
+          <p:cNvSpPr>
+            <a:spLocks noGrp="1"/>
+          </p:cNvSpPr>
+          <p:nvPr>
+            <p:ph type="ftr" sz="quarter" idx="4"/>
+          </p:nvPr>
+        </p:nvSpPr>
+        <p:spPr>
+          <a:xfrm>
+            <a:off x="0" y="9553575"/>
+            <a:ext cx="3368675" cy="504825"/>
+          </a:xfrm>
+          <a:prstGeom prst="rect">
+            <a:avLst/>
+          </a:prstGeom>
+        </p:spPr>
+        <p:txBody>
+          <a:bodyPr vert="horz" lIns="91440" tIns="45720" rIns="91440" bIns="45720" rtlCol="0" anchor="b"/>
+          <a:lstStyle>
+            <a:lvl1pPr algn="l">
+              <a:defRPr sz="1200"/>
+            </a:lvl1pPr>
+          </a:lstStyle>
+          <a:p>
+            <a:endParaRPr lang="de-DE"/>
+          </a:p>
+        </p:txBody>
+      </p:sp>
+      <p:sp>
+        <p:nvSpPr>
+          <p:cNvPr id="7" name="Foliennummernplatzhalter 6"/>
+          <p:cNvSpPr>
+            <a:spLocks noGrp="1"/>
+          </p:cNvSpPr>
+          <p:nvPr>
+            <p:ph type="sldNum" sz="quarter" idx="5"/>
+          </p:nvPr>
+        </p:nvSpPr>
+        <p:spPr>
+          <a:xfrm>
+            <a:off x="4402138" y="9553575"/>
+            <a:ext cx="3368675" cy="504825"/>
+          </a:xfrm>
+          <a:prstGeom prst="rect">
+            <a:avLst/>
+          </a:prstGeom>
+        </p:spPr>
+        <p:txBody>
+          <a:bodyPr vert="horz" lIns="91440" tIns="45720" rIns="91440" bIns="45720" rtlCol="0" anchor="b"/>
+          <a:lstStyle>
+            <a:lvl1pPr algn="r">
+              <a:defRPr sz="1200"/>
+            </a:lvl1pPr>
+          </a:lstStyle>
+          <a:p>
+            <a:fld id="{EB50001E-D877-44CF-BEA3-25C7CAF08875}" type="slidenum">
+              <a:rPr lang="de-DE" smtClean="0"/>
+              <a:t>‹Nr.›</a:t>
+            </a:fld>
+            <a:endParaRPr lang="de-DE"/>
+          </a:p>
+        </p:txBody>
+      </p:sp>
+    </p:spTree>
+    <p:extLst>
+      <p:ext uri="{BB962C8B-B14F-4D97-AF65-F5344CB8AC3E}">
+        <p14:creationId xmlns:p14="http://schemas.microsoft.com/office/powerpoint/2010/main" val="292211198"/>
+      </p:ext>
+    </p:extLst>
+  </p:cSld>
+  <p:clrMap bg1="lt1" tx1="dk1" bg2="lt2" tx2="dk2" accent1="accent1" accent2="accent2" accent3="accent3" accent4="accent4" accent5="accent5" accent6="accent6" hlink="hlink" folHlink="folHlink"/>
+  <p:notesStyle>
+    <a:lvl1pPr marL="0" algn="l" defTabSz="914400" rtl="0" eaLnBrk="1" latinLnBrk="0" hangingPunct="1">
+      <a:defRPr sz="1200" kern="1200">
+        <a:solidFill>
+          <a:schemeClr val="tx1"/>
+        </a:solidFill>
+        <a:latin typeface="+mn-lt"/>
+        <a:ea typeface="+mn-ea"/>
+        <a:cs typeface="+mn-cs"/>
+      </a:defRPr>
+    </a:lvl1pPr>
+    <a:lvl2pPr marL="457200" algn="l" defTabSz="914400" rtl="0" eaLnBrk="1" latinLnBrk="0" hangingPunct="1">
+      <a:defRPr sz="1200" kern="1200">
+        <a:solidFill>
+          <a:schemeClr val="tx1"/>
+        </a:solidFill>
+        <a:latin typeface="+mn-lt"/>
+        <a:ea typeface="+mn-ea"/>
+        <a:cs typeface="+mn-cs"/>
+      </a:defRPr>
+    </a:lvl2pPr>
+    <a:lvl3pPr marL="914400" algn="l" defTabSz="914400" rtl="0" eaLnBrk="1" latinLnBrk="0" hangingPunct="1">
+      <a:defRPr sz="1200" kern="1200">
+        <a:solidFill>
+          <a:schemeClr val="tx1"/>
+        </a:solidFill>
+        <a:latin typeface="+mn-lt"/>
+        <a:ea typeface="+mn-ea"/>
+        <a:cs typeface="+mn-cs"/>
+      </a:defRPr>
+    </a:lvl3pPr>
+    <a:lvl4pPr marL="1371600" algn="l" defTabSz="914400" rtl="0" eaLnBrk="1" latinLnBrk="0" hangingPunct="1">
+      <a:defRPr sz="1200" kern="1200">
+        <a:solidFill>
+          <a:schemeClr val="tx1"/>
+        </a:solidFill>
+        <a:latin typeface="+mn-lt"/>
+        <a:ea typeface="+mn-ea"/>
+        <a:cs typeface="+mn-cs"/>
+      </a:defRPr>
+    </a:lvl4pPr>
+    <a:lvl5pPr marL="1828800" algn="l" defTabSz="914400" rtl="0" eaLnBrk="1" latinLnBrk="0" hangingPunct="1">
+      <a:defRPr sz="1200" kern="1200">
+        <a:solidFill>
+          <a:schemeClr val="tx1"/>
+        </a:solidFill>
+        <a:latin typeface="+mn-lt"/>
+        <a:ea typeface="+mn-ea"/>
+        <a:cs typeface="+mn-cs"/>
+      </a:defRPr>
+    </a:lvl5pPr>
+    <a:lvl6pPr marL="2286000" algn="l" defTabSz="914400" rtl="0" eaLnBrk="1" latinLnBrk="0" hangingPunct="1">
+      <a:defRPr sz="1200" kern="1200">
+        <a:solidFill>
+          <a:schemeClr val="tx1"/>
+        </a:solidFill>
+        <a:latin typeface="+mn-lt"/>
+        <a:ea typeface="+mn-ea"/>
+        <a:cs typeface="+mn-cs"/>
+      </a:defRPr>
+    </a:lvl6pPr>
+    <a:lvl7pPr marL="2743200" algn="l" defTabSz="914400" rtl="0" eaLnBrk="1" latinLnBrk="0" hangingPunct="1">
+      <a:defRPr sz="1200" kern="1200">
+        <a:solidFill>
+          <a:schemeClr val="tx1"/>
+        </a:solidFill>
+        <a:latin typeface="+mn-lt"/>
+        <a:ea typeface="+mn-ea"/>
+        <a:cs typeface="+mn-cs"/>
+      </a:defRPr>
+    </a:lvl7pPr>
+    <a:lvl8pPr marL="3200400" algn="l" defTabSz="914400" rtl="0" eaLnBrk="1" latinLnBrk="0" hangingPunct="1">
+      <a:defRPr sz="1200" kern="1200">
+        <a:solidFill>
+          <a:schemeClr val="tx1"/>
+        </a:solidFill>
+        <a:latin typeface="+mn-lt"/>
+        <a:ea typeface="+mn-ea"/>
+        <a:cs typeface="+mn-cs"/>
+      </a:defRPr>
+    </a:lvl8pPr>
+    <a:lvl9pPr marL="3657600" algn="l" defTabSz="914400" rtl="0" eaLnBrk="1" latinLnBrk="0" hangingPunct="1">
+      <a:defRPr sz="1200" kern="1200">
+        <a:solidFill>
+          <a:schemeClr val="tx1"/>
+        </a:solidFill>
+        <a:latin typeface="+mn-lt"/>
+        <a:ea typeface="+mn-ea"/>
+        <a:cs typeface="+mn-cs"/>
+      </a:defRPr>
+    </a:lvl9pPr>
+  </p:notesStyle>
+</p:notesMaster>
 </file>
 
 <file path=ppt/slideLayouts/slideLayout1.xml><?xml version="1.0" encoding="utf-8"?>
@@ -25221,7 +25574,7 @@
               </a:lnSpc>
             </a:pPr>
             <a:r>
-              <a:rPr lang="de-DE" sz="4800" b="0" strike="noStrike" spc="-1">
+              <a:rPr lang="de-DE" sz="4800" b="0" strike="noStrike" spc="-1" dirty="0">
                 <a:solidFill>
                   <a:srgbClr val="FFFFFF"/>
                 </a:solidFill>
@@ -25230,9 +25583,11 @@
               </a:rPr>
               <a:t>Machine Learning</a:t>
             </a:r>
-            <a:br/>
+            <a:br>
+              <a:rPr dirty="0"/>
+            </a:br>
             <a:r>
-              <a:rPr lang="de-DE" sz="4800" b="0" strike="noStrike" spc="-1">
+              <a:rPr lang="de-DE" sz="4800" b="0" strike="noStrike" spc="-1" dirty="0">
                 <a:solidFill>
                   <a:srgbClr val="FFFFFF"/>
                 </a:solidFill>
@@ -25241,8 +25596,10 @@
               </a:rPr>
               <a:t>WS 21/22</a:t>
             </a:r>
-            <a:br/>
-            <a:endParaRPr lang="en-US" sz="4800" b="0" strike="noStrike" spc="-1">
+            <a:br>
+              <a:rPr dirty="0"/>
+            </a:br>
+            <a:endParaRPr lang="en-US" sz="4800" b="0" strike="noStrike" spc="-1" dirty="0">
               <a:latin typeface="Arial"/>
             </a:endParaRPr>
           </a:p>
@@ -25297,7 +25654,7 @@
               </a:tabLst>
             </a:pPr>
             <a:r>
-              <a:rPr lang="de-DE" sz="2400" b="0" strike="noStrike" spc="-1">
+              <a:rPr lang="de-DE" sz="2400" b="0" strike="noStrike" spc="-1" dirty="0">
                 <a:solidFill>
                   <a:srgbClr val="FFFFFF"/>
                 </a:solidFill>
@@ -25306,7 +25663,7 @@
               </a:rPr>
               <a:t>Team 16 </a:t>
             </a:r>
-            <a:endParaRPr lang="en-US" sz="2400" b="0" strike="noStrike" spc="-1">
+            <a:endParaRPr lang="en-US" sz="2400" b="0" strike="noStrike" spc="-1" dirty="0">
               <a:latin typeface="Arial"/>
             </a:endParaRPr>
           </a:p>
@@ -25323,16 +25680,26 @@
               </a:tabLst>
             </a:pPr>
             <a:r>
-              <a:rPr lang="de-DE" sz="2400" b="0" strike="noStrike" spc="-1">
+              <a:rPr lang="de-DE" sz="2400" b="0" strike="noStrike" spc="-1" dirty="0">
                 <a:solidFill>
                   <a:srgbClr val="FFFFFF"/>
                 </a:solidFill>
                 <a:latin typeface="Calibri"/>
                 <a:ea typeface="DejaVu Sans"/>
               </a:rPr>
-              <a:t>Jonas Dornbusch, Nina Wicht, Max Levermann</a:t>
+              <a:t>Jonas Dornbusch, Nina Wicht, Max </a:t>
             </a:r>
-            <a:endParaRPr lang="en-US" sz="2400" b="0" strike="noStrike" spc="-1">
+            <a:r>
+              <a:rPr lang="de-DE" sz="2400" b="0" strike="noStrike" spc="-1" dirty="0" err="1">
+                <a:solidFill>
+                  <a:srgbClr val="FFFFFF"/>
+                </a:solidFill>
+                <a:latin typeface="Calibri"/>
+                <a:ea typeface="DejaVu Sans"/>
+              </a:rPr>
+              <a:t>Levermann</a:t>
+            </a:r>
+            <a:endParaRPr lang="en-US" sz="2400" b="0" strike="noStrike" spc="-1" dirty="0">
               <a:latin typeface="Arial"/>
             </a:endParaRPr>
           </a:p>
@@ -25365,10 +25732,54 @@
       </p:grpSpPr>
       <p:sp>
         <p:nvSpPr>
+          <p:cNvPr id="2" name="Titel 1">
+            <a:extLst>
+              <a:ext uri="{FF2B5EF4-FFF2-40B4-BE49-F238E27FC236}">
+                <a16:creationId xmlns:a16="http://schemas.microsoft.com/office/drawing/2014/main" id="{9A0B20A5-5AA3-1563-7CB1-A75CA4D0D764}"/>
+              </a:ext>
+            </a:extLst>
+          </p:cNvPr>
+          <p:cNvSpPr>
+            <a:spLocks noGrp="1"/>
+          </p:cNvSpPr>
+          <p:nvPr>
+            <p:ph type="title"/>
+          </p:nvPr>
+        </p:nvSpPr>
+        <p:spPr>
+          <a:xfrm>
+            <a:off x="6580538" y="1327865"/>
+            <a:ext cx="5001382" cy="1144800"/>
+          </a:xfrm>
+        </p:spPr>
+        <p:txBody>
+          <a:bodyPr/>
+          <a:lstStyle/>
+          <a:p>
+            <a:pPr algn="ctr"/>
+            <a:r>
+              <a:rPr lang="en-US" kern="1200" dirty="0">
+                <a:solidFill>
+                  <a:srgbClr val="080808"/>
+                </a:solidFill>
+                <a:latin typeface="Calibri Light" panose="020F0302020204030204" pitchFamily="34" charset="0"/>
+                <a:cs typeface="Calibri Light" panose="020F0302020204030204" pitchFamily="34" charset="0"/>
+              </a:rPr>
+              <a:t>Adam Optimizer</a:t>
+            </a:r>
+            <a:endParaRPr lang="de-DE" dirty="0">
+              <a:latin typeface="Calibri Light" panose="020F0302020204030204" pitchFamily="34" charset="0"/>
+              <a:cs typeface="Calibri Light" panose="020F0302020204030204" pitchFamily="34" charset="0"/>
+            </a:endParaRPr>
+          </a:p>
+        </p:txBody>
+      </p:sp>
+      <p:sp>
+        <p:nvSpPr>
           <p:cNvPr id="3" name="Untertitel 2">
             <a:extLst>
               <a:ext uri="{FF2B5EF4-FFF2-40B4-BE49-F238E27FC236}">
-                <a16:creationId xmlns:a16="http://schemas.microsoft.com/office/drawing/2014/main" id="{46D2B812-113E-4156-B147-E9972BCB517A}"/>
+                <a16:creationId xmlns:a16="http://schemas.microsoft.com/office/drawing/2014/main" id="{77047A89-C105-CBEF-9991-D58DDDD63C1D}"/>
               </a:ext>
             </a:extLst>
           </p:cNvPr>
@@ -25381,218 +25792,134 @@
         </p:nvSpPr>
         <p:spPr>
           <a:xfrm>
-            <a:off x="609480" y="102743"/>
-            <a:ext cx="10972440" cy="2003460"/>
+            <a:off x="6580538" y="2635596"/>
+            <a:ext cx="5001382" cy="3977280"/>
           </a:xfrm>
         </p:spPr>
         <p:txBody>
-          <a:bodyPr anchor="ctr"/>
+          <a:bodyPr/>
           <a:lstStyle/>
           <a:p>
-            <a:pPr>
-              <a:lnSpc>
-                <a:spcPct val="150000"/>
-              </a:lnSpc>
+            <a:pPr marL="0" indent="0" algn="ctr">
+              <a:buNone/>
             </a:pPr>
             <a:r>
-              <a:rPr lang="de-DE" dirty="0">
+              <a:rPr lang="de-DE" sz="3200" u="sng" dirty="0">
                 <a:latin typeface="Calibri Light" panose="020F0302020204030204" pitchFamily="34" charset="0"/>
                 <a:cs typeface="Calibri Light" panose="020F0302020204030204" pitchFamily="34" charset="0"/>
               </a:rPr>
-              <a:t>Hyperparametersuche mit</a:t>
+              <a:t>Training Details:</a:t>
+            </a:r>
+            <a:r>
+              <a:rPr lang="de-DE" sz="3200" dirty="0">
+                <a:latin typeface="Calibri Light" panose="020F0302020204030204" pitchFamily="34" charset="0"/>
+                <a:cs typeface="Calibri Light" panose="020F0302020204030204" pitchFamily="34" charset="0"/>
+              </a:rPr>
+              <a:t> </a:t>
             </a:r>
           </a:p>
           <a:p>
+            <a:pPr marL="571500" indent="-571500">
+              <a:buFont typeface="Arial" panose="020B0604020202020204" pitchFamily="34" charset="0"/>
+              <a:buChar char="•"/>
+            </a:pPr>
             <a:r>
-              <a:rPr lang="de-DE" dirty="0">
+              <a:rPr lang="de-DE" sz="3200" dirty="0">
                 <a:latin typeface="Calibri Light" panose="020F0302020204030204" pitchFamily="34" charset="0"/>
                 <a:cs typeface="Calibri Light" panose="020F0302020204030204" pitchFamily="34" charset="0"/>
               </a:rPr>
-              <a:t>Random Search</a:t>
+              <a:t>Batch </a:t>
+            </a:r>
+            <a:r>
+              <a:rPr lang="de-DE" sz="3200" dirty="0" err="1">
+                <a:latin typeface="Calibri Light" panose="020F0302020204030204" pitchFamily="34" charset="0"/>
+                <a:cs typeface="Calibri Light" panose="020F0302020204030204" pitchFamily="34" charset="0"/>
+              </a:rPr>
+              <a:t>size</a:t>
+            </a:r>
+            <a:r>
+              <a:rPr lang="de-DE" sz="3200" dirty="0">
+                <a:latin typeface="Calibri Light" panose="020F0302020204030204" pitchFamily="34" charset="0"/>
+                <a:cs typeface="Calibri Light" panose="020F0302020204030204" pitchFamily="34" charset="0"/>
+              </a:rPr>
+              <a:t> 512</a:t>
             </a:r>
           </a:p>
           <a:p>
-            <a:pPr lvl="1"/>
-            <a:endParaRPr lang="de-DE" dirty="0">
+            <a:pPr marL="571500" indent="-571500">
+              <a:buFont typeface="Arial" panose="020B0604020202020204" pitchFamily="34" charset="0"/>
+              <a:buChar char="•"/>
+            </a:pPr>
+            <a:r>
+              <a:rPr lang="de-DE" sz="3200" dirty="0" err="1">
+                <a:latin typeface="Calibri Light" panose="020F0302020204030204" pitchFamily="34" charset="0"/>
+                <a:cs typeface="Calibri Light" panose="020F0302020204030204" pitchFamily="34" charset="0"/>
+              </a:rPr>
+              <a:t>Relu</a:t>
+            </a:r>
+            <a:endParaRPr lang="de-DE" sz="3200" dirty="0">
               <a:latin typeface="Calibri Light" panose="020F0302020204030204" pitchFamily="34" charset="0"/>
               <a:cs typeface="Calibri Light" panose="020F0302020204030204" pitchFamily="34" charset="0"/>
             </a:endParaRPr>
           </a:p>
+          <a:p>
+            <a:pPr marL="571500" indent="-571500">
+              <a:buFont typeface="Arial" panose="020B0604020202020204" pitchFamily="34" charset="0"/>
+              <a:buChar char="•"/>
+            </a:pPr>
+            <a:r>
+              <a:rPr lang="de-DE" sz="3200" dirty="0">
+                <a:latin typeface="Calibri Light" panose="020F0302020204030204" pitchFamily="34" charset="0"/>
+                <a:cs typeface="Calibri Light" panose="020F0302020204030204" pitchFamily="34" charset="0"/>
+              </a:rPr>
+              <a:t>110-30-30-15-11</a:t>
+            </a:r>
+          </a:p>
+          <a:p>
+            <a:endParaRPr lang="de-DE" dirty="0"/>
+          </a:p>
         </p:txBody>
       </p:sp>
-      <p:sp>
-        <p:nvSpPr>
-          <p:cNvPr id="5" name="Textfeld 4">
+      <p:pic>
+        <p:nvPicPr>
+          <p:cNvPr id="5" name="Grafik 4">
             <a:extLst>
               <a:ext uri="{FF2B5EF4-FFF2-40B4-BE49-F238E27FC236}">
-                <a16:creationId xmlns:a16="http://schemas.microsoft.com/office/drawing/2014/main" id="{E04F49F9-0A35-4EFD-8FF2-DE6B35F4E820}"/>
+                <a16:creationId xmlns:a16="http://schemas.microsoft.com/office/drawing/2014/main" id="{109C8556-0BE7-DAFB-B450-294EA1D0A1E2}"/>
               </a:ext>
             </a:extLst>
           </p:cNvPr>
-          <p:cNvSpPr txBox="1"/>
+          <p:cNvPicPr>
+            <a:picLocks noChangeAspect="1"/>
+          </p:cNvPicPr>
           <p:nvPr/>
-        </p:nvSpPr>
+        </p:nvPicPr>
+        <p:blipFill>
+          <a:blip r:embed="rId2">
+            <a:extLst>
+              <a:ext uri="{28A0092B-C50C-407E-A947-70E740481C1C}">
+                <a14:useLocalDpi xmlns:a14="http://schemas.microsoft.com/office/drawing/2010/main" val="0"/>
+              </a:ext>
+            </a:extLst>
+          </a:blip>
+          <a:stretch>
+            <a:fillRect/>
+          </a:stretch>
+        </p:blipFill>
         <p:spPr>
           <a:xfrm>
-            <a:off x="223463" y="2106203"/>
-            <a:ext cx="10420564" cy="3405741"/>
+            <a:off x="0" y="8084"/>
+            <a:ext cx="6580538" cy="6849916"/>
           </a:xfrm>
           <a:prstGeom prst="rect">
             <a:avLst/>
           </a:prstGeom>
-          <a:noFill/>
         </p:spPr>
-        <p:txBody>
-          <a:bodyPr wrap="square">
-            <a:spAutoFit/>
-          </a:bodyPr>
-          <a:lstStyle/>
-          <a:p>
-            <a:pPr lvl="1">
-              <a:lnSpc>
-                <a:spcPct val="200000"/>
-              </a:lnSpc>
-            </a:pPr>
-            <a:r>
-              <a:rPr lang="de-DE" sz="2800" dirty="0" err="1">
-                <a:latin typeface="Calibri" panose="020F0502020204030204" pitchFamily="34" charset="0"/>
-                <a:cs typeface="Calibri" panose="020F0502020204030204" pitchFamily="34" charset="0"/>
-              </a:rPr>
-              <a:t>Lernrate</a:t>
-            </a:r>
-            <a:r>
-              <a:rPr lang="de-DE" sz="2800" dirty="0">
-                <a:latin typeface="Calibri" panose="020F0502020204030204" pitchFamily="34" charset="0"/>
-                <a:cs typeface="Calibri" panose="020F0502020204030204" pitchFamily="34" charset="0"/>
-              </a:rPr>
-              <a:t>:	[0.00001, 0.001]</a:t>
-            </a:r>
-          </a:p>
-          <a:p>
-            <a:pPr lvl="1">
-              <a:lnSpc>
-                <a:spcPct val="200000"/>
-              </a:lnSpc>
-            </a:pPr>
-            <a:r>
-              <a:rPr lang="de-DE" sz="2800" dirty="0" err="1">
-                <a:latin typeface="Calibri" panose="020F0502020204030204" pitchFamily="34" charset="0"/>
-                <a:cs typeface="Calibri" panose="020F0502020204030204" pitchFamily="34" charset="0"/>
-              </a:rPr>
-              <a:t>Weight</a:t>
-            </a:r>
-            <a:r>
-              <a:rPr lang="de-DE" sz="2800" dirty="0">
-                <a:latin typeface="Calibri" panose="020F0502020204030204" pitchFamily="34" charset="0"/>
-                <a:cs typeface="Calibri" panose="020F0502020204030204" pitchFamily="34" charset="0"/>
-              </a:rPr>
-              <a:t> </a:t>
-            </a:r>
-            <a:r>
-              <a:rPr lang="de-DE" sz="2800" dirty="0" err="1">
-                <a:latin typeface="Calibri" panose="020F0502020204030204" pitchFamily="34" charset="0"/>
-                <a:cs typeface="Calibri" panose="020F0502020204030204" pitchFamily="34" charset="0"/>
-              </a:rPr>
-              <a:t>decay</a:t>
-            </a:r>
-            <a:r>
-              <a:rPr lang="de-DE" sz="2800" dirty="0">
-                <a:latin typeface="Calibri" panose="020F0502020204030204" pitchFamily="34" charset="0"/>
-                <a:cs typeface="Calibri" panose="020F0502020204030204" pitchFamily="34" charset="0"/>
-              </a:rPr>
-              <a:t>:	[0.001, 0.01]</a:t>
-            </a:r>
-          </a:p>
-          <a:p>
-            <a:pPr lvl="1">
-              <a:lnSpc>
-                <a:spcPct val="200000"/>
-              </a:lnSpc>
-            </a:pPr>
-            <a:r>
-              <a:rPr lang="de-DE" sz="2800" dirty="0">
-                <a:latin typeface="Calibri" panose="020F0502020204030204" pitchFamily="34" charset="0"/>
-                <a:cs typeface="Calibri" panose="020F0502020204030204" pitchFamily="34" charset="0"/>
-              </a:rPr>
-              <a:t>Batchgröße:	{64, 128, 256, 512}</a:t>
-            </a:r>
-          </a:p>
-          <a:p>
-            <a:pPr lvl="1">
-              <a:lnSpc>
-                <a:spcPct val="200000"/>
-              </a:lnSpc>
-            </a:pPr>
-            <a:r>
-              <a:rPr lang="de-DE" sz="2800" dirty="0">
-                <a:latin typeface="Calibri" panose="020F0502020204030204" pitchFamily="34" charset="0"/>
-                <a:cs typeface="Calibri" panose="020F0502020204030204" pitchFamily="34" charset="0"/>
-              </a:rPr>
-              <a:t>Aktivierungsfunktion: {</a:t>
-            </a:r>
-            <a:r>
-              <a:rPr lang="de-DE" sz="2800" dirty="0" err="1">
-                <a:latin typeface="Calibri" panose="020F0502020204030204" pitchFamily="34" charset="0"/>
-                <a:cs typeface="Calibri" panose="020F0502020204030204" pitchFamily="34" charset="0"/>
-              </a:rPr>
-              <a:t>sigmoid</a:t>
-            </a:r>
-            <a:r>
-              <a:rPr lang="de-DE" sz="2800" dirty="0">
-                <a:latin typeface="Calibri" panose="020F0502020204030204" pitchFamily="34" charset="0"/>
-                <a:cs typeface="Calibri" panose="020F0502020204030204" pitchFamily="34" charset="0"/>
-              </a:rPr>
-              <a:t>, </a:t>
-            </a:r>
-            <a:r>
-              <a:rPr lang="de-DE" sz="2800" dirty="0" err="1">
-                <a:latin typeface="Calibri" panose="020F0502020204030204" pitchFamily="34" charset="0"/>
-                <a:cs typeface="Calibri" panose="020F0502020204030204" pitchFamily="34" charset="0"/>
-              </a:rPr>
-              <a:t>relu</a:t>
-            </a:r>
-            <a:r>
-              <a:rPr lang="de-DE" sz="2800" dirty="0">
-                <a:latin typeface="Calibri" panose="020F0502020204030204" pitchFamily="34" charset="0"/>
-                <a:cs typeface="Calibri" panose="020F0502020204030204" pitchFamily="34" charset="0"/>
-              </a:rPr>
-              <a:t>, </a:t>
-            </a:r>
-            <a:r>
-              <a:rPr lang="de-DE" sz="2800" dirty="0" err="1">
-                <a:latin typeface="Calibri" panose="020F0502020204030204" pitchFamily="34" charset="0"/>
-                <a:cs typeface="Calibri" panose="020F0502020204030204" pitchFamily="34" charset="0"/>
-              </a:rPr>
-              <a:t>leaky</a:t>
-            </a:r>
-            <a:r>
-              <a:rPr lang="de-DE" sz="2800" dirty="0">
-                <a:latin typeface="Calibri" panose="020F0502020204030204" pitchFamily="34" charset="0"/>
-                <a:cs typeface="Calibri" panose="020F0502020204030204" pitchFamily="34" charset="0"/>
-              </a:rPr>
-              <a:t> </a:t>
-            </a:r>
-            <a:r>
-              <a:rPr lang="de-DE" sz="2800" dirty="0" err="1">
-                <a:latin typeface="Calibri" panose="020F0502020204030204" pitchFamily="34" charset="0"/>
-                <a:cs typeface="Calibri" panose="020F0502020204030204" pitchFamily="34" charset="0"/>
-              </a:rPr>
-              <a:t>relu</a:t>
-            </a:r>
-            <a:r>
-              <a:rPr lang="de-DE" sz="2800" dirty="0">
-                <a:latin typeface="Calibri" panose="020F0502020204030204" pitchFamily="34" charset="0"/>
-                <a:cs typeface="Calibri" panose="020F0502020204030204" pitchFamily="34" charset="0"/>
-              </a:rPr>
-              <a:t>}</a:t>
-            </a:r>
-          </a:p>
-        </p:txBody>
-      </p:sp>
+      </p:pic>
     </p:spTree>
     <p:extLst>
       <p:ext uri="{BB962C8B-B14F-4D97-AF65-F5344CB8AC3E}">
-        <p14:creationId xmlns:p14="http://schemas.microsoft.com/office/powerpoint/2010/main" val="534983797"/>
+        <p14:creationId xmlns:p14="http://schemas.microsoft.com/office/powerpoint/2010/main" val="4066941044"/>
       </p:ext>
     </p:extLst>
   </p:cSld>
@@ -25624,7 +25951,7 @@
           <p:cNvPr id="2" name="Titel 1">
             <a:extLst>
               <a:ext uri="{FF2B5EF4-FFF2-40B4-BE49-F238E27FC236}">
-                <a16:creationId xmlns:a16="http://schemas.microsoft.com/office/drawing/2014/main" id="{ED8ABAC9-F96A-4A76-8705-9CB4CB1A1B9E}"/>
+                <a16:creationId xmlns:a16="http://schemas.microsoft.com/office/drawing/2014/main" id="{9165AD93-E192-AB0A-4F97-AC615B40AE09}"/>
               </a:ext>
             </a:extLst>
           </p:cNvPr>
@@ -25637,18 +25964,23 @@
         </p:nvSpPr>
         <p:spPr>
           <a:xfrm>
-            <a:off x="609480" y="61192"/>
-            <a:ext cx="10972440" cy="945675"/>
+            <a:off x="6585734" y="1290742"/>
+            <a:ext cx="4996185" cy="1144800"/>
           </a:xfrm>
         </p:spPr>
         <p:txBody>
           <a:bodyPr/>
           <a:lstStyle/>
           <a:p>
+            <a:pPr algn="ctr"/>
             <a:r>
-              <a:rPr lang="de-DE" dirty="0"/>
-              <a:t>Ergebnisevaluation</a:t>
+              <a:rPr lang="de-DE" dirty="0">
+                <a:latin typeface="Calibri Light" panose="020F0302020204030204" pitchFamily="34" charset="0"/>
+                <a:cs typeface="Calibri Light" panose="020F0302020204030204" pitchFamily="34" charset="0"/>
+              </a:rPr>
+              <a:t>Regularisierung</a:t>
             </a:r>
+            <a:endParaRPr lang="de-DE" dirty="0"/>
           </a:p>
         </p:txBody>
       </p:sp>
@@ -25657,7 +25989,7 @@
           <p:cNvPr id="3" name="Untertitel 2">
             <a:extLst>
               <a:ext uri="{FF2B5EF4-FFF2-40B4-BE49-F238E27FC236}">
-                <a16:creationId xmlns:a16="http://schemas.microsoft.com/office/drawing/2014/main" id="{777A4000-E92B-4A2D-8BBA-058CFB4C292A}"/>
+                <a16:creationId xmlns:a16="http://schemas.microsoft.com/office/drawing/2014/main" id="{6A32C801-6C76-A275-85CC-C02B93AA03DD}"/>
               </a:ext>
             </a:extLst>
           </p:cNvPr>
@@ -25668,21 +26000,118 @@
             <p:ph type="subTitle"/>
           </p:nvPr>
         </p:nvSpPr>
-        <p:spPr/>
+        <p:spPr>
+          <a:xfrm>
+            <a:off x="6585733" y="2880720"/>
+            <a:ext cx="4996186" cy="3977280"/>
+          </a:xfrm>
+        </p:spPr>
         <p:txBody>
           <a:bodyPr/>
           <a:lstStyle/>
           <a:p>
-            <a:endParaRPr lang="de-DE" dirty="0"/>
+            <a:pPr marL="0" indent="0" algn="ctr">
+              <a:buNone/>
+            </a:pPr>
+            <a:r>
+              <a:rPr lang="de-DE" sz="3200" u="sng" dirty="0">
+                <a:latin typeface="Calibri Light" panose="020F0302020204030204" pitchFamily="34" charset="0"/>
+                <a:cs typeface="Calibri Light" panose="020F0302020204030204" pitchFamily="34" charset="0"/>
+              </a:rPr>
+              <a:t>Training Details:</a:t>
+            </a:r>
+            <a:r>
+              <a:rPr lang="de-DE" sz="3200" dirty="0">
+                <a:latin typeface="Calibri Light" panose="020F0302020204030204" pitchFamily="34" charset="0"/>
+                <a:cs typeface="Calibri Light" panose="020F0302020204030204" pitchFamily="34" charset="0"/>
+              </a:rPr>
+              <a:t> </a:t>
+            </a:r>
+          </a:p>
+          <a:p>
+            <a:pPr marL="457200" indent="-457200">
+              <a:buFont typeface="Arial" panose="020B0604020202020204" pitchFamily="34" charset="0"/>
+              <a:buChar char="•"/>
+            </a:pPr>
+            <a:r>
+              <a:rPr lang="de-DE" sz="3200" dirty="0">
+                <a:latin typeface="Calibri Light" panose="020F0302020204030204" pitchFamily="34" charset="0"/>
+                <a:cs typeface="Calibri Light" panose="020F0302020204030204" pitchFamily="34" charset="0"/>
+              </a:rPr>
+              <a:t>Learning rate 0.001</a:t>
+            </a:r>
+          </a:p>
+          <a:p>
+            <a:pPr marL="457200" indent="-457200">
+              <a:buFont typeface="Arial" panose="020B0604020202020204" pitchFamily="34" charset="0"/>
+              <a:buChar char="•"/>
+            </a:pPr>
+            <a:r>
+              <a:rPr lang="de-DE" sz="3200" dirty="0">
+                <a:latin typeface="Calibri Light" panose="020F0302020204030204" pitchFamily="34" charset="0"/>
+                <a:cs typeface="Calibri Light" panose="020F0302020204030204" pitchFamily="34" charset="0"/>
+              </a:rPr>
+              <a:t>Batch </a:t>
+            </a:r>
+            <a:r>
+              <a:rPr lang="de-DE" sz="3200" dirty="0" err="1">
+                <a:latin typeface="Calibri Light" panose="020F0302020204030204" pitchFamily="34" charset="0"/>
+                <a:cs typeface="Calibri Light" panose="020F0302020204030204" pitchFamily="34" charset="0"/>
+              </a:rPr>
+              <a:t>size</a:t>
+            </a:r>
+            <a:r>
+              <a:rPr lang="de-DE" sz="3200" dirty="0">
+                <a:latin typeface="Calibri Light" panose="020F0302020204030204" pitchFamily="34" charset="0"/>
+                <a:cs typeface="Calibri Light" panose="020F0302020204030204" pitchFamily="34" charset="0"/>
+              </a:rPr>
+              <a:t> 512</a:t>
+            </a:r>
+          </a:p>
+          <a:p>
+            <a:pPr marL="457200" indent="-457200">
+              <a:buFont typeface="Arial" panose="020B0604020202020204" pitchFamily="34" charset="0"/>
+              <a:buChar char="•"/>
+            </a:pPr>
+            <a:r>
+              <a:rPr lang="de-DE" sz="3200" dirty="0" err="1">
+                <a:latin typeface="Calibri Light" panose="020F0302020204030204" pitchFamily="34" charset="0"/>
+                <a:cs typeface="Calibri Light" panose="020F0302020204030204" pitchFamily="34" charset="0"/>
+              </a:rPr>
+              <a:t>Relu</a:t>
+            </a:r>
+            <a:endParaRPr lang="de-DE" sz="3200" dirty="0">
+              <a:latin typeface="Calibri Light" panose="020F0302020204030204" pitchFamily="34" charset="0"/>
+              <a:cs typeface="Calibri Light" panose="020F0302020204030204" pitchFamily="34" charset="0"/>
+            </a:endParaRPr>
+          </a:p>
+          <a:p>
+            <a:pPr marL="457200" indent="-457200">
+              <a:buFont typeface="Arial" panose="020B0604020202020204" pitchFamily="34" charset="0"/>
+              <a:buChar char="•"/>
+            </a:pPr>
+            <a:r>
+              <a:rPr lang="de-DE" sz="3200" dirty="0">
+                <a:latin typeface="Calibri Light" panose="020F0302020204030204" pitchFamily="34" charset="0"/>
+                <a:cs typeface="Calibri Light" panose="020F0302020204030204" pitchFamily="34" charset="0"/>
+              </a:rPr>
+              <a:t>110-30-30-15-11</a:t>
+            </a:r>
+          </a:p>
+          <a:p>
+            <a:endParaRPr lang="de-DE" sz="3200" dirty="0">
+              <a:latin typeface="Calibri Light" panose="020F0302020204030204" pitchFamily="34" charset="0"/>
+              <a:cs typeface="Calibri Light" panose="020F0302020204030204" pitchFamily="34" charset="0"/>
+            </a:endParaRPr>
           </a:p>
         </p:txBody>
       </p:sp>
       <p:pic>
         <p:nvPicPr>
-          <p:cNvPr id="7" name="Grafik 6">
+          <p:cNvPr id="5" name="Grafik 4">
             <a:extLst>
               <a:ext uri="{FF2B5EF4-FFF2-40B4-BE49-F238E27FC236}">
-                <a16:creationId xmlns:a16="http://schemas.microsoft.com/office/drawing/2014/main" id="{E07A3601-3D49-4E2F-83C1-B3405933B8E9}"/>
+                <a16:creationId xmlns:a16="http://schemas.microsoft.com/office/drawing/2014/main" id="{8C5CC7F0-6E63-8A4B-ACEE-9F96AAC51BE1}"/>
               </a:ext>
             </a:extLst>
           </p:cNvPr>
@@ -25705,8 +26134,8 @@
         </p:blipFill>
         <p:spPr>
           <a:xfrm>
-            <a:off x="609480" y="-948"/>
-            <a:ext cx="10368618" cy="6858948"/>
+            <a:off x="-1" y="-249"/>
+            <a:ext cx="6585736" cy="6858249"/>
           </a:xfrm>
           <a:prstGeom prst="rect">
             <a:avLst/>
@@ -25716,7 +26145,7 @@
     </p:spTree>
     <p:extLst>
       <p:ext uri="{BB962C8B-B14F-4D97-AF65-F5344CB8AC3E}">
-        <p14:creationId xmlns:p14="http://schemas.microsoft.com/office/powerpoint/2010/main" val="2387672321"/>
+        <p14:creationId xmlns:p14="http://schemas.microsoft.com/office/powerpoint/2010/main" val="1412498983"/>
       </p:ext>
     </p:extLst>
   </p:cSld>
@@ -25748,7 +26177,7 @@
           <p:cNvPr id="2" name="Titel 1">
             <a:extLst>
               <a:ext uri="{FF2B5EF4-FFF2-40B4-BE49-F238E27FC236}">
-                <a16:creationId xmlns:a16="http://schemas.microsoft.com/office/drawing/2014/main" id="{D742C26A-A2F9-400A-B16A-EF8C3CDE9F18}"/>
+                <a16:creationId xmlns:a16="http://schemas.microsoft.com/office/drawing/2014/main" id="{555076EE-9839-8E51-F76F-B6B7E5FA4F24}"/>
               </a:ext>
             </a:extLst>
           </p:cNvPr>
@@ -25761,8 +26190,8 @@
         </p:nvSpPr>
         <p:spPr>
           <a:xfrm>
-            <a:off x="5079098" y="273600"/>
-            <a:ext cx="6502822" cy="1144800"/>
+            <a:off x="6882062" y="1218822"/>
+            <a:ext cx="4699858" cy="1144800"/>
           </a:xfrm>
         </p:spPr>
         <p:txBody>
@@ -25775,7 +26204,7 @@
                 <a:latin typeface="Calibri Light" panose="020F0302020204030204" pitchFamily="34" charset="0"/>
                 <a:cs typeface="Calibri Light" panose="020F0302020204030204" pitchFamily="34" charset="0"/>
               </a:rPr>
-              <a:t>Adam Optimizer</a:t>
+              <a:t>Vergleich von Batch Größen</a:t>
             </a:r>
           </a:p>
         </p:txBody>
@@ -25785,7 +26214,7 @@
           <p:cNvPr id="3" name="Untertitel 2">
             <a:extLst>
               <a:ext uri="{FF2B5EF4-FFF2-40B4-BE49-F238E27FC236}">
-                <a16:creationId xmlns:a16="http://schemas.microsoft.com/office/drawing/2014/main" id="{97ACD1A6-3E92-4118-B63A-A0A1AAFBBDE0}"/>
+                <a16:creationId xmlns:a16="http://schemas.microsoft.com/office/drawing/2014/main" id="{7ACFCA21-D62B-7452-CC5D-AF0CAAE8BFD2}"/>
               </a:ext>
             </a:extLst>
           </p:cNvPr>
@@ -25798,45 +26227,83 @@
         </p:nvSpPr>
         <p:spPr>
           <a:xfrm>
-            <a:off x="5079098" y="1418400"/>
-            <a:ext cx="6502823" cy="2453772"/>
+            <a:off x="6882062" y="2699266"/>
+            <a:ext cx="4699858" cy="3537904"/>
           </a:xfrm>
         </p:spPr>
         <p:txBody>
-          <a:bodyPr anchor="ctr"/>
+          <a:bodyPr/>
           <a:lstStyle/>
           <a:p>
-            <a:pPr algn="ctr"/>
+            <a:pPr marL="0" indent="0" algn="ctr">
+              <a:buNone/>
+            </a:pPr>
             <a:r>
-              <a:rPr lang="de-DE" sz="3200" dirty="0">
-                <a:latin typeface="Calibri" panose="020F0502020204030204" pitchFamily="34" charset="0"/>
-                <a:cs typeface="Calibri" panose="020F0502020204030204" pitchFamily="34" charset="0"/>
+              <a:rPr lang="de-DE" sz="3200" u="sng" dirty="0">
+                <a:latin typeface="Calibri Light" panose="020F0302020204030204" pitchFamily="34" charset="0"/>
+                <a:cs typeface="Calibri Light" panose="020F0302020204030204" pitchFamily="34" charset="0"/>
               </a:rPr>
-              <a:t>Adam Optimizer versus klassischen </a:t>
-            </a:r>
-            <a:r>
-              <a:rPr lang="de-DE" sz="3200" dirty="0" err="1">
-                <a:latin typeface="Calibri" panose="020F0502020204030204" pitchFamily="34" charset="0"/>
-                <a:cs typeface="Calibri" panose="020F0502020204030204" pitchFamily="34" charset="0"/>
-              </a:rPr>
-              <a:t>Stochastic</a:t>
+              <a:t>Training Details:</a:t>
             </a:r>
             <a:r>
               <a:rPr lang="de-DE" sz="3200" dirty="0">
-                <a:latin typeface="Calibri" panose="020F0502020204030204" pitchFamily="34" charset="0"/>
-                <a:cs typeface="Calibri" panose="020F0502020204030204" pitchFamily="34" charset="0"/>
+                <a:latin typeface="Calibri Light" panose="020F0302020204030204" pitchFamily="34" charset="0"/>
+                <a:cs typeface="Calibri Light" panose="020F0302020204030204" pitchFamily="34" charset="0"/>
               </a:rPr>
-              <a:t> Gradient Descent</a:t>
+              <a:t> </a:t>
+            </a:r>
+          </a:p>
+          <a:p>
+            <a:pPr marL="457200" indent="-457200">
+              <a:buFont typeface="Arial" panose="020B0604020202020204" pitchFamily="34" charset="0"/>
+              <a:buChar char="•"/>
+            </a:pPr>
+            <a:r>
+              <a:rPr lang="de-DE" sz="3200" dirty="0">
+                <a:latin typeface="Calibri Light" panose="020F0302020204030204" pitchFamily="34" charset="0"/>
+                <a:cs typeface="Calibri Light" panose="020F0302020204030204" pitchFamily="34" charset="0"/>
+              </a:rPr>
+              <a:t>Learning rate 0.001</a:t>
+            </a:r>
+          </a:p>
+          <a:p>
+            <a:pPr marL="457200" indent="-457200">
+              <a:buFont typeface="Arial" panose="020B0604020202020204" pitchFamily="34" charset="0"/>
+              <a:buChar char="•"/>
+            </a:pPr>
+            <a:r>
+              <a:rPr lang="de-DE" sz="3200" dirty="0" err="1">
+                <a:latin typeface="Calibri Light" panose="020F0302020204030204" pitchFamily="34" charset="0"/>
+                <a:cs typeface="Calibri Light" panose="020F0302020204030204" pitchFamily="34" charset="0"/>
+              </a:rPr>
+              <a:t>Relu</a:t>
+            </a:r>
+            <a:endParaRPr lang="de-DE" sz="3200" dirty="0">
+              <a:latin typeface="Calibri Light" panose="020F0302020204030204" pitchFamily="34" charset="0"/>
+              <a:cs typeface="Calibri Light" panose="020F0302020204030204" pitchFamily="34" charset="0"/>
+            </a:endParaRPr>
+          </a:p>
+          <a:p>
+            <a:pPr marL="457200" indent="-457200">
+              <a:buFont typeface="Arial" panose="020B0604020202020204" pitchFamily="34" charset="0"/>
+              <a:buChar char="•"/>
+            </a:pPr>
+            <a:r>
+              <a:rPr lang="de-DE" sz="3200" dirty="0">
+                <a:latin typeface="Calibri Light" panose="020F0302020204030204" pitchFamily="34" charset="0"/>
+                <a:cs typeface="Calibri Light" panose="020F0302020204030204" pitchFamily="34" charset="0"/>
+              </a:rPr>
+              <a:t>110-40-40-20-20-11</a:t>
             </a:r>
           </a:p>
         </p:txBody>
       </p:sp>
       <p:pic>
         <p:nvPicPr>
-          <p:cNvPr id="7" name="Grafik 6">
+          <p:cNvPr id="5" name="Grafik 4">
             <a:extLst>
               <a:ext uri="{FF2B5EF4-FFF2-40B4-BE49-F238E27FC236}">
-                <a16:creationId xmlns:a16="http://schemas.microsoft.com/office/drawing/2014/main" id="{EC9E8F74-E1C2-430A-80F4-9673BB7D14E5}"/>
+                <a16:creationId xmlns:a16="http://schemas.microsoft.com/office/drawing/2014/main" id="{B0C951CE-175B-2C3D-738B-2036265C385C}"/>
               </a:ext>
             </a:extLst>
           </p:cNvPr>
@@ -25859,60 +26326,18 @@
         </p:blipFill>
         <p:spPr>
           <a:xfrm>
-            <a:off x="124910" y="0"/>
-            <a:ext cx="4954188" cy="6858000"/>
+            <a:off x="261751" y="-398"/>
+            <a:ext cx="6620311" cy="6764231"/>
           </a:xfrm>
           <a:prstGeom prst="rect">
             <a:avLst/>
           </a:prstGeom>
         </p:spPr>
       </p:pic>
-      <p:pic>
-        <p:nvPicPr>
-          <p:cNvPr id="9" name="Grafik 8" descr="Ein Bild, das Tisch enthält.&#10;&#10;Automatisch generierte Beschreibung">
-            <a:extLst>
-              <a:ext uri="{FF2B5EF4-FFF2-40B4-BE49-F238E27FC236}">
-                <a16:creationId xmlns:a16="http://schemas.microsoft.com/office/drawing/2014/main" id="{46B7FC99-900F-4AB2-B76D-6A6F94E56287}"/>
-              </a:ext>
-            </a:extLst>
-          </p:cNvPr>
-          <p:cNvPicPr>
-            <a:picLocks noChangeAspect="1"/>
-          </p:cNvPicPr>
-          <p:nvPr/>
-        </p:nvPicPr>
-        <p:blipFill>
-          <a:blip r:embed="rId3">
-            <a:extLst>
-              <a:ext uri="{28A0092B-C50C-407E-A947-70E740481C1C}">
-                <a14:useLocalDpi xmlns:a14="http://schemas.microsoft.com/office/drawing/2010/main" val="0"/>
-              </a:ext>
-            </a:extLst>
-          </a:blip>
-          <a:stretch>
-            <a:fillRect/>
-          </a:stretch>
-        </p:blipFill>
-        <p:spPr>
-          <a:xfrm>
-            <a:off x="2344486" y="4244414"/>
-            <a:ext cx="8981779" cy="1705510"/>
-          </a:xfrm>
-          <a:prstGeom prst="rect">
-            <a:avLst/>
-          </a:prstGeom>
-          <a:noFill/>
-          <a:ln>
-            <a:solidFill>
-              <a:schemeClr val="tx1"/>
-            </a:solidFill>
-          </a:ln>
-        </p:spPr>
-      </p:pic>
     </p:spTree>
     <p:extLst>
       <p:ext uri="{BB962C8B-B14F-4D97-AF65-F5344CB8AC3E}">
-        <p14:creationId xmlns:p14="http://schemas.microsoft.com/office/powerpoint/2010/main" val="1705589557"/>
+        <p14:creationId xmlns:p14="http://schemas.microsoft.com/office/powerpoint/2010/main" val="442781919"/>
       </p:ext>
     </p:extLst>
   </p:cSld>
@@ -25944,7 +26369,7 @@
           <p:cNvPr id="2" name="Titel 1">
             <a:extLst>
               <a:ext uri="{FF2B5EF4-FFF2-40B4-BE49-F238E27FC236}">
-                <a16:creationId xmlns:a16="http://schemas.microsoft.com/office/drawing/2014/main" id="{837A3546-200D-4FCF-8D39-7651F0F0BDFE}"/>
+                <a16:creationId xmlns:a16="http://schemas.microsoft.com/office/drawing/2014/main" id="{5C072A82-11D8-8C91-9EAE-9F81150A96EC}"/>
               </a:ext>
             </a:extLst>
           </p:cNvPr>
@@ -25957,8 +26382,8 @@
         </p:nvSpPr>
         <p:spPr>
           <a:xfrm>
-            <a:off x="4926773" y="538058"/>
-            <a:ext cx="6655146" cy="1144800"/>
+            <a:off x="6667927" y="1371620"/>
+            <a:ext cx="4913992" cy="1144800"/>
           </a:xfrm>
         </p:spPr>
         <p:txBody>
@@ -25967,30 +26392,12 @@
           <a:p>
             <a:pPr algn="ctr"/>
             <a:r>
-              <a:rPr lang="de-DE" dirty="0" err="1">
-                <a:latin typeface="Calibri Light" panose="020F0302020204030204" pitchFamily="34" charset="0"/>
-                <a:cs typeface="Calibri Light" panose="020F0302020204030204" pitchFamily="34" charset="0"/>
-              </a:rPr>
-              <a:t>Activation</a:t>
-            </a:r>
-            <a:r>
               <a:rPr lang="de-DE" dirty="0">
                 <a:latin typeface="Calibri Light" panose="020F0302020204030204" pitchFamily="34" charset="0"/>
                 <a:cs typeface="Calibri Light" panose="020F0302020204030204" pitchFamily="34" charset="0"/>
               </a:rPr>
-              <a:t> </a:t>
+              <a:t>PCA</a:t>
             </a:r>
-            <a:r>
-              <a:rPr lang="de-DE" dirty="0" err="1">
-                <a:latin typeface="Calibri Light" panose="020F0302020204030204" pitchFamily="34" charset="0"/>
-                <a:cs typeface="Calibri Light" panose="020F0302020204030204" pitchFamily="34" charset="0"/>
-              </a:rPr>
-              <a:t>Function</a:t>
-            </a:r>
-            <a:endParaRPr lang="de-DE" dirty="0">
-              <a:latin typeface="Calibri Light" panose="020F0302020204030204" pitchFamily="34" charset="0"/>
-              <a:cs typeface="Calibri Light" panose="020F0302020204030204" pitchFamily="34" charset="0"/>
-            </a:endParaRPr>
           </a:p>
         </p:txBody>
       </p:sp>
@@ -25999,7 +26406,7 @@
           <p:cNvPr id="3" name="Untertitel 2">
             <a:extLst>
               <a:ext uri="{FF2B5EF4-FFF2-40B4-BE49-F238E27FC236}">
-                <a16:creationId xmlns:a16="http://schemas.microsoft.com/office/drawing/2014/main" id="{75484B34-3A80-4E19-8A2C-327CCEB059DA}"/>
+                <a16:creationId xmlns:a16="http://schemas.microsoft.com/office/drawing/2014/main" id="{F6A20754-CDDA-042D-E1F3-1EEC42EC707B}"/>
               </a:ext>
             </a:extLst>
           </p:cNvPr>
@@ -26012,49 +26419,103 @@
         </p:nvSpPr>
         <p:spPr>
           <a:xfrm>
-            <a:off x="4926772" y="1604520"/>
-            <a:ext cx="6655147" cy="2217467"/>
+            <a:off x="6595597" y="3188945"/>
+            <a:ext cx="4913993" cy="3396790"/>
           </a:xfrm>
         </p:spPr>
         <p:txBody>
           <a:bodyPr/>
           <a:lstStyle/>
           <a:p>
-            <a:pPr algn="ctr"/>
+            <a:pPr marL="0" indent="0" algn="ctr">
+              <a:buNone/>
+            </a:pPr>
+            <a:r>
+              <a:rPr lang="de-DE" sz="3200" u="sng" dirty="0">
+                <a:latin typeface="Calibri Light" panose="020F0302020204030204" pitchFamily="34" charset="0"/>
+                <a:cs typeface="Calibri Light" panose="020F0302020204030204" pitchFamily="34" charset="0"/>
+              </a:rPr>
+              <a:t>Training Details:</a:t>
+            </a:r>
+            <a:r>
+              <a:rPr lang="de-DE" sz="3200" dirty="0">
+                <a:latin typeface="Calibri Light" panose="020F0302020204030204" pitchFamily="34" charset="0"/>
+                <a:cs typeface="Calibri Light" panose="020F0302020204030204" pitchFamily="34" charset="0"/>
+              </a:rPr>
+              <a:t> </a:t>
+            </a:r>
+          </a:p>
+          <a:p>
+            <a:pPr marL="457200" indent="-457200">
+              <a:buFont typeface="Arial" panose="020B0604020202020204" pitchFamily="34" charset="0"/>
+              <a:buChar char="•"/>
+            </a:pPr>
+            <a:r>
+              <a:rPr lang="de-DE" sz="3200" dirty="0">
+                <a:latin typeface="Calibri Light" panose="020F0302020204030204" pitchFamily="34" charset="0"/>
+                <a:cs typeface="Calibri Light" panose="020F0302020204030204" pitchFamily="34" charset="0"/>
+              </a:rPr>
+              <a:t>Learning rate 0.000875</a:t>
+            </a:r>
+          </a:p>
+          <a:p>
+            <a:pPr marL="457200" indent="-457200">
+              <a:buFont typeface="Arial" panose="020B0604020202020204" pitchFamily="34" charset="0"/>
+              <a:buChar char="•"/>
+            </a:pPr>
             <a:r>
               <a:rPr lang="de-DE" sz="3200" dirty="0" err="1">
-                <a:latin typeface="Calibri" panose="020F0502020204030204" pitchFamily="34" charset="0"/>
-                <a:cs typeface="Calibri" panose="020F0502020204030204" pitchFamily="34" charset="0"/>
+                <a:latin typeface="Calibri Light" panose="020F0302020204030204" pitchFamily="34" charset="0"/>
+                <a:cs typeface="Calibri Light" panose="020F0302020204030204" pitchFamily="34" charset="0"/>
               </a:rPr>
               <a:t>Relu</a:t>
             </a:r>
+            <a:endParaRPr lang="de-DE" sz="3200" dirty="0">
+              <a:latin typeface="Calibri Light" panose="020F0302020204030204" pitchFamily="34" charset="0"/>
+              <a:cs typeface="Calibri Light" panose="020F0302020204030204" pitchFamily="34" charset="0"/>
+            </a:endParaRPr>
+          </a:p>
+          <a:p>
+            <a:pPr marL="457200" indent="-457200">
+              <a:buFont typeface="Arial" panose="020B0604020202020204" pitchFamily="34" charset="0"/>
+              <a:buChar char="•"/>
+            </a:pPr>
             <a:r>
               <a:rPr lang="de-DE" sz="3200" dirty="0">
-                <a:latin typeface="Calibri" panose="020F0502020204030204" pitchFamily="34" charset="0"/>
-                <a:cs typeface="Calibri" panose="020F0502020204030204" pitchFamily="34" charset="0"/>
+                <a:latin typeface="Calibri Light" panose="020F0302020204030204" pitchFamily="34" charset="0"/>
+                <a:cs typeface="Calibri Light" panose="020F0302020204030204" pitchFamily="34" charset="0"/>
               </a:rPr>
-              <a:t> </a:t>
+              <a:t>Batch </a:t>
             </a:r>
             <a:r>
               <a:rPr lang="de-DE" sz="3200" dirty="0" err="1">
-                <a:latin typeface="Calibri" panose="020F0502020204030204" pitchFamily="34" charset="0"/>
-                <a:cs typeface="Calibri" panose="020F0502020204030204" pitchFamily="34" charset="0"/>
+                <a:latin typeface="Calibri Light" panose="020F0302020204030204" pitchFamily="34" charset="0"/>
+                <a:cs typeface="Calibri Light" panose="020F0302020204030204" pitchFamily="34" charset="0"/>
               </a:rPr>
-              <a:t>wins</a:t>
+              <a:t>size</a:t>
             </a:r>
+            <a:r>
+              <a:rPr lang="de-DE" sz="3200" dirty="0">
+                <a:latin typeface="Calibri Light" panose="020F0302020204030204" pitchFamily="34" charset="0"/>
+                <a:cs typeface="Calibri Light" panose="020F0302020204030204" pitchFamily="34" charset="0"/>
+              </a:rPr>
+              <a:t> 512</a:t>
+            </a:r>
+          </a:p>
+          <a:p>
             <a:endParaRPr lang="de-DE" sz="3200" dirty="0">
-              <a:latin typeface="Calibri" panose="020F0502020204030204" pitchFamily="34" charset="0"/>
-              <a:cs typeface="Calibri" panose="020F0502020204030204" pitchFamily="34" charset="0"/>
+              <a:latin typeface="Calibri Light" panose="020F0302020204030204" pitchFamily="34" charset="0"/>
+              <a:cs typeface="Calibri Light" panose="020F0302020204030204" pitchFamily="34" charset="0"/>
             </a:endParaRPr>
           </a:p>
         </p:txBody>
       </p:sp>
       <p:pic>
         <p:nvPicPr>
-          <p:cNvPr id="8" name="Grafik 7">
+          <p:cNvPr id="5" name="Grafik 4">
             <a:extLst>
               <a:ext uri="{FF2B5EF4-FFF2-40B4-BE49-F238E27FC236}">
-                <a16:creationId xmlns:a16="http://schemas.microsoft.com/office/drawing/2014/main" id="{CAD391B6-7F42-4265-9021-69C551865D84}"/>
+                <a16:creationId xmlns:a16="http://schemas.microsoft.com/office/drawing/2014/main" id="{61522CB7-5C99-DA16-7080-2CE59EF4EBAF}"/>
               </a:ext>
             </a:extLst>
           </p:cNvPr>
@@ -26063,7 +26524,7 @@
           </p:cNvPicPr>
           <p:nvPr/>
         </p:nvPicPr>
-        <p:blipFill rotWithShape="1">
+        <p:blipFill>
           <a:blip r:embed="rId2">
             <a:extLst>
               <a:ext uri="{28A0092B-C50C-407E-A947-70E740481C1C}">
@@ -26071,48 +26532,14 @@
               </a:ext>
             </a:extLst>
           </a:blip>
-          <a:srcRect l="10834" t="10746" r="51539" b="8348"/>
-          <a:stretch/>
+          <a:stretch>
+            <a:fillRect/>
+          </a:stretch>
         </p:blipFill>
         <p:spPr>
           <a:xfrm>
-            <a:off x="159797" y="33257"/>
-            <a:ext cx="4714429" cy="6758068"/>
-          </a:xfrm>
-          <a:prstGeom prst="rect">
-            <a:avLst/>
-          </a:prstGeom>
-        </p:spPr>
-      </p:pic>
-      <p:pic>
-        <p:nvPicPr>
-          <p:cNvPr id="6" name="Grafik 5">
-            <a:extLst>
-              <a:ext uri="{FF2B5EF4-FFF2-40B4-BE49-F238E27FC236}">
-                <a16:creationId xmlns:a16="http://schemas.microsoft.com/office/drawing/2014/main" id="{BC49DF5F-CC5D-4D91-B8CD-EEABB4308E9E}"/>
-              </a:ext>
-            </a:extLst>
-          </p:cNvPr>
-          <p:cNvPicPr>
-            <a:picLocks noChangeAspect="1"/>
-          </p:cNvPicPr>
-          <p:nvPr/>
-        </p:nvPicPr>
-        <p:blipFill rotWithShape="1">
-          <a:blip r:embed="rId2">
-            <a:extLst>
-              <a:ext uri="{28A0092B-C50C-407E-A947-70E740481C1C}">
-                <a14:useLocalDpi xmlns:a14="http://schemas.microsoft.com/office/drawing/2010/main" val="0"/>
-              </a:ext>
-            </a:extLst>
-          </a:blip>
-          <a:srcRect l="54734" t="48001" r="10039" b="46725"/>
-          <a:stretch/>
-        </p:blipFill>
-        <p:spPr>
-          <a:xfrm>
-            <a:off x="1898728" y="4759417"/>
-            <a:ext cx="9898602" cy="988125"/>
+            <a:off x="78226" y="0"/>
+            <a:ext cx="6517371" cy="6858000"/>
           </a:xfrm>
           <a:prstGeom prst="rect">
             <a:avLst/>
@@ -26122,7 +26549,7 @@
     </p:spTree>
     <p:extLst>
       <p:ext uri="{BB962C8B-B14F-4D97-AF65-F5344CB8AC3E}">
-        <p14:creationId xmlns:p14="http://schemas.microsoft.com/office/powerpoint/2010/main" val="2970825459"/>
+        <p14:creationId xmlns:p14="http://schemas.microsoft.com/office/powerpoint/2010/main" val="980760007"/>
       </p:ext>
     </p:extLst>
   </p:cSld>
@@ -26154,7 +26581,7 @@
           <p:cNvPr id="2" name="Titel 1">
             <a:extLst>
               <a:ext uri="{FF2B5EF4-FFF2-40B4-BE49-F238E27FC236}">
-                <a16:creationId xmlns:a16="http://schemas.microsoft.com/office/drawing/2014/main" id="{DE65CFB5-2B9A-47D1-94FC-387AF3159101}"/>
+                <a16:creationId xmlns:a16="http://schemas.microsoft.com/office/drawing/2014/main" id="{4FD08EBA-FFE6-924D-046B-F3CC2A18891E}"/>
               </a:ext>
             </a:extLst>
           </p:cNvPr>
@@ -26167,8 +26594,8 @@
         </p:nvSpPr>
         <p:spPr>
           <a:xfrm>
-            <a:off x="4989579" y="459720"/>
-            <a:ext cx="6592340" cy="1144800"/>
+            <a:off x="6646801" y="1199889"/>
+            <a:ext cx="4935119" cy="1144800"/>
           </a:xfrm>
         </p:spPr>
         <p:txBody>
@@ -26181,7 +26608,7 @@
                 <a:latin typeface="Calibri Light" panose="020F0302020204030204" pitchFamily="34" charset="0"/>
                 <a:cs typeface="Calibri Light" panose="020F0302020204030204" pitchFamily="34" charset="0"/>
               </a:rPr>
-              <a:t>Regularisierung</a:t>
+              <a:t>Learning Rate</a:t>
             </a:r>
           </a:p>
         </p:txBody>
@@ -26191,7 +26618,7 @@
           <p:cNvPr id="3" name="Untertitel 2">
             <a:extLst>
               <a:ext uri="{FF2B5EF4-FFF2-40B4-BE49-F238E27FC236}">
-                <a16:creationId xmlns:a16="http://schemas.microsoft.com/office/drawing/2014/main" id="{3A573C3A-8C09-48C7-B560-C21CC33E7D72}"/>
+                <a16:creationId xmlns:a16="http://schemas.microsoft.com/office/drawing/2014/main" id="{9AD71CF9-0D1E-B556-D205-4711CA5CDC24}"/>
               </a:ext>
             </a:extLst>
           </p:cNvPr>
@@ -26204,50 +26631,88 @@
         </p:nvSpPr>
         <p:spPr>
           <a:xfrm>
-            <a:off x="4989578" y="1604520"/>
-            <a:ext cx="6592341" cy="2505143"/>
+            <a:off x="6646800" y="2794569"/>
+            <a:ext cx="4935120" cy="3041151"/>
           </a:xfrm>
         </p:spPr>
         <p:txBody>
           <a:bodyPr/>
           <a:lstStyle/>
           <a:p>
-            <a:pPr algn="ctr"/>
+            <a:pPr marL="0" indent="0" algn="ctr">
+              <a:buNone/>
+            </a:pPr>
             <a:r>
-              <a:rPr lang="de-DE" sz="2800" dirty="0" err="1">
-                <a:latin typeface="Calibri" panose="020F0502020204030204" pitchFamily="34" charset="0"/>
-                <a:cs typeface="Calibri" panose="020F0502020204030204" pitchFamily="34" charset="0"/>
+              <a:rPr lang="de-DE" sz="3200" u="sng" dirty="0">
+                <a:latin typeface="Calibri Light" panose="020F0302020204030204" pitchFamily="34" charset="0"/>
+                <a:cs typeface="Calibri Light" panose="020F0302020204030204" pitchFamily="34" charset="0"/>
               </a:rPr>
-              <a:t>Weight</a:t>
+              <a:t>Training Details:</a:t>
             </a:r>
             <a:r>
-              <a:rPr lang="de-DE" sz="2800" dirty="0">
-                <a:latin typeface="Calibri" panose="020F0502020204030204" pitchFamily="34" charset="0"/>
-                <a:cs typeface="Calibri" panose="020F0502020204030204" pitchFamily="34" charset="0"/>
+              <a:rPr lang="de-DE" sz="3200" dirty="0">
+                <a:latin typeface="Calibri Light" panose="020F0302020204030204" pitchFamily="34" charset="0"/>
+                <a:cs typeface="Calibri Light" panose="020F0302020204030204" pitchFamily="34" charset="0"/>
               </a:rPr>
-              <a:t> Decay Faktor als </a:t>
-            </a:r>
-            <a:r>
-              <a:rPr lang="de-DE" sz="2800" dirty="0" err="1">
-                <a:latin typeface="Calibri" panose="020F0502020204030204" pitchFamily="34" charset="0"/>
-                <a:cs typeface="Calibri" panose="020F0502020204030204" pitchFamily="34" charset="0"/>
-              </a:rPr>
-              <a:t>Regularisierungsparameter</a:t>
-            </a:r>
-            <a:r>
-              <a:rPr lang="de-DE" sz="2800" dirty="0">
-                <a:latin typeface="Calibri" panose="020F0502020204030204" pitchFamily="34" charset="0"/>
-                <a:cs typeface="Calibri" panose="020F0502020204030204" pitchFamily="34" charset="0"/>
-              </a:rPr>
-              <a:t> für Adam</a:t>
+              <a:t> </a:t>
             </a:r>
           </a:p>
           <a:p>
-            <a:pPr algn="ctr"/>
-            <a:endParaRPr lang="de-DE" sz="2800" dirty="0">
-              <a:latin typeface="Calibri" panose="020F0502020204030204" pitchFamily="34" charset="0"/>
-              <a:cs typeface="Calibri" panose="020F0502020204030204" pitchFamily="34" charset="0"/>
+            <a:pPr marL="457200" indent="-457200">
+              <a:buFont typeface="Arial" panose="020B0604020202020204" pitchFamily="34" charset="0"/>
+              <a:buChar char="•"/>
+            </a:pPr>
+            <a:r>
+              <a:rPr lang="de-DE" sz="3200" dirty="0">
+                <a:latin typeface="Calibri Light" panose="020F0302020204030204" pitchFamily="34" charset="0"/>
+                <a:cs typeface="Calibri Light" panose="020F0302020204030204" pitchFamily="34" charset="0"/>
+              </a:rPr>
+              <a:t>Batch </a:t>
+            </a:r>
+            <a:r>
+              <a:rPr lang="de-DE" sz="3200" dirty="0" err="1">
+                <a:latin typeface="Calibri Light" panose="020F0302020204030204" pitchFamily="34" charset="0"/>
+                <a:cs typeface="Calibri Light" panose="020F0302020204030204" pitchFamily="34" charset="0"/>
+              </a:rPr>
+              <a:t>size</a:t>
+            </a:r>
+            <a:r>
+              <a:rPr lang="de-DE" sz="3200" dirty="0">
+                <a:latin typeface="Calibri Light" panose="020F0302020204030204" pitchFamily="34" charset="0"/>
+                <a:cs typeface="Calibri Light" panose="020F0302020204030204" pitchFamily="34" charset="0"/>
+              </a:rPr>
+              <a:t> 512</a:t>
+            </a:r>
+          </a:p>
+          <a:p>
+            <a:pPr marL="457200" indent="-457200">
+              <a:buFont typeface="Arial" panose="020B0604020202020204" pitchFamily="34" charset="0"/>
+              <a:buChar char="•"/>
+            </a:pPr>
+            <a:r>
+              <a:rPr lang="de-DE" sz="3200" dirty="0" err="1">
+                <a:latin typeface="Calibri Light" panose="020F0302020204030204" pitchFamily="34" charset="0"/>
+                <a:cs typeface="Calibri Light" panose="020F0302020204030204" pitchFamily="34" charset="0"/>
+              </a:rPr>
+              <a:t>Relu</a:t>
+            </a:r>
+            <a:endParaRPr lang="de-DE" sz="3200" dirty="0">
+              <a:latin typeface="Calibri Light" panose="020F0302020204030204" pitchFamily="34" charset="0"/>
+              <a:cs typeface="Calibri Light" panose="020F0302020204030204" pitchFamily="34" charset="0"/>
             </a:endParaRPr>
+          </a:p>
+          <a:p>
+            <a:pPr marL="457200" indent="-457200">
+              <a:buFont typeface="Arial" panose="020B0604020202020204" pitchFamily="34" charset="0"/>
+              <a:buChar char="•"/>
+            </a:pPr>
+            <a:r>
+              <a:rPr lang="de-DE" sz="3200" dirty="0">
+                <a:latin typeface="Calibri Light" panose="020F0302020204030204" pitchFamily="34" charset="0"/>
+                <a:cs typeface="Calibri Light" panose="020F0302020204030204" pitchFamily="34" charset="0"/>
+              </a:rPr>
+              <a:t>110-30-30-15-11</a:t>
+            </a:r>
           </a:p>
         </p:txBody>
       </p:sp>
@@ -26256,7 +26721,7 @@
           <p:cNvPr id="5" name="Grafik 4">
             <a:extLst>
               <a:ext uri="{FF2B5EF4-FFF2-40B4-BE49-F238E27FC236}">
-                <a16:creationId xmlns:a16="http://schemas.microsoft.com/office/drawing/2014/main" id="{AD3EE64D-5F9A-4FE4-A5D8-A1060EA925BA}"/>
+                <a16:creationId xmlns:a16="http://schemas.microsoft.com/office/drawing/2014/main" id="{6EECEFFD-682B-AA29-4892-C04968A7EC3F}"/>
               </a:ext>
             </a:extLst>
           </p:cNvPr>
@@ -26279,59 +26744,18 @@
         </p:blipFill>
         <p:spPr>
           <a:xfrm>
-            <a:off x="0" y="0"/>
-            <a:ext cx="4989580" cy="6858000"/>
+            <a:off x="0" y="25922"/>
+            <a:ext cx="6646801" cy="6832078"/>
           </a:xfrm>
           <a:prstGeom prst="rect">
             <a:avLst/>
           </a:prstGeom>
         </p:spPr>
       </p:pic>
-      <p:pic>
-        <p:nvPicPr>
-          <p:cNvPr id="7" name="Grafik 6" descr="Ein Bild, das Tisch enthält.&#10;&#10;Automatisch generierte Beschreibung">
-            <a:extLst>
-              <a:ext uri="{FF2B5EF4-FFF2-40B4-BE49-F238E27FC236}">
-                <a16:creationId xmlns:a16="http://schemas.microsoft.com/office/drawing/2014/main" id="{2F73A472-FDB2-4C21-8D23-B005F35977CD}"/>
-              </a:ext>
-            </a:extLst>
-          </p:cNvPr>
-          <p:cNvPicPr>
-            <a:picLocks noChangeAspect="1"/>
-          </p:cNvPicPr>
-          <p:nvPr/>
-        </p:nvPicPr>
-        <p:blipFill>
-          <a:blip r:embed="rId3">
-            <a:extLst>
-              <a:ext uri="{28A0092B-C50C-407E-A947-70E740481C1C}">
-                <a14:useLocalDpi xmlns:a14="http://schemas.microsoft.com/office/drawing/2010/main" val="0"/>
-              </a:ext>
-            </a:extLst>
-          </a:blip>
-          <a:stretch>
-            <a:fillRect/>
-          </a:stretch>
-        </p:blipFill>
-        <p:spPr>
-          <a:xfrm>
-            <a:off x="1243522" y="4290656"/>
-            <a:ext cx="10338398" cy="1286163"/>
-          </a:xfrm>
-          <a:prstGeom prst="rect">
-            <a:avLst/>
-          </a:prstGeom>
-          <a:ln>
-            <a:solidFill>
-              <a:schemeClr val="tx1"/>
-            </a:solidFill>
-          </a:ln>
-        </p:spPr>
-      </p:pic>
     </p:spTree>
     <p:extLst>
       <p:ext uri="{BB962C8B-B14F-4D97-AF65-F5344CB8AC3E}">
-        <p14:creationId xmlns:p14="http://schemas.microsoft.com/office/powerpoint/2010/main" val="1691523236"/>
+        <p14:creationId xmlns:p14="http://schemas.microsoft.com/office/powerpoint/2010/main" val="3218350441"/>
       </p:ext>
     </p:extLst>
   </p:cSld>
@@ -26342,629 +26766,6 @@
 </file>
 
 <file path=ppt/slides/slide15.xml><?xml version="1.0" encoding="utf-8"?>
-<p:sld xmlns:a="http://schemas.openxmlformats.org/drawingml/2006/main" xmlns:r="http://schemas.openxmlformats.org/officeDocument/2006/relationships" xmlns:p="http://schemas.openxmlformats.org/presentationml/2006/main">
-  <p:cSld>
-    <p:spTree>
-      <p:nvGrpSpPr>
-        <p:cNvPr id="1" name=""/>
-        <p:cNvGrpSpPr/>
-        <p:nvPr/>
-      </p:nvGrpSpPr>
-      <p:grpSpPr>
-        <a:xfrm>
-          <a:off x="0" y="0"/>
-          <a:ext cx="0" cy="0"/>
-          <a:chOff x="0" y="0"/>
-          <a:chExt cx="0" cy="0"/>
-        </a:xfrm>
-      </p:grpSpPr>
-      <p:sp>
-        <p:nvSpPr>
-          <p:cNvPr id="2" name="Titel 1">
-            <a:extLst>
-              <a:ext uri="{FF2B5EF4-FFF2-40B4-BE49-F238E27FC236}">
-                <a16:creationId xmlns:a16="http://schemas.microsoft.com/office/drawing/2014/main" id="{7EFF5543-EBB9-480C-BFF8-A3588BC2020A}"/>
-              </a:ext>
-            </a:extLst>
-          </p:cNvPr>
-          <p:cNvSpPr>
-            <a:spLocks noGrp="1"/>
-          </p:cNvSpPr>
-          <p:nvPr>
-            <p:ph type="title"/>
-          </p:nvPr>
-        </p:nvSpPr>
-        <p:spPr>
-          <a:xfrm>
-            <a:off x="4932353" y="602373"/>
-            <a:ext cx="6649565" cy="1144800"/>
-          </a:xfrm>
-        </p:spPr>
-        <p:txBody>
-          <a:bodyPr/>
-          <a:lstStyle/>
-          <a:p>
-            <a:pPr algn="ctr"/>
-            <a:r>
-              <a:rPr lang="de-DE" dirty="0">
-                <a:latin typeface="Calibri Light" panose="020F0302020204030204" pitchFamily="34" charset="0"/>
-                <a:cs typeface="Calibri Light" panose="020F0302020204030204" pitchFamily="34" charset="0"/>
-              </a:rPr>
-              <a:t>Mini Batches</a:t>
-            </a:r>
-          </a:p>
-        </p:txBody>
-      </p:sp>
-      <p:sp>
-        <p:nvSpPr>
-          <p:cNvPr id="3" name="Untertitel 2">
-            <a:extLst>
-              <a:ext uri="{FF2B5EF4-FFF2-40B4-BE49-F238E27FC236}">
-                <a16:creationId xmlns:a16="http://schemas.microsoft.com/office/drawing/2014/main" id="{87DC0C7D-B4FF-4957-BF3A-4BDC9CD8953B}"/>
-              </a:ext>
-            </a:extLst>
-          </p:cNvPr>
-          <p:cNvSpPr>
-            <a:spLocks noGrp="1"/>
-          </p:cNvSpPr>
-          <p:nvPr>
-            <p:ph type="subTitle"/>
-          </p:nvPr>
-        </p:nvSpPr>
-        <p:spPr>
-          <a:xfrm>
-            <a:off x="4932353" y="1737148"/>
-            <a:ext cx="6649566" cy="1499619"/>
-          </a:xfrm>
-        </p:spPr>
-        <p:txBody>
-          <a:bodyPr/>
-          <a:lstStyle/>
-          <a:p>
-            <a:pPr algn="ctr"/>
-            <a:r>
-              <a:rPr lang="de-DE" sz="2800" dirty="0">
-                <a:latin typeface="Calibri" panose="020F0502020204030204" pitchFamily="34" charset="0"/>
-                <a:cs typeface="Calibri" panose="020F0502020204030204" pitchFamily="34" charset="0"/>
-              </a:rPr>
-              <a:t>Vergleich verschiedener Batchgrößen</a:t>
-            </a:r>
-          </a:p>
-        </p:txBody>
-      </p:sp>
-      <p:pic>
-        <p:nvPicPr>
-          <p:cNvPr id="7" name="Grafik 6">
-            <a:extLst>
-              <a:ext uri="{FF2B5EF4-FFF2-40B4-BE49-F238E27FC236}">
-                <a16:creationId xmlns:a16="http://schemas.microsoft.com/office/drawing/2014/main" id="{DB925A95-C426-41ED-BEDD-E93239828BA2}"/>
-              </a:ext>
-            </a:extLst>
-          </p:cNvPr>
-          <p:cNvPicPr>
-            <a:picLocks noChangeAspect="1"/>
-          </p:cNvPicPr>
-          <p:nvPr/>
-        </p:nvPicPr>
-        <p:blipFill>
-          <a:blip r:embed="rId2">
-            <a:extLst>
-              <a:ext uri="{28A0092B-C50C-407E-A947-70E740481C1C}">
-                <a14:useLocalDpi xmlns:a14="http://schemas.microsoft.com/office/drawing/2010/main" val="0"/>
-              </a:ext>
-            </a:extLst>
-          </a:blip>
-          <a:stretch>
-            <a:fillRect/>
-          </a:stretch>
-        </p:blipFill>
-        <p:spPr>
-          <a:xfrm>
-            <a:off x="0" y="0"/>
-            <a:ext cx="4932355" cy="6858000"/>
-          </a:xfrm>
-          <a:prstGeom prst="rect">
-            <a:avLst/>
-          </a:prstGeom>
-        </p:spPr>
-      </p:pic>
-      <p:pic>
-        <p:nvPicPr>
-          <p:cNvPr id="9" name="Grafik 8" descr="Ein Bild, das Tisch enthält.&#10;&#10;Automatisch generierte Beschreibung">
-            <a:extLst>
-              <a:ext uri="{FF2B5EF4-FFF2-40B4-BE49-F238E27FC236}">
-                <a16:creationId xmlns:a16="http://schemas.microsoft.com/office/drawing/2014/main" id="{F8FD578F-BF6B-46CD-81B4-F075C71F5F7F}"/>
-              </a:ext>
-            </a:extLst>
-          </p:cNvPr>
-          <p:cNvPicPr>
-            <a:picLocks noChangeAspect="1"/>
-          </p:cNvPicPr>
-          <p:nvPr/>
-        </p:nvPicPr>
-        <p:blipFill>
-          <a:blip r:embed="rId3">
-            <a:extLst>
-              <a:ext uri="{28A0092B-C50C-407E-A947-70E740481C1C}">
-                <a14:useLocalDpi xmlns:a14="http://schemas.microsoft.com/office/drawing/2010/main" val="0"/>
-              </a:ext>
-            </a:extLst>
-          </a:blip>
-          <a:stretch>
-            <a:fillRect/>
-          </a:stretch>
-        </p:blipFill>
-        <p:spPr>
-          <a:xfrm>
-            <a:off x="1944125" y="4371042"/>
-            <a:ext cx="9637795" cy="1499619"/>
-          </a:xfrm>
-          <a:prstGeom prst="rect">
-            <a:avLst/>
-          </a:prstGeom>
-          <a:ln>
-            <a:solidFill>
-              <a:schemeClr val="tx1"/>
-            </a:solidFill>
-          </a:ln>
-        </p:spPr>
-      </p:pic>
-    </p:spTree>
-    <p:extLst>
-      <p:ext uri="{BB962C8B-B14F-4D97-AF65-F5344CB8AC3E}">
-        <p14:creationId xmlns:p14="http://schemas.microsoft.com/office/powerpoint/2010/main" val="2057462605"/>
-      </p:ext>
-    </p:extLst>
-  </p:cSld>
-  <p:clrMapOvr>
-    <a:masterClrMapping/>
-  </p:clrMapOvr>
-</p:sld>
-</file>
-
-<file path=ppt/slides/slide16.xml><?xml version="1.0" encoding="utf-8"?>
-<p:sld xmlns:a="http://schemas.openxmlformats.org/drawingml/2006/main" xmlns:r="http://schemas.openxmlformats.org/officeDocument/2006/relationships" xmlns:p="http://schemas.openxmlformats.org/presentationml/2006/main">
-  <p:cSld>
-    <p:spTree>
-      <p:nvGrpSpPr>
-        <p:cNvPr id="1" name=""/>
-        <p:cNvGrpSpPr/>
-        <p:nvPr/>
-      </p:nvGrpSpPr>
-      <p:grpSpPr>
-        <a:xfrm>
-          <a:off x="0" y="0"/>
-          <a:ext cx="0" cy="0"/>
-          <a:chOff x="0" y="0"/>
-          <a:chExt cx="0" cy="0"/>
-        </a:xfrm>
-      </p:grpSpPr>
-      <p:sp>
-        <p:nvSpPr>
-          <p:cNvPr id="2" name="Titel 1">
-            <a:extLst>
-              <a:ext uri="{FF2B5EF4-FFF2-40B4-BE49-F238E27FC236}">
-                <a16:creationId xmlns:a16="http://schemas.microsoft.com/office/drawing/2014/main" id="{DF8A57AF-6D36-4F66-A264-B4C8533A67F6}"/>
-              </a:ext>
-            </a:extLst>
-          </p:cNvPr>
-          <p:cNvSpPr>
-            <a:spLocks noGrp="1"/>
-          </p:cNvSpPr>
-          <p:nvPr>
-            <p:ph type="title"/>
-          </p:nvPr>
-        </p:nvSpPr>
-        <p:spPr/>
-        <p:txBody>
-          <a:bodyPr/>
-          <a:lstStyle/>
-          <a:p>
-            <a:r>
-              <a:rPr lang="de-DE" dirty="0" err="1">
-                <a:latin typeface="Calibri Light" panose="020F0302020204030204" pitchFamily="34" charset="0"/>
-                <a:cs typeface="Calibri Light" panose="020F0302020204030204" pitchFamily="34" charset="0"/>
-              </a:rPr>
-              <a:t>Principal</a:t>
-            </a:r>
-            <a:r>
-              <a:rPr lang="de-DE" dirty="0">
-                <a:latin typeface="Calibri Light" panose="020F0302020204030204" pitchFamily="34" charset="0"/>
-                <a:cs typeface="Calibri Light" panose="020F0302020204030204" pitchFamily="34" charset="0"/>
-              </a:rPr>
-              <a:t> </a:t>
-            </a:r>
-            <a:r>
-              <a:rPr lang="de-DE" dirty="0" err="1">
-                <a:latin typeface="Calibri Light" panose="020F0302020204030204" pitchFamily="34" charset="0"/>
-                <a:cs typeface="Calibri Light" panose="020F0302020204030204" pitchFamily="34" charset="0"/>
-              </a:rPr>
-              <a:t>Component</a:t>
-            </a:r>
-            <a:r>
-              <a:rPr lang="de-DE" dirty="0">
-                <a:latin typeface="Calibri Light" panose="020F0302020204030204" pitchFamily="34" charset="0"/>
-                <a:cs typeface="Calibri Light" panose="020F0302020204030204" pitchFamily="34" charset="0"/>
-              </a:rPr>
-              <a:t> Analysis</a:t>
-            </a:r>
-          </a:p>
-        </p:txBody>
-      </p:sp>
-      <p:pic>
-        <p:nvPicPr>
-          <p:cNvPr id="5" name="Grafik 4">
-            <a:extLst>
-              <a:ext uri="{FF2B5EF4-FFF2-40B4-BE49-F238E27FC236}">
-                <a16:creationId xmlns:a16="http://schemas.microsoft.com/office/drawing/2014/main" id="{9E8E70BD-794A-4480-B0C7-411E52187605}"/>
-              </a:ext>
-            </a:extLst>
-          </p:cNvPr>
-          <p:cNvPicPr>
-            <a:picLocks noChangeAspect="1"/>
-          </p:cNvPicPr>
-          <p:nvPr/>
-        </p:nvPicPr>
-        <p:blipFill>
-          <a:blip r:embed="rId2">
-            <a:extLst>
-              <a:ext uri="{28A0092B-C50C-407E-A947-70E740481C1C}">
-                <a14:useLocalDpi xmlns:a14="http://schemas.microsoft.com/office/drawing/2010/main" val="0"/>
-              </a:ext>
-            </a:extLst>
-          </a:blip>
-          <a:stretch>
-            <a:fillRect/>
-          </a:stretch>
-        </p:blipFill>
-        <p:spPr>
-          <a:xfrm>
-            <a:off x="0" y="1280668"/>
-            <a:ext cx="7436442" cy="5577332"/>
-          </a:xfrm>
-          <a:prstGeom prst="rect">
-            <a:avLst/>
-          </a:prstGeom>
-        </p:spPr>
-      </p:pic>
-    </p:spTree>
-    <p:extLst>
-      <p:ext uri="{BB962C8B-B14F-4D97-AF65-F5344CB8AC3E}">
-        <p14:creationId xmlns:p14="http://schemas.microsoft.com/office/powerpoint/2010/main" val="2194046568"/>
-      </p:ext>
-    </p:extLst>
-  </p:cSld>
-  <p:clrMapOvr>
-    <a:masterClrMapping/>
-  </p:clrMapOvr>
-</p:sld>
-</file>
-
-<file path=ppt/slides/slide17.xml><?xml version="1.0" encoding="utf-8"?>
-<p:sld xmlns:a="http://schemas.openxmlformats.org/drawingml/2006/main" xmlns:r="http://schemas.openxmlformats.org/officeDocument/2006/relationships" xmlns:p="http://schemas.openxmlformats.org/presentationml/2006/main">
-  <p:cSld>
-    <p:spTree>
-      <p:nvGrpSpPr>
-        <p:cNvPr id="1" name=""/>
-        <p:cNvGrpSpPr/>
-        <p:nvPr/>
-      </p:nvGrpSpPr>
-      <p:grpSpPr>
-        <a:xfrm>
-          <a:off x="0" y="0"/>
-          <a:ext cx="0" cy="0"/>
-          <a:chOff x="0" y="0"/>
-          <a:chExt cx="0" cy="0"/>
-        </a:xfrm>
-      </p:grpSpPr>
-      <p:sp>
-        <p:nvSpPr>
-          <p:cNvPr id="2" name="Titel 1">
-            <a:extLst>
-              <a:ext uri="{FF2B5EF4-FFF2-40B4-BE49-F238E27FC236}">
-                <a16:creationId xmlns:a16="http://schemas.microsoft.com/office/drawing/2014/main" id="{837A3546-200D-4FCF-8D39-7651F0F0BDFE}"/>
-              </a:ext>
-            </a:extLst>
-          </p:cNvPr>
-          <p:cNvSpPr>
-            <a:spLocks noGrp="1"/>
-          </p:cNvSpPr>
-          <p:nvPr>
-            <p:ph type="title"/>
-          </p:nvPr>
-        </p:nvSpPr>
-        <p:spPr>
-          <a:xfrm>
-            <a:off x="4926775" y="1276200"/>
-            <a:ext cx="6655146" cy="1144800"/>
-          </a:xfrm>
-        </p:spPr>
-        <p:txBody>
-          <a:bodyPr/>
-          <a:lstStyle/>
-          <a:p>
-            <a:pPr algn="ctr"/>
-            <a:r>
-              <a:rPr lang="de-DE" dirty="0">
-                <a:latin typeface="Calibri Light" panose="020F0302020204030204" pitchFamily="34" charset="0"/>
-                <a:cs typeface="Calibri Light" panose="020F0302020204030204" pitchFamily="34" charset="0"/>
-              </a:rPr>
-              <a:t>PCA ja oder nein?</a:t>
-            </a:r>
-          </a:p>
-        </p:txBody>
-      </p:sp>
-      <p:pic>
-        <p:nvPicPr>
-          <p:cNvPr id="5" name="Grafik 4">
-            <a:extLst>
-              <a:ext uri="{FF2B5EF4-FFF2-40B4-BE49-F238E27FC236}">
-                <a16:creationId xmlns:a16="http://schemas.microsoft.com/office/drawing/2014/main" id="{D1F50048-E8D3-4651-A1D0-445E93DC7B86}"/>
-              </a:ext>
-            </a:extLst>
-          </p:cNvPr>
-          <p:cNvPicPr>
-            <a:picLocks noChangeAspect="1"/>
-          </p:cNvPicPr>
-          <p:nvPr/>
-        </p:nvPicPr>
-        <p:blipFill>
-          <a:blip r:embed="rId2">
-            <a:extLst>
-              <a:ext uri="{28A0092B-C50C-407E-A947-70E740481C1C}">
-                <a14:useLocalDpi xmlns:a14="http://schemas.microsoft.com/office/drawing/2010/main" val="0"/>
-              </a:ext>
-            </a:extLst>
-          </a:blip>
-          <a:stretch>
-            <a:fillRect/>
-          </a:stretch>
-        </p:blipFill>
-        <p:spPr>
-          <a:xfrm>
-            <a:off x="0" y="-1"/>
-            <a:ext cx="4926774" cy="6851637"/>
-          </a:xfrm>
-          <a:prstGeom prst="rect">
-            <a:avLst/>
-          </a:prstGeom>
-        </p:spPr>
-      </p:pic>
-      <p:pic>
-        <p:nvPicPr>
-          <p:cNvPr id="9" name="Grafik 8" descr="Ein Bild, das Tisch enthält.&#10;&#10;Automatisch generierte Beschreibung">
-            <a:extLst>
-              <a:ext uri="{FF2B5EF4-FFF2-40B4-BE49-F238E27FC236}">
-                <a16:creationId xmlns:a16="http://schemas.microsoft.com/office/drawing/2014/main" id="{EEF6D137-D1B3-4E98-963B-71771001B6CC}"/>
-              </a:ext>
-            </a:extLst>
-          </p:cNvPr>
-          <p:cNvPicPr>
-            <a:picLocks noChangeAspect="1"/>
-          </p:cNvPicPr>
-          <p:nvPr/>
-        </p:nvPicPr>
-        <p:blipFill>
-          <a:blip r:embed="rId3">
-            <a:extLst>
-              <a:ext uri="{28A0092B-C50C-407E-A947-70E740481C1C}">
-                <a14:useLocalDpi xmlns:a14="http://schemas.microsoft.com/office/drawing/2010/main" val="0"/>
-              </a:ext>
-            </a:extLst>
-          </a:blip>
-          <a:stretch>
-            <a:fillRect/>
-          </a:stretch>
-        </p:blipFill>
-        <p:spPr>
-          <a:xfrm>
-            <a:off x="1056199" y="3955551"/>
-            <a:ext cx="10525722" cy="1626249"/>
-          </a:xfrm>
-          <a:prstGeom prst="rect">
-            <a:avLst/>
-          </a:prstGeom>
-          <a:ln>
-            <a:solidFill>
-              <a:schemeClr val="tx1"/>
-            </a:solidFill>
-          </a:ln>
-        </p:spPr>
-      </p:pic>
-    </p:spTree>
-    <p:extLst>
-      <p:ext uri="{BB962C8B-B14F-4D97-AF65-F5344CB8AC3E}">
-        <p14:creationId xmlns:p14="http://schemas.microsoft.com/office/powerpoint/2010/main" val="3571210084"/>
-      </p:ext>
-    </p:extLst>
-  </p:cSld>
-  <p:clrMapOvr>
-    <a:masterClrMapping/>
-  </p:clrMapOvr>
-</p:sld>
-</file>
-
-<file path=ppt/slides/slide18.xml><?xml version="1.0" encoding="utf-8"?>
-<p:sld xmlns:a="http://schemas.openxmlformats.org/drawingml/2006/main" xmlns:r="http://schemas.openxmlformats.org/officeDocument/2006/relationships" xmlns:p="http://schemas.openxmlformats.org/presentationml/2006/main">
-  <p:cSld>
-    <p:spTree>
-      <p:nvGrpSpPr>
-        <p:cNvPr id="1" name=""/>
-        <p:cNvGrpSpPr/>
-        <p:nvPr/>
-      </p:nvGrpSpPr>
-      <p:grpSpPr>
-        <a:xfrm>
-          <a:off x="0" y="0"/>
-          <a:ext cx="0" cy="0"/>
-          <a:chOff x="0" y="0"/>
-          <a:chExt cx="0" cy="0"/>
-        </a:xfrm>
-      </p:grpSpPr>
-      <p:sp>
-        <p:nvSpPr>
-          <p:cNvPr id="2" name="Titel 1">
-            <a:extLst>
-              <a:ext uri="{FF2B5EF4-FFF2-40B4-BE49-F238E27FC236}">
-                <a16:creationId xmlns:a16="http://schemas.microsoft.com/office/drawing/2014/main" id="{BF2B5130-CBF6-4E9D-BDF9-CFCCD93914AE}"/>
-              </a:ext>
-            </a:extLst>
-          </p:cNvPr>
-          <p:cNvSpPr>
-            <a:spLocks noGrp="1"/>
-          </p:cNvSpPr>
-          <p:nvPr>
-            <p:ph type="title"/>
-          </p:nvPr>
-        </p:nvSpPr>
-        <p:spPr>
-          <a:xfrm>
-            <a:off x="4998307" y="634813"/>
-            <a:ext cx="6583613" cy="1144800"/>
-          </a:xfrm>
-        </p:spPr>
-        <p:txBody>
-          <a:bodyPr/>
-          <a:lstStyle/>
-          <a:p>
-            <a:pPr algn="ctr"/>
-            <a:r>
-              <a:rPr lang="de-DE" dirty="0">
-                <a:latin typeface="Calibri Light" panose="020F0302020204030204" pitchFamily="34" charset="0"/>
-                <a:cs typeface="Calibri Light" panose="020F0302020204030204" pitchFamily="34" charset="0"/>
-              </a:rPr>
-              <a:t>Learning Rate</a:t>
-            </a:r>
-          </a:p>
-        </p:txBody>
-      </p:sp>
-      <p:sp>
-        <p:nvSpPr>
-          <p:cNvPr id="3" name="Untertitel 2">
-            <a:extLst>
-              <a:ext uri="{FF2B5EF4-FFF2-40B4-BE49-F238E27FC236}">
-                <a16:creationId xmlns:a16="http://schemas.microsoft.com/office/drawing/2014/main" id="{0800BDED-5335-403B-B709-B2781F35F9FA}"/>
-              </a:ext>
-            </a:extLst>
-          </p:cNvPr>
-          <p:cNvSpPr>
-            <a:spLocks noGrp="1"/>
-          </p:cNvSpPr>
-          <p:nvPr>
-            <p:ph type="subTitle"/>
-          </p:nvPr>
-        </p:nvSpPr>
-        <p:spPr>
-          <a:xfrm>
-            <a:off x="4998306" y="1604520"/>
-            <a:ext cx="6583614" cy="2176370"/>
-          </a:xfrm>
-        </p:spPr>
-        <p:txBody>
-          <a:bodyPr/>
-          <a:lstStyle/>
-          <a:p>
-            <a:pPr marL="0" indent="0" algn="ctr">
-              <a:buNone/>
-            </a:pPr>
-            <a:r>
-              <a:rPr lang="de-DE" sz="3200" dirty="0"/>
-              <a:t>0.000875</a:t>
-            </a:r>
-          </a:p>
-        </p:txBody>
-      </p:sp>
-      <p:pic>
-        <p:nvPicPr>
-          <p:cNvPr id="5" name="Grafik 4">
-            <a:extLst>
-              <a:ext uri="{FF2B5EF4-FFF2-40B4-BE49-F238E27FC236}">
-                <a16:creationId xmlns:a16="http://schemas.microsoft.com/office/drawing/2014/main" id="{232133AF-5075-442A-890B-195B4B33B557}"/>
-              </a:ext>
-            </a:extLst>
-          </p:cNvPr>
-          <p:cNvPicPr>
-            <a:picLocks noChangeAspect="1"/>
-          </p:cNvPicPr>
-          <p:nvPr/>
-        </p:nvPicPr>
-        <p:blipFill>
-          <a:blip r:embed="rId2">
-            <a:extLst>
-              <a:ext uri="{28A0092B-C50C-407E-A947-70E740481C1C}">
-                <a14:useLocalDpi xmlns:a14="http://schemas.microsoft.com/office/drawing/2010/main" val="0"/>
-              </a:ext>
-            </a:extLst>
-          </a:blip>
-          <a:stretch>
-            <a:fillRect/>
-          </a:stretch>
-        </p:blipFill>
-        <p:spPr>
-          <a:xfrm>
-            <a:off x="125073" y="0"/>
-            <a:ext cx="4873234" cy="6858000"/>
-          </a:xfrm>
-          <a:prstGeom prst="rect">
-            <a:avLst/>
-          </a:prstGeom>
-        </p:spPr>
-      </p:pic>
-      <p:pic>
-        <p:nvPicPr>
-          <p:cNvPr id="9" name="Grafik 8" descr="Ein Bild, das Tisch enthält.&#10;&#10;Automatisch generierte Beschreibung">
-            <a:extLst>
-              <a:ext uri="{FF2B5EF4-FFF2-40B4-BE49-F238E27FC236}">
-                <a16:creationId xmlns:a16="http://schemas.microsoft.com/office/drawing/2014/main" id="{D67A69F2-61D5-4CF2-BA16-468EE7685AAE}"/>
-              </a:ext>
-            </a:extLst>
-          </p:cNvPr>
-          <p:cNvPicPr>
-            <a:picLocks noChangeAspect="1"/>
-          </p:cNvPicPr>
-          <p:nvPr/>
-        </p:nvPicPr>
-        <p:blipFill>
-          <a:blip r:embed="rId3">
-            <a:extLst>
-              <a:ext uri="{28A0092B-C50C-407E-A947-70E740481C1C}">
-                <a14:useLocalDpi xmlns:a14="http://schemas.microsoft.com/office/drawing/2010/main" val="0"/>
-              </a:ext>
-            </a:extLst>
-          </a:blip>
-          <a:stretch>
-            <a:fillRect/>
-          </a:stretch>
-        </p:blipFill>
-        <p:spPr>
-          <a:xfrm>
-            <a:off x="1074702" y="4267211"/>
-            <a:ext cx="11047648" cy="1383576"/>
-          </a:xfrm>
-          <a:prstGeom prst="rect">
-            <a:avLst/>
-          </a:prstGeom>
-          <a:ln>
-            <a:solidFill>
-              <a:schemeClr val="tx1"/>
-            </a:solidFill>
-          </a:ln>
-        </p:spPr>
-      </p:pic>
-    </p:spTree>
-    <p:extLst>
-      <p:ext uri="{BB962C8B-B14F-4D97-AF65-F5344CB8AC3E}">
-        <p14:creationId xmlns:p14="http://schemas.microsoft.com/office/powerpoint/2010/main" val="1253173922"/>
-      </p:ext>
-    </p:extLst>
-  </p:cSld>
-  <p:clrMapOvr>
-    <a:masterClrMapping/>
-  </p:clrMapOvr>
-</p:sld>
-</file>
-
-<file path=ppt/slides/slide19.xml><?xml version="1.0" encoding="utf-8"?>
 <p:sld xmlns:a="http://schemas.openxmlformats.org/drawingml/2006/main" xmlns:r="http://schemas.openxmlformats.org/officeDocument/2006/relationships" xmlns:p="http://schemas.openxmlformats.org/presentationml/2006/main">
   <p:cSld>
     <p:spTree>
@@ -27028,10 +26829,10 @@
       </p:sp>
       <p:pic>
         <p:nvPicPr>
-          <p:cNvPr id="5" name="Grafik 4">
+          <p:cNvPr id="4" name="Grafik 3">
             <a:extLst>
               <a:ext uri="{FF2B5EF4-FFF2-40B4-BE49-F238E27FC236}">
-                <a16:creationId xmlns:a16="http://schemas.microsoft.com/office/drawing/2014/main" id="{C82DB31D-EE19-48C4-9A16-B720C5BE0BBB}"/>
+                <a16:creationId xmlns:a16="http://schemas.microsoft.com/office/drawing/2014/main" id="{8CDF885F-79D0-4FA0-BD41-01658B15BED0}"/>
               </a:ext>
             </a:extLst>
           </p:cNvPr>
@@ -27040,7 +26841,7 @@
           </p:cNvPicPr>
           <p:nvPr/>
         </p:nvPicPr>
-        <p:blipFill rotWithShape="1">
+        <p:blipFill>
           <a:blip r:embed="rId2">
             <a:extLst>
               <a:ext uri="{28A0092B-C50C-407E-A947-70E740481C1C}">
@@ -27048,13 +26849,14 @@
               </a:ext>
             </a:extLst>
           </a:blip>
-          <a:srcRect l="9366" t="7731" r="15351" b="5563"/>
-          <a:stretch/>
+          <a:stretch>
+            <a:fillRect/>
+          </a:stretch>
         </p:blipFill>
         <p:spPr>
           <a:xfrm>
-            <a:off x="1015429" y="1006497"/>
-            <a:ext cx="10161141" cy="5851503"/>
+            <a:off x="762000" y="0"/>
+            <a:ext cx="11430000" cy="6858000"/>
           </a:xfrm>
           <a:prstGeom prst="rect">
             <a:avLst/>
@@ -27074,462 +26876,7 @@
 </p:sld>
 </file>
 
-<file path=ppt/slides/slide2.xml><?xml version="1.0" encoding="utf-8"?>
-<p:sld xmlns:a="http://schemas.openxmlformats.org/drawingml/2006/main" xmlns:r="http://schemas.openxmlformats.org/officeDocument/2006/relationships" xmlns:p="http://schemas.openxmlformats.org/presentationml/2006/main">
-  <p:cSld>
-    <p:bg>
-      <p:bgPr>
-        <a:solidFill>
-          <a:srgbClr val="FFFFFF"/>
-        </a:solidFill>
-        <a:effectLst/>
-      </p:bgPr>
-    </p:bg>
-    <p:spTree>
-      <p:nvGrpSpPr>
-        <p:cNvPr id="1" name=""/>
-        <p:cNvGrpSpPr/>
-        <p:nvPr/>
-      </p:nvGrpSpPr>
-      <p:grpSpPr>
-        <a:xfrm>
-          <a:off x="0" y="0"/>
-          <a:ext cx="0" cy="0"/>
-          <a:chOff x="0" y="0"/>
-          <a:chExt cx="0" cy="0"/>
-        </a:xfrm>
-      </p:grpSpPr>
-      <p:sp>
-        <p:nvSpPr>
-          <p:cNvPr id="90" name="CustomShape 1"/>
-          <p:cNvSpPr/>
-          <p:nvPr/>
-        </p:nvSpPr>
-        <p:spPr>
-          <a:xfrm>
-            <a:off x="20700" y="0"/>
-            <a:ext cx="12186360" cy="6855480"/>
-          </a:xfrm>
-          <a:prstGeom prst="rect">
-            <a:avLst/>
-          </a:prstGeom>
-          <a:solidFill>
-            <a:srgbClr val="FFFFFF"/>
-          </a:solidFill>
-          <a:ln w="12600">
-            <a:noFill/>
-          </a:ln>
-        </p:spPr>
-        <p:style>
-          <a:lnRef idx="0">
-            <a:scrgbClr r="0" g="0" b="0"/>
-          </a:lnRef>
-          <a:fillRef idx="0">
-            <a:scrgbClr r="0" g="0" b="0"/>
-          </a:fillRef>
-          <a:effectRef idx="0">
-            <a:scrgbClr r="0" g="0" b="0"/>
-          </a:effectRef>
-          <a:fontRef idx="minor"/>
-        </p:style>
-      </p:sp>
-      <p:sp>
-        <p:nvSpPr>
-          <p:cNvPr id="91" name="CustomShape 2"/>
-          <p:cNvSpPr/>
-          <p:nvPr/>
-        </p:nvSpPr>
-        <p:spPr>
-          <a:xfrm>
-            <a:off x="6513840" y="0"/>
-            <a:ext cx="4837320" cy="1804680"/>
-          </a:xfrm>
-          <a:prstGeom prst="rect">
-            <a:avLst/>
-          </a:prstGeom>
-          <a:noFill/>
-          <a:ln>
-            <a:noFill/>
-          </a:ln>
-        </p:spPr>
-        <p:style>
-          <a:lnRef idx="0">
-            <a:scrgbClr r="0" g="0" b="0"/>
-          </a:lnRef>
-          <a:fillRef idx="0">
-            <a:scrgbClr r="0" g="0" b="0"/>
-          </a:fillRef>
-          <a:effectRef idx="0">
-            <a:scrgbClr r="0" g="0" b="0"/>
-          </a:effectRef>
-          <a:fontRef idx="minor"/>
-        </p:style>
-        <p:txBody>
-          <a:bodyPr lIns="90000" tIns="45000" rIns="90000" bIns="45000" anchor="ctr">
-            <a:normAutofit/>
-          </a:bodyPr>
-          <a:lstStyle/>
-          <a:p>
-            <a:pPr>
-              <a:lnSpc>
-                <a:spcPct val="90000"/>
-              </a:lnSpc>
-            </a:pPr>
-            <a:r>
-              <a:rPr lang="de-DE" sz="4400" b="0" strike="noStrike" spc="-1" dirty="0">
-                <a:solidFill>
-                  <a:srgbClr val="000000"/>
-                </a:solidFill>
-                <a:latin typeface="Calibri Light"/>
-                <a:ea typeface="DejaVu Sans"/>
-              </a:rPr>
-              <a:t>Übersicht</a:t>
-            </a:r>
-            <a:endParaRPr lang="en-US" sz="4400" b="0" strike="noStrike" spc="-1" dirty="0">
-              <a:latin typeface="Arial"/>
-            </a:endParaRPr>
-          </a:p>
-        </p:txBody>
-      </p:sp>
-      <p:pic>
-        <p:nvPicPr>
-          <p:cNvPr id="92" name="Picture 4" descr="Lupe, die sinkende Leistung zeigt"/>
-          <p:cNvPicPr/>
-          <p:nvPr/>
-        </p:nvPicPr>
-        <p:blipFill>
-          <a:blip r:embed="rId2"/>
-          <a:srcRect l="4951" r="35516"/>
-          <a:stretch/>
-        </p:blipFill>
-        <p:spPr>
-          <a:xfrm>
-            <a:off x="0" y="0"/>
-            <a:ext cx="6113880" cy="6855480"/>
-          </a:xfrm>
-          <a:prstGeom prst="rect">
-            <a:avLst/>
-          </a:prstGeom>
-          <a:ln>
-            <a:noFill/>
-          </a:ln>
-        </p:spPr>
-      </p:pic>
-      <p:sp>
-        <p:nvSpPr>
-          <p:cNvPr id="93" name="CustomShape 3"/>
-          <p:cNvSpPr/>
-          <p:nvPr/>
-        </p:nvSpPr>
-        <p:spPr>
-          <a:xfrm>
-            <a:off x="6513840" y="1656011"/>
-            <a:ext cx="4837320" cy="4970819"/>
-          </a:xfrm>
-          <a:prstGeom prst="rect">
-            <a:avLst/>
-          </a:prstGeom>
-          <a:noFill/>
-          <a:ln>
-            <a:noFill/>
-          </a:ln>
-        </p:spPr>
-        <p:style>
-          <a:lnRef idx="0">
-            <a:scrgbClr r="0" g="0" b="0"/>
-          </a:lnRef>
-          <a:fillRef idx="0">
-            <a:scrgbClr r="0" g="0" b="0"/>
-          </a:fillRef>
-          <a:effectRef idx="0">
-            <a:scrgbClr r="0" g="0" b="0"/>
-          </a:effectRef>
-          <a:fontRef idx="minor"/>
-        </p:style>
-        <p:txBody>
-          <a:bodyPr lIns="90000" tIns="45000" rIns="90000" bIns="45000">
-            <a:noAutofit/>
-          </a:bodyPr>
-          <a:lstStyle/>
-          <a:p>
-            <a:pPr marL="345420" indent="-342900">
-              <a:lnSpc>
-                <a:spcPct val="90000"/>
-              </a:lnSpc>
-              <a:spcBef>
-                <a:spcPts val="1001"/>
-              </a:spcBef>
-              <a:buClr>
-                <a:srgbClr val="000000"/>
-              </a:buClr>
-              <a:buFont typeface="Arial" panose="020B0604020202020204" pitchFamily="34" charset="0"/>
-              <a:buChar char="•"/>
-            </a:pPr>
-            <a:r>
-              <a:rPr lang="de-DE" sz="2400" b="0" strike="noStrike" spc="-1" dirty="0">
-                <a:solidFill>
-                  <a:srgbClr val="000000"/>
-                </a:solidFill>
-                <a:latin typeface="Calibri"/>
-                <a:ea typeface="DejaVu Sans"/>
-              </a:rPr>
-              <a:t>Feature Engineering </a:t>
-            </a:r>
-            <a:endParaRPr lang="en-US" sz="2400" b="0" strike="noStrike" spc="-1" dirty="0">
-              <a:latin typeface="Arial"/>
-            </a:endParaRPr>
-          </a:p>
-          <a:p>
-            <a:pPr marL="457200" indent="-454680">
-              <a:lnSpc>
-                <a:spcPct val="90000"/>
-              </a:lnSpc>
-              <a:spcBef>
-                <a:spcPts val="1001"/>
-              </a:spcBef>
-              <a:buClr>
-                <a:srgbClr val="000000"/>
-              </a:buClr>
-              <a:buFont typeface="StarSymbol"/>
-              <a:buAutoNum type="arabicPeriod"/>
-            </a:pPr>
-            <a:r>
-              <a:rPr lang="de-DE" sz="2400" b="0" strike="noStrike" spc="-1" dirty="0">
-                <a:solidFill>
-                  <a:srgbClr val="000000"/>
-                </a:solidFill>
-                <a:latin typeface="Calibri"/>
-                <a:ea typeface="DejaVu Sans"/>
-              </a:rPr>
-              <a:t>Auswahl von </a:t>
-            </a:r>
-            <a:r>
-              <a:rPr lang="de-DE" sz="2400" b="0" strike="noStrike" spc="-1" dirty="0" err="1">
-                <a:solidFill>
-                  <a:srgbClr val="000000"/>
-                </a:solidFill>
-                <a:latin typeface="Calibri"/>
-                <a:ea typeface="DejaVu Sans"/>
-              </a:rPr>
-              <a:t>MediaPipe</a:t>
-            </a:r>
-            <a:r>
-              <a:rPr lang="de-DE" sz="2400" b="0" strike="noStrike" spc="-1" dirty="0">
-                <a:solidFill>
-                  <a:srgbClr val="000000"/>
-                </a:solidFill>
-                <a:latin typeface="Calibri"/>
-                <a:ea typeface="DejaVu Sans"/>
-              </a:rPr>
-              <a:t> Features</a:t>
-            </a:r>
-            <a:endParaRPr lang="en-US" sz="2400" b="0" strike="noStrike" spc="-1" dirty="0">
-              <a:latin typeface="Arial"/>
-            </a:endParaRPr>
-          </a:p>
-          <a:p>
-            <a:pPr marL="457200" indent="-454680">
-              <a:lnSpc>
-                <a:spcPct val="90000"/>
-              </a:lnSpc>
-              <a:spcBef>
-                <a:spcPts val="1001"/>
-              </a:spcBef>
-              <a:buClr>
-                <a:srgbClr val="000000"/>
-              </a:buClr>
-              <a:buFont typeface="StarSymbol"/>
-              <a:buAutoNum type="arabicPeriod"/>
-            </a:pPr>
-            <a:r>
-              <a:rPr lang="de-DE" sz="2400" b="0" strike="noStrike" spc="-1" dirty="0">
-                <a:solidFill>
-                  <a:srgbClr val="000000"/>
-                </a:solidFill>
-                <a:latin typeface="Calibri"/>
-                <a:ea typeface="DejaVu Sans"/>
-              </a:rPr>
-              <a:t>Temporale Features</a:t>
-            </a:r>
-            <a:endParaRPr lang="en-US" sz="2400" b="0" strike="noStrike" spc="-1" dirty="0">
-              <a:latin typeface="Arial"/>
-            </a:endParaRPr>
-          </a:p>
-          <a:p>
-            <a:pPr marL="457200" indent="-454680">
-              <a:lnSpc>
-                <a:spcPct val="90000"/>
-              </a:lnSpc>
-              <a:spcBef>
-                <a:spcPts val="1001"/>
-              </a:spcBef>
-              <a:buClr>
-                <a:srgbClr val="000000"/>
-              </a:buClr>
-              <a:buFont typeface="StarSymbol"/>
-              <a:buAutoNum type="arabicPeriod"/>
-            </a:pPr>
-            <a:r>
-              <a:rPr lang="de-DE" sz="2400" b="0" strike="noStrike" spc="-1" dirty="0">
-                <a:solidFill>
-                  <a:srgbClr val="000000"/>
-                </a:solidFill>
-                <a:latin typeface="Calibri"/>
-                <a:ea typeface="DejaVu Sans"/>
-              </a:rPr>
-              <a:t>Gestenspezifische Features</a:t>
-            </a:r>
-            <a:endParaRPr lang="en-US" sz="2400" b="0" strike="noStrike" spc="-1" dirty="0">
-              <a:latin typeface="Arial"/>
-            </a:endParaRPr>
-          </a:p>
-          <a:p>
-            <a:pPr marL="457200" indent="-454680">
-              <a:lnSpc>
-                <a:spcPct val="90000"/>
-              </a:lnSpc>
-              <a:spcBef>
-                <a:spcPts val="1001"/>
-              </a:spcBef>
-              <a:buClr>
-                <a:srgbClr val="000000"/>
-              </a:buClr>
-              <a:buFont typeface="StarSymbol"/>
-              <a:buAutoNum type="arabicPeriod"/>
-            </a:pPr>
-            <a:r>
-              <a:rPr lang="de-DE" sz="2400" b="0" strike="noStrike" spc="-1" dirty="0">
-                <a:solidFill>
-                  <a:srgbClr val="000000"/>
-                </a:solidFill>
-                <a:latin typeface="Calibri"/>
-                <a:ea typeface="DejaVu Sans"/>
-              </a:rPr>
-              <a:t>Präsentator-Kamera-Distanz</a:t>
-            </a:r>
-          </a:p>
-          <a:p>
-            <a:pPr marL="2520">
-              <a:lnSpc>
-                <a:spcPct val="90000"/>
-              </a:lnSpc>
-              <a:spcBef>
-                <a:spcPts val="1001"/>
-              </a:spcBef>
-              <a:buClr>
-                <a:srgbClr val="000000"/>
-              </a:buClr>
-            </a:pPr>
-            <a:endParaRPr lang="de-DE" sz="2400" b="0" strike="noStrike" spc="-1" dirty="0">
-              <a:solidFill>
-                <a:srgbClr val="000000"/>
-              </a:solidFill>
-              <a:latin typeface="Calibri"/>
-              <a:ea typeface="DejaVu Sans"/>
-            </a:endParaRPr>
-          </a:p>
-          <a:p>
-            <a:pPr marL="345420" indent="-342900">
-              <a:lnSpc>
-                <a:spcPct val="90000"/>
-              </a:lnSpc>
-              <a:spcBef>
-                <a:spcPts val="1001"/>
-              </a:spcBef>
-              <a:buClr>
-                <a:srgbClr val="000000"/>
-              </a:buClr>
-              <a:buFont typeface="Arial" panose="020B0604020202020204" pitchFamily="34" charset="0"/>
-              <a:buChar char="•"/>
-            </a:pPr>
-            <a:r>
-              <a:rPr lang="de-DE" sz="2400" spc="-1" dirty="0">
-                <a:solidFill>
-                  <a:srgbClr val="000000"/>
-                </a:solidFill>
-                <a:latin typeface="Calibri"/>
-              </a:rPr>
-              <a:t>Hyperparameter Tuning</a:t>
-            </a:r>
-          </a:p>
-          <a:p>
-            <a:pPr marL="459720" indent="-457200">
-              <a:lnSpc>
-                <a:spcPct val="90000"/>
-              </a:lnSpc>
-              <a:spcBef>
-                <a:spcPts val="1001"/>
-              </a:spcBef>
-              <a:buClr>
-                <a:srgbClr val="000000"/>
-              </a:buClr>
-              <a:buFont typeface="+mj-lt"/>
-              <a:buAutoNum type="arabicPeriod"/>
-            </a:pPr>
-            <a:r>
-              <a:rPr lang="de-DE" sz="2400" spc="-1" dirty="0">
-                <a:solidFill>
-                  <a:srgbClr val="000000"/>
-                </a:solidFill>
-                <a:latin typeface="Calibri"/>
-              </a:rPr>
-              <a:t>Random Search</a:t>
-            </a:r>
-          </a:p>
-          <a:p>
-            <a:pPr marL="459720" indent="-457200">
-              <a:lnSpc>
-                <a:spcPct val="90000"/>
-              </a:lnSpc>
-              <a:spcBef>
-                <a:spcPts val="1001"/>
-              </a:spcBef>
-              <a:buClr>
-                <a:srgbClr val="000000"/>
-              </a:buClr>
-              <a:buFont typeface="+mj-lt"/>
-              <a:buAutoNum type="arabicPeriod"/>
-            </a:pPr>
-            <a:r>
-              <a:rPr lang="de-DE" sz="2400" spc="-1" dirty="0">
-                <a:solidFill>
-                  <a:srgbClr val="000000"/>
-                </a:solidFill>
-                <a:latin typeface="Calibri"/>
-              </a:rPr>
-              <a:t>Visualisierungen verschiedener Parameter</a:t>
-            </a:r>
-          </a:p>
-          <a:p>
-            <a:pPr marL="2520">
-              <a:lnSpc>
-                <a:spcPct val="90000"/>
-              </a:lnSpc>
-              <a:spcBef>
-                <a:spcPts val="1001"/>
-              </a:spcBef>
-              <a:buClr>
-                <a:srgbClr val="000000"/>
-              </a:buClr>
-            </a:pPr>
-            <a:endParaRPr lang="de-DE" sz="2400" spc="-1" dirty="0">
-              <a:solidFill>
-                <a:srgbClr val="000000"/>
-              </a:solidFill>
-              <a:latin typeface="Calibri"/>
-            </a:endParaRPr>
-          </a:p>
-        </p:txBody>
-      </p:sp>
-    </p:spTree>
-  </p:cSld>
-  <p:clrMapOvr>
-    <a:masterClrMapping/>
-  </p:clrMapOvr>
-</p:sld>
-</file>
-
-<file path=ppt/slides/slide20.xml><?xml version="1.0" encoding="utf-8"?>
+<file path=ppt/slides/slide16.xml><?xml version="1.0" encoding="utf-8"?>
 <p:sld xmlns:a="http://schemas.openxmlformats.org/drawingml/2006/main" xmlns:r="http://schemas.openxmlformats.org/officeDocument/2006/relationships" xmlns:p="http://schemas.openxmlformats.org/presentationml/2006/main">
   <p:cSld>
     <p:spTree>
@@ -27548,10 +26895,10 @@
       </p:grpSpPr>
       <p:sp>
         <p:nvSpPr>
-          <p:cNvPr id="2" name="Titel 1">
+          <p:cNvPr id="4" name="Titel 3">
             <a:extLst>
               <a:ext uri="{FF2B5EF4-FFF2-40B4-BE49-F238E27FC236}">
-                <a16:creationId xmlns:a16="http://schemas.microsoft.com/office/drawing/2014/main" id="{6AEA196A-D097-4287-BE05-465070CCC51C}"/>
+                <a16:creationId xmlns:a16="http://schemas.microsoft.com/office/drawing/2014/main" id="{E5685BA7-288E-4F90-BA00-BE3F5852589C}"/>
               </a:ext>
             </a:extLst>
           </p:cNvPr>
@@ -27562,40 +26909,21 @@
             <p:ph type="title"/>
           </p:nvPr>
         </p:nvSpPr>
-        <p:spPr>
-          <a:xfrm>
-            <a:off x="609780" y="0"/>
-            <a:ext cx="10972440" cy="1144800"/>
-          </a:xfrm>
-        </p:spPr>
+        <p:spPr/>
         <p:txBody>
           <a:bodyPr/>
           <a:lstStyle/>
           <a:p>
-            <a:pPr algn="ctr"/>
-            <a:r>
-              <a:rPr lang="de-DE" dirty="0" err="1">
-                <a:latin typeface="Calibri Light" panose="020F0302020204030204" pitchFamily="34" charset="0"/>
-                <a:cs typeface="Calibri Light" panose="020F0302020204030204" pitchFamily="34" charset="0"/>
-              </a:rPr>
-              <a:t>Confusion</a:t>
-            </a:r>
-            <a:r>
-              <a:rPr lang="de-DE" dirty="0">
-                <a:latin typeface="Calibri Light" panose="020F0302020204030204" pitchFamily="34" charset="0"/>
-                <a:cs typeface="Calibri Light" panose="020F0302020204030204" pitchFamily="34" charset="0"/>
-              </a:rPr>
-              <a:t> Matrix auf Testdaten großes Netz </a:t>
-            </a:r>
+            <a:endParaRPr lang="de-DE"/>
           </a:p>
         </p:txBody>
       </p:sp>
       <p:pic>
         <p:nvPicPr>
-          <p:cNvPr id="5" name="Grafik 4">
+          <p:cNvPr id="7" name="Grafik 6">
             <a:extLst>
               <a:ext uri="{FF2B5EF4-FFF2-40B4-BE49-F238E27FC236}">
-                <a16:creationId xmlns:a16="http://schemas.microsoft.com/office/drawing/2014/main" id="{12071439-3732-45B9-B56D-90475908A029}"/>
+                <a16:creationId xmlns:a16="http://schemas.microsoft.com/office/drawing/2014/main" id="{7B995C50-6B04-43A6-BF40-9464F1E1FC38}"/>
               </a:ext>
             </a:extLst>
           </p:cNvPr>
@@ -27604,7 +26932,7 @@
           </p:cNvPicPr>
           <p:nvPr/>
         </p:nvPicPr>
-        <p:blipFill rotWithShape="1">
+        <p:blipFill>
           <a:blip r:embed="rId2">
             <a:extLst>
               <a:ext uri="{28A0092B-C50C-407E-A947-70E740481C1C}">
@@ -27612,13 +26940,14 @@
               </a:ext>
             </a:extLst>
           </a:blip>
-          <a:srcRect l="5691" t="8311" r="15900" b="5078"/>
-          <a:stretch/>
+          <a:stretch>
+            <a:fillRect/>
+          </a:stretch>
         </p:blipFill>
         <p:spPr>
           <a:xfrm>
-            <a:off x="1051209" y="1041781"/>
-            <a:ext cx="10531011" cy="5816219"/>
+            <a:off x="1454726" y="-125384"/>
+            <a:ext cx="9976263" cy="6983384"/>
           </a:xfrm>
           <a:prstGeom prst="rect">
             <a:avLst/>
@@ -27638,7 +26967,7 @@
 </p:sld>
 </file>
 
-<file path=ppt/slides/slide21.xml><?xml version="1.0" encoding="utf-8"?>
+<file path=ppt/slides/slide17.xml><?xml version="1.0" encoding="utf-8"?>
 <p:sld xmlns:a="http://schemas.openxmlformats.org/drawingml/2006/main" xmlns:r="http://schemas.openxmlformats.org/officeDocument/2006/relationships" xmlns:p="http://schemas.openxmlformats.org/presentationml/2006/main">
   <p:cSld>
     <p:spTree>
@@ -27921,7 +27250,7 @@
 </p:sld>
 </file>
 
-<file path=ppt/slides/slide3.xml><?xml version="1.0" encoding="utf-8"?>
+<file path=ppt/slides/slide2.xml><?xml version="1.0" encoding="utf-8"?>
 <p:sld xmlns:a="http://schemas.openxmlformats.org/drawingml/2006/main" xmlns:r="http://schemas.openxmlformats.org/officeDocument/2006/relationships" xmlns:p="http://schemas.openxmlformats.org/presentationml/2006/main">
   <p:cSld>
     <p:bg>
@@ -27993,8 +27322,9 @@
                 <a:solidFill>
                   <a:srgbClr val="000000"/>
                 </a:solidFill>
-                <a:latin typeface="Calibri Light"/>
+                <a:latin typeface="Calibri Light" panose="020F0302020204030204" pitchFamily="34" charset="0"/>
                 <a:ea typeface="DejaVu Sans"/>
+                <a:cs typeface="Calibri Light" panose="020F0302020204030204" pitchFamily="34" charset="0"/>
               </a:rPr>
               <a:t>Auswahl von </a:t>
             </a:r>
@@ -28003,8 +27333,9 @@
                 <a:solidFill>
                   <a:srgbClr val="000000"/>
                 </a:solidFill>
-                <a:latin typeface="Calibri Light"/>
+                <a:latin typeface="Calibri Light" panose="020F0302020204030204" pitchFamily="34" charset="0"/>
                 <a:ea typeface="DejaVu Sans"/>
+                <a:cs typeface="Calibri Light" panose="020F0302020204030204" pitchFamily="34" charset="0"/>
               </a:rPr>
               <a:t>MediaPipe</a:t>
             </a:r>
@@ -28013,13 +27344,15 @@
                 <a:solidFill>
                   <a:srgbClr val="000000"/>
                 </a:solidFill>
-                <a:latin typeface="Calibri Light"/>
+                <a:latin typeface="Calibri Light" panose="020F0302020204030204" pitchFamily="34" charset="0"/>
                 <a:ea typeface="DejaVu Sans"/>
+                <a:cs typeface="Calibri Light" panose="020F0302020204030204" pitchFamily="34" charset="0"/>
               </a:rPr>
               <a:t> Features</a:t>
             </a:r>
             <a:endParaRPr lang="en-US" sz="4400" b="0" strike="noStrike" spc="-1" dirty="0">
-              <a:latin typeface="Arial"/>
+              <a:latin typeface="Calibri Light" panose="020F0302020204030204" pitchFamily="34" charset="0"/>
+              <a:cs typeface="Calibri Light" panose="020F0302020204030204" pitchFamily="34" charset="0"/>
             </a:endParaRPr>
           </a:p>
         </p:txBody>
@@ -28162,16 +27495,34 @@
                 <a:solidFill>
                   <a:srgbClr val="000000"/>
                 </a:solidFill>
-                <a:latin typeface="Calibri" panose="020F0502020204030204" pitchFamily="34" charset="0"/>
+                <a:latin typeface="Calibri Light" panose="020F0302020204030204" pitchFamily="34" charset="0"/>
                 <a:ea typeface="DejaVu Sans"/>
-                <a:cs typeface="Calibri" panose="020F0502020204030204" pitchFamily="34" charset="0"/>
+                <a:cs typeface="Calibri Light" panose="020F0302020204030204" pitchFamily="34" charset="0"/>
               </a:rPr>
-              <a:t>Handgelenk und Ellenbogen für Bewegungen mit Armen</a:t>
+              <a:t>Handgelenk </a:t>
             </a:r>
-            <a:endParaRPr lang="en-US" sz="2400" b="0" strike="noStrike" spc="-1" dirty="0">
-              <a:latin typeface="Calibri" panose="020F0502020204030204" pitchFamily="34" charset="0"/>
-              <a:cs typeface="Calibri" panose="020F0502020204030204" pitchFamily="34" charset="0"/>
-            </a:endParaRPr>
+            <a:r>
+              <a:rPr lang="de-DE" sz="2400" spc="-1" dirty="0">
+                <a:solidFill>
+                  <a:srgbClr val="000000"/>
+                </a:solidFill>
+                <a:latin typeface="Calibri Light" panose="020F0302020204030204" pitchFamily="34" charset="0"/>
+                <a:ea typeface="DejaVu Sans"/>
+                <a:cs typeface="Calibri Light" panose="020F0302020204030204" pitchFamily="34" charset="0"/>
+              </a:rPr>
+              <a:t>+</a:t>
+            </a:r>
+            <a:r>
+              <a:rPr lang="de-DE" sz="2400" b="0" strike="noStrike" spc="-1" dirty="0">
+                <a:solidFill>
+                  <a:srgbClr val="000000"/>
+                </a:solidFill>
+                <a:latin typeface="Calibri Light" panose="020F0302020204030204" pitchFamily="34" charset="0"/>
+                <a:ea typeface="DejaVu Sans"/>
+                <a:cs typeface="Calibri Light" panose="020F0302020204030204" pitchFamily="34" charset="0"/>
+              </a:rPr>
+              <a:t> Ellenbogen</a:t>
+            </a:r>
           </a:p>
           <a:p>
             <a:pPr marL="228600" indent="-226080">
@@ -28192,97 +27543,15 @@
                 <a:solidFill>
                   <a:srgbClr val="000000"/>
                 </a:solidFill>
-                <a:latin typeface="Calibri" panose="020F0502020204030204" pitchFamily="34" charset="0"/>
+                <a:latin typeface="Calibri Light" panose="020F0302020204030204" pitchFamily="34" charset="0"/>
                 <a:ea typeface="DejaVu Sans"/>
-                <a:cs typeface="Calibri" panose="020F0502020204030204" pitchFamily="34" charset="0"/>
+                <a:cs typeface="Calibri Light" panose="020F0302020204030204" pitchFamily="34" charset="0"/>
               </a:rPr>
-              <a:t>Schultern und Hüfte zur Bestimmung der Körpergröße</a:t>
+              <a:t>Schultern + Hüfte</a:t>
             </a:r>
             <a:endParaRPr lang="en-US" sz="2400" b="0" strike="noStrike" spc="-1" dirty="0">
-              <a:latin typeface="Calibri" panose="020F0502020204030204" pitchFamily="34" charset="0"/>
-              <a:cs typeface="Calibri" panose="020F0502020204030204" pitchFamily="34" charset="0"/>
-            </a:endParaRPr>
-          </a:p>
-          <a:p>
-            <a:pPr marL="228600" indent="-226080">
-              <a:lnSpc>
-                <a:spcPct val="90000"/>
-              </a:lnSpc>
-              <a:spcBef>
-                <a:spcPts val="1001"/>
-              </a:spcBef>
-              <a:buClr>
-                <a:srgbClr val="000000"/>
-              </a:buClr>
-              <a:buFont typeface="Arial"/>
-              <a:buChar char="•"/>
-            </a:pPr>
-            <a:r>
-              <a:rPr lang="de-DE" sz="2400" b="0" strike="noStrike" spc="-1" dirty="0">
-                <a:solidFill>
-                  <a:srgbClr val="000000"/>
-                </a:solidFill>
-                <a:latin typeface="Calibri" panose="020F0502020204030204" pitchFamily="34" charset="0"/>
-                <a:ea typeface="DejaVu Sans"/>
-                <a:cs typeface="Calibri" panose="020F0502020204030204" pitchFamily="34" charset="0"/>
-              </a:rPr>
-              <a:t>Unterkörper, Gesicht und Finger weniger ausschlaggebend</a:t>
-            </a:r>
-            <a:endParaRPr lang="en-US" sz="2400" b="0" strike="noStrike" spc="-1" dirty="0">
-              <a:latin typeface="Calibri" panose="020F0502020204030204" pitchFamily="34" charset="0"/>
-              <a:cs typeface="Calibri" panose="020F0502020204030204" pitchFamily="34" charset="0"/>
-            </a:endParaRPr>
-          </a:p>
-          <a:p>
-            <a:pPr marL="228600" indent="-226080">
-              <a:lnSpc>
-                <a:spcPct val="90000"/>
-              </a:lnSpc>
-              <a:spcBef>
-                <a:spcPts val="1001"/>
-              </a:spcBef>
-              <a:buClr>
-                <a:srgbClr val="000000"/>
-              </a:buClr>
-              <a:buFont typeface="Arial"/>
-              <a:buChar char="•"/>
-            </a:pPr>
-            <a:r>
-              <a:rPr lang="en-US" sz="2400" b="0" strike="noStrike" spc="-1" dirty="0" err="1">
-                <a:solidFill>
-                  <a:srgbClr val="000000"/>
-                </a:solidFill>
-                <a:latin typeface="Calibri" panose="020F0502020204030204" pitchFamily="34" charset="0"/>
-                <a:ea typeface="DejaVu Sans"/>
-                <a:cs typeface="Calibri" panose="020F0502020204030204" pitchFamily="34" charset="0"/>
-              </a:rPr>
-              <a:t>Ohne</a:t>
-            </a:r>
-            <a:r>
-              <a:rPr lang="en-US" sz="2400" b="0" strike="noStrike" spc="-1" dirty="0">
-                <a:solidFill>
-                  <a:srgbClr val="000000"/>
-                </a:solidFill>
-                <a:latin typeface="Calibri" panose="020F0502020204030204" pitchFamily="34" charset="0"/>
-                <a:ea typeface="DejaVu Sans"/>
-                <a:cs typeface="Calibri" panose="020F0502020204030204" pitchFamily="34" charset="0"/>
-              </a:rPr>
-              <a:t> Confidence und z - </a:t>
-            </a:r>
-            <a:r>
-              <a:rPr lang="en-US" sz="2400" b="0" strike="noStrike" spc="-1" dirty="0" err="1">
-                <a:solidFill>
-                  <a:srgbClr val="000000"/>
-                </a:solidFill>
-                <a:latin typeface="Calibri" panose="020F0502020204030204" pitchFamily="34" charset="0"/>
-                <a:ea typeface="DejaVu Sans"/>
-                <a:cs typeface="Calibri" panose="020F0502020204030204" pitchFamily="34" charset="0"/>
-              </a:rPr>
-              <a:t>Werte</a:t>
-            </a:r>
-            <a:endParaRPr lang="en-US" sz="2400" b="0" strike="noStrike" spc="-1" dirty="0">
-              <a:latin typeface="Calibri" panose="020F0502020204030204" pitchFamily="34" charset="0"/>
-              <a:cs typeface="Calibri" panose="020F0502020204030204" pitchFamily="34" charset="0"/>
+              <a:latin typeface="Calibri Light" panose="020F0302020204030204" pitchFamily="34" charset="0"/>
+              <a:cs typeface="Calibri Light" panose="020F0302020204030204" pitchFamily="34" charset="0"/>
             </a:endParaRPr>
           </a:p>
         </p:txBody>
@@ -28295,7 +27564,7 @@
 </p:sld>
 </file>
 
-<file path=ppt/slides/slide4.xml><?xml version="1.0" encoding="utf-8"?>
+<file path=ppt/slides/slide3.xml><?xml version="1.0" encoding="utf-8"?>
 <p:sld xmlns:a="http://schemas.openxmlformats.org/drawingml/2006/main" xmlns:r="http://schemas.openxmlformats.org/officeDocument/2006/relationships" xmlns:p="http://schemas.openxmlformats.org/presentationml/2006/main">
   <p:cSld>
     <p:spTree>
@@ -28320,7 +27589,7 @@
         </p:nvSpPr>
         <p:spPr>
           <a:xfrm>
-            <a:off x="838080" y="365040"/>
+            <a:off x="838080" y="66052"/>
             <a:ext cx="10513080" cy="1323000"/>
           </a:xfrm>
           <a:prstGeom prst="rect">
@@ -28355,17 +27624,19 @@
               </a:lnSpc>
             </a:pPr>
             <a:r>
-              <a:rPr lang="de-DE" sz="4400" b="0" strike="noStrike" spc="-1" dirty="0">
+              <a:rPr lang="de-DE" sz="3600" b="0" strike="noStrike" spc="-1" dirty="0">
                 <a:solidFill>
                   <a:srgbClr val="000000"/>
                 </a:solidFill>
-                <a:latin typeface="Calibri Light"/>
+                <a:latin typeface="Calibri Light" panose="020F0302020204030204" pitchFamily="34" charset="0"/>
                 <a:ea typeface="DejaVu Sans"/>
+                <a:cs typeface="Calibri Light" panose="020F0302020204030204" pitchFamily="34" charset="0"/>
               </a:rPr>
               <a:t>Einführung temporaler Features</a:t>
             </a:r>
-            <a:endParaRPr lang="en-US" sz="4400" b="0" strike="noStrike" spc="-1" dirty="0">
-              <a:latin typeface="Arial"/>
+            <a:endParaRPr lang="en-US" sz="3600" b="0" strike="noStrike" spc="-1" dirty="0">
+              <a:latin typeface="Calibri Light" panose="020F0302020204030204" pitchFamily="34" charset="0"/>
+              <a:cs typeface="Calibri Light" panose="020F0302020204030204" pitchFamily="34" charset="0"/>
             </a:endParaRPr>
           </a:p>
         </p:txBody>
@@ -28374,13 +27645,7 @@
         <p:nvGraphicFramePr>
           <p:cNvPr id="99" name="Table 2"/>
           <p:cNvGraphicFramePr/>
-          <p:nvPr>
-            <p:extLst>
-              <p:ext uri="{D42A27DB-BD31-4B8C-83A1-F6EECF244321}">
-                <p14:modId xmlns:p14="http://schemas.microsoft.com/office/powerpoint/2010/main" val="2759365424"/>
-              </p:ext>
-            </p:extLst>
-          </p:nvPr>
+          <p:nvPr/>
         </p:nvGraphicFramePr>
         <p:xfrm>
           <a:off x="1780200" y="4561265"/>
@@ -28460,15 +27725,15 @@
                         </a:lnSpc>
                       </a:pPr>
                       <a:r>
-                        <a:rPr lang="de-DE" sz="2000" b="0" strike="noStrike" spc="-1" dirty="0">
+                        <a:rPr lang="de-DE" sz="1800" b="0" strike="noStrike" spc="-1" dirty="0">
                           <a:solidFill>
                             <a:srgbClr val="000000"/>
                           </a:solidFill>
-                          <a:latin typeface="Calibri"/>
+                          <a:latin typeface="Bell MT" panose="02020503060305020303" pitchFamily="18" charset="0"/>
                         </a:rPr>
                         <a:t>t - n </a:t>
                       </a:r>
-                      <a:endParaRPr lang="en-US" sz="2000" b="0" strike="noStrike" spc="-1" dirty="0">
+                      <a:endParaRPr lang="en-US" sz="1800" b="0" strike="noStrike" spc="-1" dirty="0">
                         <a:latin typeface="Arial"/>
                       </a:endParaRPr>
                     </a:p>
@@ -28508,15 +27773,15 @@
                         </a:lnSpc>
                       </a:pPr>
                       <a:r>
-                        <a:rPr lang="de-DE" sz="2000" b="0" strike="noStrike" spc="-1">
+                        <a:rPr lang="de-DE" sz="1800" b="0" strike="noStrike" spc="-1" dirty="0">
                           <a:solidFill>
                             <a:srgbClr val="000000"/>
                           </a:solidFill>
-                          <a:latin typeface="Calibri"/>
+                          <a:latin typeface="Bell MT" panose="02020503060305020303" pitchFamily="18" charset="0"/>
                         </a:rPr>
                         <a:t>t – n + 1</a:t>
                       </a:r>
-                      <a:endParaRPr lang="en-US" sz="2000" b="0" strike="noStrike" spc="-1">
+                      <a:endParaRPr lang="en-US" sz="1800" b="0" strike="noStrike" spc="-1" dirty="0">
                         <a:latin typeface="Arial"/>
                       </a:endParaRPr>
                     </a:p>
@@ -28559,15 +27824,15 @@
                         </a:tabLst>
                       </a:pPr>
                       <a:r>
-                        <a:rPr lang="de-DE" sz="2400" b="0" strike="noStrike" spc="-1">
+                        <a:rPr lang="de-DE" sz="2000" b="0" strike="noStrike" spc="-1" dirty="0">
                           <a:solidFill>
                             <a:srgbClr val="000000"/>
                           </a:solidFill>
-                          <a:latin typeface="Calibri"/>
+                          <a:latin typeface="Bell MT" panose="02020503060305020303" pitchFamily="18" charset="0"/>
                         </a:rPr>
                         <a:t>…</a:t>
                       </a:r>
-                      <a:endParaRPr lang="en-US" sz="2400" b="0" strike="noStrike" spc="-1">
+                      <a:endParaRPr lang="en-US" sz="2000" b="0" strike="noStrike" spc="-1" dirty="0">
                         <a:latin typeface="Arial"/>
                       </a:endParaRPr>
                     </a:p>
@@ -28610,15 +27875,15 @@
                         </a:tabLst>
                       </a:pPr>
                       <a:r>
-                        <a:rPr lang="de-DE" sz="2400" b="0" strike="noStrike" spc="-1" dirty="0">
+                        <a:rPr lang="de-DE" sz="2000" b="0" strike="noStrike" spc="-1" dirty="0">
                           <a:solidFill>
                             <a:srgbClr val="000000"/>
                           </a:solidFill>
-                          <a:latin typeface="Calibri"/>
+                          <a:latin typeface="Bell MT" panose="02020503060305020303" pitchFamily="18" charset="0"/>
                         </a:rPr>
                         <a:t>…</a:t>
                       </a:r>
-                      <a:endParaRPr lang="en-US" sz="2400" b="0" strike="noStrike" spc="-1" dirty="0">
+                      <a:endParaRPr lang="en-US" sz="2000" b="0" strike="noStrike" spc="-1" dirty="0">
                         <a:latin typeface="Arial"/>
                       </a:endParaRPr>
                     </a:p>
@@ -28661,15 +27926,15 @@
                         </a:tabLst>
                       </a:pPr>
                       <a:r>
-                        <a:rPr lang="de-DE" sz="2400" b="0" strike="noStrike" spc="-1" dirty="0">
+                        <a:rPr lang="de-DE" sz="2000" b="0" strike="noStrike" spc="-1" dirty="0">
                           <a:solidFill>
                             <a:srgbClr val="000000"/>
                           </a:solidFill>
-                          <a:latin typeface="Calibri"/>
+                          <a:latin typeface="Bell MT" panose="02020503060305020303" pitchFamily="18" charset="0"/>
                         </a:rPr>
                         <a:t>…</a:t>
                       </a:r>
-                      <a:endParaRPr lang="en-US" sz="2400" b="0" strike="noStrike" spc="-1" dirty="0">
+                      <a:endParaRPr lang="en-US" sz="2000" b="0" strike="noStrike" spc="-1" dirty="0">
                         <a:latin typeface="Arial"/>
                       </a:endParaRPr>
                     </a:p>
@@ -28709,15 +27974,15 @@
                         </a:lnSpc>
                       </a:pPr>
                       <a:r>
-                        <a:rPr lang="de-DE" sz="2000" b="0" strike="noStrike" spc="-1">
+                        <a:rPr lang="de-DE" sz="1800" b="0" strike="noStrike" spc="-1" dirty="0">
                           <a:solidFill>
                             <a:srgbClr val="000000"/>
                           </a:solidFill>
-                          <a:latin typeface="Calibri"/>
+                          <a:latin typeface="Bell MT" panose="02020503060305020303" pitchFamily="18" charset="0"/>
                         </a:rPr>
                         <a:t>t - 2</a:t>
                       </a:r>
-                      <a:endParaRPr lang="en-US" sz="2000" b="0" strike="noStrike" spc="-1">
+                      <a:endParaRPr lang="en-US" sz="1800" b="0" strike="noStrike" spc="-1" dirty="0">
                         <a:latin typeface="Arial"/>
                       </a:endParaRPr>
                     </a:p>
@@ -28757,15 +28022,15 @@
                         </a:lnSpc>
                       </a:pPr>
                       <a:r>
-                        <a:rPr lang="de-DE" sz="2000" b="0" strike="noStrike" spc="-1">
+                        <a:rPr lang="de-DE" sz="1800" b="0" strike="noStrike" spc="-1" dirty="0">
                           <a:solidFill>
                             <a:srgbClr val="000000"/>
                           </a:solidFill>
-                          <a:latin typeface="Calibri"/>
+                          <a:latin typeface="Bell MT" panose="02020503060305020303" pitchFamily="18" charset="0"/>
                         </a:rPr>
                         <a:t>t - 1</a:t>
                       </a:r>
-                      <a:endParaRPr lang="en-US" sz="2000" b="0" strike="noStrike" spc="-1">
+                      <a:endParaRPr lang="en-US" sz="1800" b="0" strike="noStrike" spc="-1" dirty="0">
                         <a:latin typeface="Arial"/>
                       </a:endParaRPr>
                     </a:p>
@@ -28808,15 +28073,15 @@
                         </a:tabLst>
                       </a:pPr>
                       <a:r>
-                        <a:rPr lang="de-DE" sz="2400" b="1" strike="noStrike" spc="-1" dirty="0">
+                        <a:rPr lang="de-DE" sz="2000" b="1" strike="noStrike" spc="-1" dirty="0">
                           <a:solidFill>
                             <a:srgbClr val="000000"/>
                           </a:solidFill>
-                          <a:latin typeface="Calibri"/>
+                          <a:latin typeface="Bell MT" panose="02020503060305020303" pitchFamily="18" charset="0"/>
                         </a:rPr>
                         <a:t>t</a:t>
                       </a:r>
-                      <a:endParaRPr lang="en-US" sz="2400" b="0" strike="noStrike" spc="-1" dirty="0">
+                      <a:endParaRPr lang="en-US" sz="2000" b="0" strike="noStrike" spc="-1" dirty="0">
                         <a:latin typeface="Arial"/>
                       </a:endParaRPr>
                     </a:p>
@@ -28863,7 +28128,7 @@
         </p:nvSpPr>
         <p:spPr>
           <a:xfrm>
-            <a:off x="838080" y="1690560"/>
+            <a:off x="838080" y="1572287"/>
             <a:ext cx="10513080" cy="3045534"/>
           </a:xfrm>
           <a:prstGeom prst="rect">
@@ -28907,15 +28172,15 @@
                 <a:solidFill>
                   <a:srgbClr val="000000"/>
                 </a:solidFill>
-                <a:latin typeface="Calibri" panose="020F0502020204030204" pitchFamily="34" charset="0"/>
+                <a:latin typeface="Calibri Light" panose="020F0302020204030204" pitchFamily="34" charset="0"/>
                 <a:ea typeface="DejaVu Sans"/>
-                <a:cs typeface="Calibri" panose="020F0502020204030204" pitchFamily="34" charset="0"/>
+                <a:cs typeface="Calibri Light" panose="020F0302020204030204" pitchFamily="34" charset="0"/>
               </a:rPr>
               <a:t>Problem: </a:t>
             </a:r>
             <a:endParaRPr lang="en-US" sz="2400" b="0" strike="noStrike" spc="-1" dirty="0">
-              <a:latin typeface="Calibri" panose="020F0502020204030204" pitchFamily="34" charset="0"/>
-              <a:cs typeface="Calibri" panose="020F0502020204030204" pitchFamily="34" charset="0"/>
+              <a:latin typeface="Calibri Light" panose="020F0302020204030204" pitchFamily="34" charset="0"/>
+              <a:cs typeface="Calibri Light" panose="020F0302020204030204" pitchFamily="34" charset="0"/>
             </a:endParaRPr>
           </a:p>
           <a:p>
@@ -28934,9 +28199,9 @@
                 <a:solidFill>
                   <a:srgbClr val="000000"/>
                 </a:solidFill>
-                <a:latin typeface="Calibri" panose="020F0502020204030204" pitchFamily="34" charset="0"/>
+                <a:latin typeface="Calibri Light" panose="020F0302020204030204" pitchFamily="34" charset="0"/>
                 <a:ea typeface="DejaVu Sans"/>
-                <a:cs typeface="Calibri" panose="020F0502020204030204" pitchFamily="34" charset="0"/>
+                <a:cs typeface="Calibri Light" panose="020F0302020204030204" pitchFamily="34" charset="0"/>
               </a:rPr>
               <a:t>MediaPipe</a:t>
             </a:r>
@@ -28945,15 +28210,15 @@
                 <a:solidFill>
                   <a:srgbClr val="000000"/>
                 </a:solidFill>
-                <a:latin typeface="Calibri" panose="020F0502020204030204" pitchFamily="34" charset="0"/>
+                <a:latin typeface="Calibri Light" panose="020F0302020204030204" pitchFamily="34" charset="0"/>
                 <a:ea typeface="DejaVu Sans"/>
-                <a:cs typeface="Calibri" panose="020F0502020204030204" pitchFamily="34" charset="0"/>
+                <a:cs typeface="Calibri Light" panose="020F0302020204030204" pitchFamily="34" charset="0"/>
               </a:rPr>
               <a:t> Features (Körperpunkte) zeitunabhängig, Gesten nicht</a:t>
             </a:r>
             <a:endParaRPr lang="en-US" sz="2400" b="0" strike="noStrike" spc="-1" dirty="0">
-              <a:latin typeface="Calibri" panose="020F0502020204030204" pitchFamily="34" charset="0"/>
-              <a:cs typeface="Calibri" panose="020F0502020204030204" pitchFamily="34" charset="0"/>
+              <a:latin typeface="Calibri Light" panose="020F0302020204030204" pitchFamily="34" charset="0"/>
+              <a:cs typeface="Calibri Light" panose="020F0302020204030204" pitchFamily="34" charset="0"/>
             </a:endParaRPr>
           </a:p>
           <a:p>
@@ -28963,8 +28228,8 @@
               </a:lnSpc>
             </a:pPr>
             <a:endParaRPr lang="en-US" sz="2400" b="0" strike="noStrike" spc="-1" dirty="0">
-              <a:latin typeface="Calibri" panose="020F0502020204030204" pitchFamily="34" charset="0"/>
-              <a:cs typeface="Calibri" panose="020F0502020204030204" pitchFamily="34" charset="0"/>
+              <a:latin typeface="Calibri Light" panose="020F0302020204030204" pitchFamily="34" charset="0"/>
+              <a:cs typeface="Calibri Light" panose="020F0302020204030204" pitchFamily="34" charset="0"/>
             </a:endParaRPr>
           </a:p>
           <a:p>
@@ -28983,15 +28248,15 @@
                 <a:solidFill>
                   <a:srgbClr val="000000"/>
                 </a:solidFill>
-                <a:latin typeface="Calibri" panose="020F0502020204030204" pitchFamily="34" charset="0"/>
+                <a:latin typeface="Calibri Light" panose="020F0302020204030204" pitchFamily="34" charset="0"/>
                 <a:ea typeface="DejaVu Sans"/>
-                <a:cs typeface="Calibri" panose="020F0502020204030204" pitchFamily="34" charset="0"/>
+                <a:cs typeface="Calibri Light" panose="020F0302020204030204" pitchFamily="34" charset="0"/>
               </a:rPr>
               <a:t>Genereller Ansatz:</a:t>
             </a:r>
             <a:endParaRPr lang="en-US" sz="2400" b="0" strike="noStrike" spc="-1" dirty="0">
-              <a:latin typeface="Calibri" panose="020F0502020204030204" pitchFamily="34" charset="0"/>
-              <a:cs typeface="Calibri" panose="020F0502020204030204" pitchFamily="34" charset="0"/>
+              <a:latin typeface="Calibri Light" panose="020F0302020204030204" pitchFamily="34" charset="0"/>
+              <a:cs typeface="Calibri Light" panose="020F0302020204030204" pitchFamily="34" charset="0"/>
             </a:endParaRPr>
           </a:p>
           <a:p>
@@ -29010,16 +28275,12 @@
                 <a:solidFill>
                   <a:srgbClr val="000000"/>
                 </a:solidFill>
-                <a:latin typeface="Calibri" panose="020F0502020204030204" pitchFamily="34" charset="0"/>
+                <a:latin typeface="Calibri Light" panose="020F0302020204030204" pitchFamily="34" charset="0"/>
                 <a:ea typeface="DejaVu Sans"/>
-                <a:cs typeface="Calibri" panose="020F0502020204030204" pitchFamily="34" charset="0"/>
+                <a:cs typeface="Calibri Light" panose="020F0302020204030204" pitchFamily="34" charset="0"/>
               </a:rPr>
-              <a:t>Zeitfenster (Gruppen aufeinanderfolgender Frames)</a:t>
+              <a:t>Zeitfenster </a:t>
             </a:r>
-            <a:endParaRPr lang="en-US" sz="2400" b="0" strike="noStrike" spc="-1" dirty="0">
-              <a:latin typeface="Calibri" panose="020F0502020204030204" pitchFamily="34" charset="0"/>
-              <a:cs typeface="Calibri" panose="020F0502020204030204" pitchFamily="34" charset="0"/>
-            </a:endParaRPr>
           </a:p>
           <a:p>
             <a:pPr marL="457200" indent="-454680">
@@ -29037,15 +28298,15 @@
                 <a:solidFill>
                   <a:srgbClr val="000000"/>
                 </a:solidFill>
-                <a:latin typeface="Calibri" panose="020F0502020204030204" pitchFamily="34" charset="0"/>
+                <a:latin typeface="Calibri Light" panose="020F0302020204030204" pitchFamily="34" charset="0"/>
                 <a:ea typeface="DejaVu Sans"/>
-                <a:cs typeface="Calibri" panose="020F0502020204030204" pitchFamily="34" charset="0"/>
+                <a:cs typeface="Calibri Light" panose="020F0302020204030204" pitchFamily="34" charset="0"/>
               </a:rPr>
               <a:t>Differenzen von Körperpunkten zwischen ausgewählten Zeitpunkten</a:t>
             </a:r>
             <a:endParaRPr lang="en-US" sz="2400" b="0" strike="noStrike" spc="-1" dirty="0">
-              <a:latin typeface="Calibri" panose="020F0502020204030204" pitchFamily="34" charset="0"/>
-              <a:cs typeface="Calibri" panose="020F0502020204030204" pitchFamily="34" charset="0"/>
+              <a:latin typeface="Calibri Light" panose="020F0302020204030204" pitchFamily="34" charset="0"/>
+              <a:cs typeface="Calibri Light" panose="020F0302020204030204" pitchFamily="34" charset="0"/>
             </a:endParaRPr>
           </a:p>
           <a:p>
@@ -29062,9 +28323,9 @@
                 <a:solidFill>
                   <a:srgbClr val="000000"/>
                 </a:solidFill>
-                <a:latin typeface="Calibri" panose="020F0502020204030204" pitchFamily="34" charset="0"/>
+                <a:latin typeface="Calibri Light" panose="020F0302020204030204" pitchFamily="34" charset="0"/>
                 <a:ea typeface="DejaVu Sans"/>
-                <a:cs typeface="Calibri" panose="020F0502020204030204" pitchFamily="34" charset="0"/>
+                <a:cs typeface="Calibri Light" panose="020F0302020204030204" pitchFamily="34" charset="0"/>
               </a:rPr>
               <a:t>      </a:t>
             </a:r>
@@ -29073,15 +28334,15 @@
                 <a:solidFill>
                   <a:srgbClr val="000000"/>
                 </a:solidFill>
-                <a:latin typeface="Calibri" panose="020F0502020204030204" pitchFamily="34" charset="0"/>
+                <a:latin typeface="Calibri Light" panose="020F0302020204030204" pitchFamily="34" charset="0"/>
                 <a:ea typeface="DejaVu Sans"/>
-                <a:cs typeface="Calibri" panose="020F0502020204030204" pitchFamily="34" charset="0"/>
+                <a:cs typeface="Calibri Light" panose="020F0302020204030204" pitchFamily="34" charset="0"/>
               </a:rPr>
               <a:t>→ Fenstergröße Hyperparameter</a:t>
             </a:r>
             <a:endParaRPr lang="en-US" sz="2400" b="0" strike="noStrike" spc="-1" dirty="0">
-              <a:latin typeface="Calibri" panose="020F0502020204030204" pitchFamily="34" charset="0"/>
-              <a:cs typeface="Calibri" panose="020F0502020204030204" pitchFamily="34" charset="0"/>
+              <a:latin typeface="Calibri Light" panose="020F0302020204030204" pitchFamily="34" charset="0"/>
+              <a:cs typeface="Calibri Light" panose="020F0302020204030204" pitchFamily="34" charset="0"/>
             </a:endParaRPr>
           </a:p>
           <a:p>
@@ -29091,8 +28352,8 @@
               </a:lnSpc>
             </a:pPr>
             <a:endParaRPr lang="en-US" sz="2400" b="0" strike="noStrike" spc="-1" dirty="0">
-              <a:latin typeface="Calibri" panose="020F0502020204030204" pitchFamily="34" charset="0"/>
-              <a:cs typeface="Calibri" panose="020F0502020204030204" pitchFamily="34" charset="0"/>
+              <a:latin typeface="Calibri Light" panose="020F0302020204030204" pitchFamily="34" charset="0"/>
+              <a:cs typeface="Calibri Light" panose="020F0302020204030204" pitchFamily="34" charset="0"/>
             </a:endParaRPr>
           </a:p>
         </p:txBody>
@@ -29762,6 +29023,284 @@
         </p:style>
       </p:sp>
     </p:spTree>
+    <p:extLst>
+      <p:ext uri="{BB962C8B-B14F-4D97-AF65-F5344CB8AC3E}">
+        <p14:creationId xmlns:p14="http://schemas.microsoft.com/office/powerpoint/2010/main" val="2690756279"/>
+      </p:ext>
+    </p:extLst>
+  </p:cSld>
+  <p:clrMapOvr>
+    <a:masterClrMapping/>
+  </p:clrMapOvr>
+</p:sld>
+</file>
+
+<file path=ppt/slides/slide4.xml><?xml version="1.0" encoding="utf-8"?>
+<p:sld xmlns:a="http://schemas.openxmlformats.org/drawingml/2006/main" xmlns:r="http://schemas.openxmlformats.org/officeDocument/2006/relationships" xmlns:p="http://schemas.openxmlformats.org/presentationml/2006/main">
+  <p:cSld>
+    <p:spTree>
+      <p:nvGrpSpPr>
+        <p:cNvPr id="1" name=""/>
+        <p:cNvGrpSpPr/>
+        <p:nvPr/>
+      </p:nvGrpSpPr>
+      <p:grpSpPr>
+        <a:xfrm>
+          <a:off x="0" y="0"/>
+          <a:ext cx="0" cy="0"/>
+          <a:chOff x="0" y="0"/>
+          <a:chExt cx="0" cy="0"/>
+        </a:xfrm>
+      </p:grpSpPr>
+      <p:sp>
+        <p:nvSpPr>
+          <p:cNvPr id="120" name="CustomShape 1"/>
+          <p:cNvSpPr/>
+          <p:nvPr/>
+        </p:nvSpPr>
+        <p:spPr>
+          <a:xfrm>
+            <a:off x="839460" y="239774"/>
+            <a:ext cx="10513080" cy="821160"/>
+          </a:xfrm>
+          <a:prstGeom prst="rect">
+            <a:avLst/>
+          </a:prstGeom>
+          <a:noFill/>
+          <a:ln>
+            <a:noFill/>
+          </a:ln>
+        </p:spPr>
+        <p:style>
+          <a:lnRef idx="0">
+            <a:scrgbClr r="0" g="0" b="0"/>
+          </a:lnRef>
+          <a:fillRef idx="0">
+            <a:scrgbClr r="0" g="0" b="0"/>
+          </a:fillRef>
+          <a:effectRef idx="0">
+            <a:scrgbClr r="0" g="0" b="0"/>
+          </a:effectRef>
+          <a:fontRef idx="minor"/>
+        </p:style>
+        <p:txBody>
+          <a:bodyPr lIns="90000" tIns="45000" rIns="90000" bIns="45000" anchor="ctr">
+            <a:noAutofit/>
+          </a:bodyPr>
+          <a:lstStyle/>
+          <a:p>
+            <a:pPr>
+              <a:lnSpc>
+                <a:spcPct val="90000"/>
+              </a:lnSpc>
+            </a:pPr>
+            <a:r>
+              <a:rPr lang="de-DE" sz="3600" b="0" strike="noStrike" spc="-1" dirty="0">
+                <a:solidFill>
+                  <a:srgbClr val="000000"/>
+                </a:solidFill>
+                <a:latin typeface="Calibri Light" panose="020F0302020204030204" pitchFamily="34" charset="0"/>
+                <a:ea typeface="DejaVu Sans"/>
+                <a:cs typeface="Calibri Light" panose="020F0302020204030204" pitchFamily="34" charset="0"/>
+              </a:rPr>
+              <a:t>Temporale Features: Kumulative Summe</a:t>
+            </a:r>
+            <a:endParaRPr lang="en-US" sz="3600" b="0" strike="noStrike" spc="-1" dirty="0">
+              <a:latin typeface="Calibri Light" panose="020F0302020204030204" pitchFamily="34" charset="0"/>
+              <a:cs typeface="Calibri Light" panose="020F0302020204030204" pitchFamily="34" charset="0"/>
+            </a:endParaRPr>
+          </a:p>
+        </p:txBody>
+      </p:sp>
+      <p:sp>
+        <p:nvSpPr>
+          <p:cNvPr id="2" name="Textfeld 1">
+            <a:extLst>
+              <a:ext uri="{FF2B5EF4-FFF2-40B4-BE49-F238E27FC236}">
+                <a16:creationId xmlns:a16="http://schemas.microsoft.com/office/drawing/2014/main" id="{CB59FB70-66D3-4087-B476-6F7909C46FB2}"/>
+              </a:ext>
+            </a:extLst>
+          </p:cNvPr>
+          <p:cNvSpPr txBox="1"/>
+          <p:nvPr/>
+        </p:nvSpPr>
+        <p:spPr>
+          <a:xfrm>
+            <a:off x="838079" y="1359953"/>
+            <a:ext cx="10823089" cy="2400657"/>
+          </a:xfrm>
+          <a:prstGeom prst="rect">
+            <a:avLst/>
+          </a:prstGeom>
+          <a:noFill/>
+        </p:spPr>
+        <p:txBody>
+          <a:bodyPr wrap="square" rtlCol="0">
+            <a:spAutoFit/>
+          </a:bodyPr>
+          <a:lstStyle/>
+          <a:p>
+            <a:pPr marL="285750" indent="-285750">
+              <a:buFont typeface="Arial" panose="020B0604020202020204" pitchFamily="34" charset="0"/>
+              <a:buChar char="•"/>
+            </a:pPr>
+            <a:r>
+              <a:rPr lang="de-DE" sz="2400" b="0" strike="noStrike" spc="-1" dirty="0">
+                <a:solidFill>
+                  <a:srgbClr val="000000"/>
+                </a:solidFill>
+                <a:latin typeface="Calibri Light" panose="020F0302020204030204" pitchFamily="34" charset="0"/>
+                <a:ea typeface="DejaVu Sans"/>
+                <a:cs typeface="Calibri Light" panose="020F0302020204030204" pitchFamily="34" charset="0"/>
+              </a:rPr>
+              <a:t>Bewegungen über viele Frames</a:t>
+            </a:r>
+          </a:p>
+          <a:p>
+            <a:pPr marL="285750" indent="-285750">
+              <a:buFont typeface="Arial" panose="020B0604020202020204" pitchFamily="34" charset="0"/>
+              <a:buChar char="•"/>
+            </a:pPr>
+            <a:r>
+              <a:rPr lang="de-DE" sz="2400" b="0" strike="noStrike" spc="-1" dirty="0">
+                <a:solidFill>
+                  <a:srgbClr val="000000"/>
+                </a:solidFill>
+                <a:latin typeface="Calibri Light" panose="020F0302020204030204" pitchFamily="34" charset="0"/>
+                <a:ea typeface="DejaVu Sans"/>
+                <a:cs typeface="Calibri Light" panose="020F0302020204030204" pitchFamily="34" charset="0"/>
+              </a:rPr>
+              <a:t>Kumulative Summe der Framedifferenzen</a:t>
+            </a:r>
+            <a:r>
+              <a:rPr lang="de-DE" sz="2400" b="1" strike="noStrike" spc="-1" dirty="0">
+                <a:solidFill>
+                  <a:srgbClr val="000000"/>
+                </a:solidFill>
+                <a:latin typeface="Calibri Light" panose="020F0302020204030204" pitchFamily="34" charset="0"/>
+                <a:ea typeface="DejaVu Sans"/>
+                <a:cs typeface="Calibri Light" panose="020F0302020204030204" pitchFamily="34" charset="0"/>
+              </a:rPr>
+              <a:t>:</a:t>
+            </a:r>
+          </a:p>
+          <a:p>
+            <a:pPr lvl="1"/>
+            <a:r>
+              <a:rPr lang="de-DE" sz="2400" b="0" strike="noStrike" spc="-1" dirty="0">
+                <a:solidFill>
+                  <a:srgbClr val="000000"/>
+                </a:solidFill>
+                <a:latin typeface="Calibri Light" panose="020F0302020204030204" pitchFamily="34" charset="0"/>
+                <a:ea typeface="DejaVu Sans"/>
+                <a:cs typeface="Calibri Light" panose="020F0302020204030204" pitchFamily="34" charset="0"/>
+              </a:rPr>
+              <a:t>Differenz jedes/ jedes zweiten Frames im Fenster zum 1. Frame</a:t>
+            </a:r>
+            <a:endParaRPr lang="en-US" sz="2400" b="0" strike="noStrike" spc="-1" dirty="0">
+              <a:latin typeface="Calibri Light" panose="020F0302020204030204" pitchFamily="34" charset="0"/>
+              <a:cs typeface="Calibri Light" panose="020F0302020204030204" pitchFamily="34" charset="0"/>
+            </a:endParaRPr>
+          </a:p>
+          <a:p>
+            <a:pPr marL="285750" indent="-285750">
+              <a:buFont typeface="Arial" panose="020B0604020202020204" pitchFamily="34" charset="0"/>
+              <a:buChar char="•"/>
+            </a:pPr>
+            <a:r>
+              <a:rPr lang="de-DE" sz="2400" b="0" strike="noStrike" spc="-1" dirty="0">
+                <a:solidFill>
+                  <a:srgbClr val="000000"/>
+                </a:solidFill>
+                <a:latin typeface="Calibri Light" panose="020F0302020204030204" pitchFamily="34" charset="0"/>
+                <a:ea typeface="DejaVu Sans"/>
+                <a:cs typeface="Calibri Light" panose="020F0302020204030204" pitchFamily="34" charset="0"/>
+              </a:rPr>
+              <a:t> Erlernen von Schwellwert</a:t>
+            </a:r>
+            <a:endParaRPr lang="en-US" sz="2400" b="0" strike="noStrike" spc="-1" dirty="0">
+              <a:latin typeface="Calibri Light" panose="020F0302020204030204" pitchFamily="34" charset="0"/>
+              <a:cs typeface="Calibri Light" panose="020F0302020204030204" pitchFamily="34" charset="0"/>
+            </a:endParaRPr>
+          </a:p>
+          <a:p>
+            <a:pPr marL="285750" indent="-285750">
+              <a:buFont typeface="Arial" panose="020B0604020202020204" pitchFamily="34" charset="0"/>
+              <a:buChar char="•"/>
+            </a:pPr>
+            <a:endParaRPr lang="en-US" sz="1800" spc="-1" dirty="0">
+              <a:solidFill>
+                <a:srgbClr val="000000"/>
+              </a:solidFill>
+              <a:latin typeface="Calibri Light" panose="020F0302020204030204" pitchFamily="34" charset="0"/>
+              <a:ea typeface="DejaVu Sans"/>
+              <a:cs typeface="Calibri Light" panose="020F0302020204030204" pitchFamily="34" charset="0"/>
+            </a:endParaRPr>
+          </a:p>
+          <a:p>
+            <a:pPr marL="285750" indent="-285750">
+              <a:buFont typeface="Arial" panose="020B0604020202020204" pitchFamily="34" charset="0"/>
+              <a:buChar char="•"/>
+            </a:pPr>
+            <a:endParaRPr lang="de-DE" dirty="0">
+              <a:latin typeface="Calibri Light" panose="020F0302020204030204" pitchFamily="34" charset="0"/>
+              <a:cs typeface="Calibri Light" panose="020F0302020204030204" pitchFamily="34" charset="0"/>
+            </a:endParaRPr>
+          </a:p>
+          <a:p>
+            <a:pPr marL="285750" indent="-285750">
+              <a:buFont typeface="Arial" panose="020B0604020202020204" pitchFamily="34" charset="0"/>
+              <a:buChar char="•"/>
+            </a:pPr>
+            <a:endParaRPr lang="de-DE" dirty="0">
+              <a:latin typeface="Calibri Light" panose="020F0302020204030204" pitchFamily="34" charset="0"/>
+              <a:cs typeface="Calibri Light" panose="020F0302020204030204" pitchFamily="34" charset="0"/>
+            </a:endParaRPr>
+          </a:p>
+        </p:txBody>
+      </p:sp>
+      <p:pic>
+        <p:nvPicPr>
+          <p:cNvPr id="6" name="Grafik 5">
+            <a:extLst>
+              <a:ext uri="{FF2B5EF4-FFF2-40B4-BE49-F238E27FC236}">
+                <a16:creationId xmlns:a16="http://schemas.microsoft.com/office/drawing/2014/main" id="{973C6591-782A-40BF-83DD-E1F6C56C9801}"/>
+              </a:ext>
+            </a:extLst>
+          </p:cNvPr>
+          <p:cNvPicPr>
+            <a:picLocks noChangeAspect="1"/>
+          </p:cNvPicPr>
+          <p:nvPr/>
+        </p:nvPicPr>
+        <p:blipFill>
+          <a:blip r:embed="rId2">
+            <a:extLst>
+              <a:ext uri="{28A0092B-C50C-407E-A947-70E740481C1C}">
+                <a14:useLocalDpi xmlns:a14="http://schemas.microsoft.com/office/drawing/2010/main" val="0"/>
+              </a:ext>
+            </a:extLst>
+          </a:blip>
+          <a:stretch>
+            <a:fillRect/>
+          </a:stretch>
+        </p:blipFill>
+        <p:spPr>
+          <a:xfrm>
+            <a:off x="1452282" y="2842516"/>
+            <a:ext cx="8884024" cy="3775710"/>
+          </a:xfrm>
+          <a:prstGeom prst="rect">
+            <a:avLst/>
+          </a:prstGeom>
+        </p:spPr>
+      </p:pic>
+    </p:spTree>
+    <p:extLst>
+      <p:ext uri="{BB962C8B-B14F-4D97-AF65-F5344CB8AC3E}">
+        <p14:creationId xmlns:p14="http://schemas.microsoft.com/office/powerpoint/2010/main" val="1608309698"/>
+      </p:ext>
+    </p:extLst>
   </p:cSld>
   <p:clrMapOvr>
     <a:masterClrMapping/>
@@ -29833,13 +29372,15 @@
                 <a:solidFill>
                   <a:srgbClr val="000000"/>
                 </a:solidFill>
-                <a:latin typeface="Calibri Light"/>
+                <a:latin typeface="Calibri Light" panose="020F0302020204030204" pitchFamily="34" charset="0"/>
                 <a:ea typeface="DejaVu Sans"/>
+                <a:cs typeface="Calibri Light" panose="020F0302020204030204" pitchFamily="34" charset="0"/>
               </a:rPr>
               <a:t>Framerate</a:t>
             </a:r>
             <a:endParaRPr lang="en-US" sz="4400" b="0" strike="noStrike" spc="-1" dirty="0">
-              <a:latin typeface="Arial"/>
+              <a:latin typeface="Calibri Light" panose="020F0302020204030204" pitchFamily="34" charset="0"/>
+              <a:cs typeface="Calibri Light" panose="020F0302020204030204" pitchFamily="34" charset="0"/>
             </a:endParaRPr>
           </a:p>
         </p:txBody>
@@ -29852,8 +29393,8 @@
         </p:nvSpPr>
         <p:spPr>
           <a:xfrm>
-            <a:off x="838080" y="1186560"/>
-            <a:ext cx="10513080" cy="6184855"/>
+            <a:off x="1356240" y="1860066"/>
+            <a:ext cx="10513080" cy="3414866"/>
           </a:xfrm>
           <a:prstGeom prst="rect">
             <a:avLst/>
@@ -29886,20 +29427,11 @@
                 <a:spcPct val="100000"/>
               </a:lnSpc>
             </a:pPr>
-            <a:r>
-              <a:rPr lang="de-DE" sz="2200" b="1" strike="noStrike" spc="-1" dirty="0">
-                <a:solidFill>
-                  <a:srgbClr val="000000"/>
-                </a:solidFill>
-                <a:latin typeface="Calibri" panose="020F0502020204030204" pitchFamily="34" charset="0"/>
-                <a:ea typeface="DejaVu Sans"/>
-                <a:cs typeface="Calibri" panose="020F0502020204030204" pitchFamily="34" charset="0"/>
-              </a:rPr>
-              <a:t>Schwierigkeiten: </a:t>
-            </a:r>
-            <a:endParaRPr lang="en-US" sz="2200" b="0" strike="noStrike" spc="-1" dirty="0">
-              <a:latin typeface="Calibri" panose="020F0502020204030204" pitchFamily="34" charset="0"/>
-              <a:cs typeface="Calibri" panose="020F0502020204030204" pitchFamily="34" charset="0"/>
+            <a:endParaRPr lang="en-US" sz="2400" spc="-1" dirty="0">
+              <a:latin typeface="Calibri Light" panose="020F0302020204030204" pitchFamily="34" charset="0"/>
+              <a:ea typeface="Tahoma" panose="020B0604030504040204" pitchFamily="34" charset="0"/>
+              <a:cs typeface="Calibri Light" panose="020F0302020204030204" pitchFamily="34" charset="0"/>
+              <a:sym typeface="Wingdings" panose="05000000000000000000" pitchFamily="2" charset="2"/>
             </a:endParaRPr>
           </a:p>
           <a:p>
@@ -29909,19 +29441,69 @@
               </a:lnSpc>
             </a:pPr>
             <a:r>
-              <a:rPr lang="de-DE" sz="2200" b="0" strike="noStrike" spc="-1" dirty="0">
+              <a:rPr lang="de-DE" sz="2400" spc="-1" dirty="0">
                 <a:solidFill>
                   <a:srgbClr val="000000"/>
                 </a:solidFill>
-                <a:latin typeface="Calibri" panose="020F0502020204030204" pitchFamily="34" charset="0"/>
-                <a:ea typeface="DejaVu Sans"/>
-                <a:cs typeface="Calibri" panose="020F0502020204030204" pitchFamily="34" charset="0"/>
+                <a:latin typeface="Calibri Light" panose="020F0302020204030204" pitchFamily="34" charset="0"/>
+                <a:ea typeface="Tahoma" panose="020B0604030504040204" pitchFamily="34" charset="0"/>
+                <a:cs typeface="Calibri Light" panose="020F0302020204030204" pitchFamily="34" charset="0"/>
+                <a:sym typeface="Wingdings" panose="05000000000000000000" pitchFamily="2" charset="2"/>
               </a:rPr>
-              <a:t>1)	Framerate abhängig von Kameraeinstellung</a:t>
+              <a:t>1</a:t>
             </a:r>
-            <a:endParaRPr lang="en-US" sz="2200" b="0" strike="noStrike" spc="-1" dirty="0">
-              <a:latin typeface="Calibri" panose="020F0502020204030204" pitchFamily="34" charset="0"/>
-              <a:cs typeface="Calibri" panose="020F0502020204030204" pitchFamily="34" charset="0"/>
+            <a:r>
+              <a:rPr lang="de-DE" sz="2400" b="0" strike="noStrike" spc="-1" dirty="0">
+                <a:solidFill>
+                  <a:srgbClr val="000000"/>
+                </a:solidFill>
+                <a:latin typeface="Calibri Light" panose="020F0302020204030204" pitchFamily="34" charset="0"/>
+                <a:ea typeface="Tahoma" panose="020B0604030504040204" pitchFamily="34" charset="0"/>
+                <a:cs typeface="Calibri Light" panose="020F0302020204030204" pitchFamily="34" charset="0"/>
+                <a:sym typeface="Wingdings" panose="05000000000000000000" pitchFamily="2" charset="2"/>
+              </a:rPr>
+              <a:t>) </a:t>
+            </a:r>
+            <a:r>
+              <a:rPr lang="de-DE" sz="2400" b="0" strike="noStrike" spc="-1" dirty="0" err="1">
+                <a:solidFill>
+                  <a:srgbClr val="000000"/>
+                </a:solidFill>
+                <a:latin typeface="Calibri Light" panose="020F0302020204030204" pitchFamily="34" charset="0"/>
+                <a:ea typeface="Tahoma" panose="020B0604030504040204" pitchFamily="34" charset="0"/>
+                <a:cs typeface="Calibri Light" panose="020F0302020204030204" pitchFamily="34" charset="0"/>
+              </a:rPr>
+              <a:t>Performanzbeschränkung</a:t>
+            </a:r>
+            <a:r>
+              <a:rPr lang="de-DE" sz="2400" b="0" strike="noStrike" spc="-1" dirty="0">
+                <a:solidFill>
+                  <a:srgbClr val="000000"/>
+                </a:solidFill>
+                <a:latin typeface="Calibri Light" panose="020F0302020204030204" pitchFamily="34" charset="0"/>
+                <a:ea typeface="Tahoma" panose="020B0604030504040204" pitchFamily="34" charset="0"/>
+                <a:cs typeface="Calibri Light" panose="020F0302020204030204" pitchFamily="34" charset="0"/>
+              </a:rPr>
+              <a:t> im Live </a:t>
+            </a:r>
+            <a:r>
+              <a:rPr lang="de-DE" sz="2400" b="0" strike="noStrike" spc="-1" dirty="0" err="1">
+                <a:solidFill>
+                  <a:srgbClr val="000000"/>
+                </a:solidFill>
+                <a:latin typeface="Calibri Light" panose="020F0302020204030204" pitchFamily="34" charset="0"/>
+                <a:ea typeface="Tahoma" panose="020B0604030504040204" pitchFamily="34" charset="0"/>
+                <a:cs typeface="Calibri Light" panose="020F0302020204030204" pitchFamily="34" charset="0"/>
+              </a:rPr>
+              <a:t>mode</a:t>
+            </a:r>
+            <a:endParaRPr lang="de-DE" sz="2400" b="0" strike="noStrike" spc="-1" dirty="0">
+              <a:solidFill>
+                <a:srgbClr val="000000"/>
+              </a:solidFill>
+              <a:latin typeface="Calibri Light" panose="020F0302020204030204" pitchFamily="34" charset="0"/>
+              <a:ea typeface="Tahoma" panose="020B0604030504040204" pitchFamily="34" charset="0"/>
+              <a:cs typeface="Calibri Light" panose="020F0302020204030204" pitchFamily="34" charset="0"/>
             </a:endParaRPr>
           </a:p>
           <a:p>
@@ -29931,19 +29513,86 @@
               </a:lnSpc>
             </a:pPr>
             <a:r>
-              <a:rPr lang="de-DE" sz="2200" b="0" strike="noStrike" spc="-1" dirty="0">
+              <a:rPr lang="de-DE" sz="2400" spc="-1" dirty="0">
                 <a:solidFill>
                   <a:srgbClr val="000000"/>
                 </a:solidFill>
-                <a:latin typeface="Calibri" panose="020F0502020204030204" pitchFamily="34" charset="0"/>
-                <a:ea typeface="DejaVu Sans"/>
-                <a:cs typeface="Calibri" panose="020F0502020204030204" pitchFamily="34" charset="0"/>
+                <a:latin typeface="Calibri Light" panose="020F0302020204030204" pitchFamily="34" charset="0"/>
+                <a:ea typeface="Tahoma" panose="020B0604030504040204" pitchFamily="34" charset="0"/>
+                <a:cs typeface="Calibri Light" panose="020F0302020204030204" pitchFamily="34" charset="0"/>
               </a:rPr>
-              <a:t>2)	Variable Framerate im Live Mode </a:t>
+              <a:t>	</a:t>
             </a:r>
-            <a:endParaRPr lang="en-US" sz="2200" b="0" strike="noStrike" spc="-1" dirty="0">
-              <a:latin typeface="Calibri" panose="020F0502020204030204" pitchFamily="34" charset="0"/>
-              <a:cs typeface="Calibri" panose="020F0502020204030204" pitchFamily="34" charset="0"/>
+            <a:r>
+              <a:rPr lang="de-DE" sz="2400" spc="-1" dirty="0">
+                <a:solidFill>
+                  <a:srgbClr val="000000"/>
+                </a:solidFill>
+                <a:latin typeface="Calibri Light" panose="020F0302020204030204" pitchFamily="34" charset="0"/>
+                <a:ea typeface="Tahoma" panose="020B0604030504040204" pitchFamily="34" charset="0"/>
+                <a:cs typeface="Calibri Light" panose="020F0302020204030204" pitchFamily="34" charset="0"/>
+                <a:sym typeface="Wingdings" panose="05000000000000000000" pitchFamily="2" charset="2"/>
+              </a:rPr>
+              <a:t> Verarbeitung jedes zweiten Frames </a:t>
+            </a:r>
+          </a:p>
+          <a:p>
+            <a:pPr>
+              <a:lnSpc>
+                <a:spcPct val="100000"/>
+              </a:lnSpc>
+            </a:pPr>
+            <a:r>
+              <a:rPr lang="de-DE" sz="2400" spc="-1" dirty="0">
+                <a:solidFill>
+                  <a:srgbClr val="000000"/>
+                </a:solidFill>
+                <a:latin typeface="Calibri Light" panose="020F0302020204030204" pitchFamily="34" charset="0"/>
+                <a:ea typeface="Tahoma" panose="020B0604030504040204" pitchFamily="34" charset="0"/>
+                <a:cs typeface="Calibri Light" panose="020F0302020204030204" pitchFamily="34" charset="0"/>
+                <a:sym typeface="Wingdings" panose="05000000000000000000" pitchFamily="2" charset="2"/>
+              </a:rPr>
+              <a:t>	 15 </a:t>
+            </a:r>
+            <a:r>
+              <a:rPr lang="de-DE" sz="2400" spc="-1" dirty="0" err="1">
+                <a:solidFill>
+                  <a:srgbClr val="000000"/>
+                </a:solidFill>
+                <a:latin typeface="Calibri Light" panose="020F0302020204030204" pitchFamily="34" charset="0"/>
+                <a:ea typeface="Tahoma" panose="020B0604030504040204" pitchFamily="34" charset="0"/>
+                <a:cs typeface="Calibri Light" panose="020F0302020204030204" pitchFamily="34" charset="0"/>
+                <a:sym typeface="Wingdings" panose="05000000000000000000" pitchFamily="2" charset="2"/>
+              </a:rPr>
+              <a:t>fps</a:t>
+            </a:r>
+            <a:r>
+              <a:rPr lang="de-DE" sz="2400" spc="-1" dirty="0">
+                <a:solidFill>
+                  <a:srgbClr val="000000"/>
+                </a:solidFill>
+                <a:latin typeface="Calibri Light" panose="020F0302020204030204" pitchFamily="34" charset="0"/>
+                <a:ea typeface="Tahoma" panose="020B0604030504040204" pitchFamily="34" charset="0"/>
+                <a:cs typeface="Calibri Light" panose="020F0302020204030204" pitchFamily="34" charset="0"/>
+                <a:sym typeface="Wingdings" panose="05000000000000000000" pitchFamily="2" charset="2"/>
+              </a:rPr>
+              <a:t> </a:t>
+            </a:r>
+          </a:p>
+          <a:p>
+            <a:pPr>
+              <a:lnSpc>
+                <a:spcPct val="100000"/>
+              </a:lnSpc>
+            </a:pPr>
+            <a:endParaRPr lang="de-DE" sz="2400" spc="-1" dirty="0">
+              <a:solidFill>
+                <a:srgbClr val="000000"/>
+              </a:solidFill>
+              <a:latin typeface="Calibri Light" panose="020F0302020204030204" pitchFamily="34" charset="0"/>
+              <a:ea typeface="Tahoma" panose="020B0604030504040204" pitchFamily="34" charset="0"/>
+              <a:cs typeface="Calibri Light" panose="020F0302020204030204" pitchFamily="34" charset="0"/>
+              <a:sym typeface="Wingdings" panose="05000000000000000000" pitchFamily="2" charset="2"/>
             </a:endParaRPr>
           </a:p>
           <a:p>
@@ -29953,19 +29602,91 @@
               </a:lnSpc>
             </a:pPr>
             <a:r>
-              <a:rPr lang="de-DE" sz="2200" b="0" strike="noStrike" spc="-1" dirty="0">
+              <a:rPr lang="de-DE" sz="2400" b="0" strike="noStrike" spc="-1" dirty="0">
                 <a:solidFill>
                   <a:srgbClr val="000000"/>
                 </a:solidFill>
-                <a:latin typeface="Calibri" panose="020F0502020204030204" pitchFamily="34" charset="0"/>
-                <a:ea typeface="DejaVu Sans"/>
-                <a:cs typeface="Calibri" panose="020F0502020204030204" pitchFamily="34" charset="0"/>
+                <a:latin typeface="Calibri Light" panose="020F0302020204030204" pitchFamily="34" charset="0"/>
+                <a:ea typeface="Tahoma" panose="020B0604030504040204" pitchFamily="34" charset="0"/>
+                <a:cs typeface="Calibri Light" panose="020F0302020204030204" pitchFamily="34" charset="0"/>
+                <a:sym typeface="Wingdings" panose="05000000000000000000" pitchFamily="2" charset="2"/>
               </a:rPr>
-              <a:t>3)	Performanz der Anwendung reicht nicht für Verarbeitung aller Frames in Echtzeit 	(Live Mode)</a:t>
+              <a:t>2) </a:t>
             </a:r>
-            <a:endParaRPr lang="en-US" sz="2200" b="0" strike="noStrike" spc="-1" dirty="0">
-              <a:latin typeface="Calibri" panose="020F0502020204030204" pitchFamily="34" charset="0"/>
-              <a:cs typeface="Calibri" panose="020F0502020204030204" pitchFamily="34" charset="0"/>
+            <a:r>
+              <a:rPr lang="de-DE" sz="2400" b="0" strike="noStrike" spc="-1" dirty="0">
+                <a:solidFill>
+                  <a:srgbClr val="000000"/>
+                </a:solidFill>
+                <a:latin typeface="Calibri Light" panose="020F0302020204030204" pitchFamily="34" charset="0"/>
+                <a:ea typeface="Tahoma" panose="020B0604030504040204" pitchFamily="34" charset="0"/>
+                <a:cs typeface="Calibri Light" panose="020F0302020204030204" pitchFamily="34" charset="0"/>
+              </a:rPr>
+              <a:t>Variabilität der Inputframerate</a:t>
+            </a:r>
+          </a:p>
+          <a:p>
+            <a:pPr lvl="1"/>
+            <a:r>
+              <a:rPr lang="de-DE" sz="2400" spc="-1" dirty="0">
+                <a:solidFill>
+                  <a:srgbClr val="000000"/>
+                </a:solidFill>
+                <a:latin typeface="Calibri Light" panose="020F0302020204030204" pitchFamily="34" charset="0"/>
+                <a:ea typeface="Tahoma" panose="020B0604030504040204" pitchFamily="34" charset="0"/>
+                <a:cs typeface="Calibri Light" panose="020F0302020204030204" pitchFamily="34" charset="0"/>
+              </a:rPr>
+              <a:t>	</a:t>
+            </a:r>
+            <a:r>
+              <a:rPr lang="de-DE" sz="2400" spc="-1" dirty="0">
+                <a:solidFill>
+                  <a:srgbClr val="000000"/>
+                </a:solidFill>
+                <a:latin typeface="Calibri Light" panose="020F0302020204030204" pitchFamily="34" charset="0"/>
+                <a:ea typeface="Tahoma" panose="020B0604030504040204" pitchFamily="34" charset="0"/>
+                <a:cs typeface="Calibri Light" panose="020F0302020204030204" pitchFamily="34" charset="0"/>
+                <a:sym typeface="Wingdings" panose="05000000000000000000" pitchFamily="2" charset="2"/>
+              </a:rPr>
+              <a:t> </a:t>
+            </a:r>
+            <a:r>
+              <a:rPr lang="de-DE" sz="2400" spc="-1" dirty="0">
+                <a:solidFill>
+                  <a:srgbClr val="000000"/>
+                </a:solidFill>
+                <a:latin typeface="Calibri Light" panose="020F0302020204030204" pitchFamily="34" charset="0"/>
+                <a:ea typeface="Tahoma" panose="020B0604030504040204" pitchFamily="34" charset="0"/>
+                <a:cs typeface="Calibri Light" panose="020F0302020204030204" pitchFamily="34" charset="0"/>
+              </a:rPr>
+              <a:t>  </a:t>
+            </a:r>
+            <a:r>
+              <a:rPr lang="de-DE" sz="2400" strike="noStrike" spc="-1" dirty="0">
+                <a:solidFill>
+                  <a:srgbClr val="000000"/>
+                </a:solidFill>
+                <a:latin typeface="Calibri Light" panose="020F0302020204030204" pitchFamily="34" charset="0"/>
+                <a:ea typeface="Tahoma" panose="020B0604030504040204" pitchFamily="34" charset="0"/>
+                <a:cs typeface="Calibri Light" panose="020F0302020204030204" pitchFamily="34" charset="0"/>
+              </a:rPr>
+              <a:t>Lineare Interpolation auf 30 </a:t>
+            </a:r>
+            <a:r>
+              <a:rPr lang="de-DE" sz="2400" strike="noStrike" spc="-1" dirty="0" err="1">
+                <a:solidFill>
+                  <a:srgbClr val="000000"/>
+                </a:solidFill>
+                <a:latin typeface="Calibri Light" panose="020F0302020204030204" pitchFamily="34" charset="0"/>
+                <a:ea typeface="Tahoma" panose="020B0604030504040204" pitchFamily="34" charset="0"/>
+                <a:cs typeface="Calibri Light" panose="020F0302020204030204" pitchFamily="34" charset="0"/>
+              </a:rPr>
+              <a:t>fps</a:t>
+            </a:r>
+            <a:endParaRPr lang="en-US" sz="2400" strike="noStrike" spc="-1" dirty="0">
+              <a:latin typeface="Calibri Light" panose="020F0302020204030204" pitchFamily="34" charset="0"/>
+              <a:ea typeface="Tahoma" panose="020B0604030504040204" pitchFamily="34" charset="0"/>
+              <a:cs typeface="Calibri Light" panose="020F0302020204030204" pitchFamily="34" charset="0"/>
             </a:endParaRPr>
           </a:p>
           <a:p>
@@ -29974,9 +29695,10 @@
                 <a:spcPct val="100000"/>
               </a:lnSpc>
             </a:pPr>
-            <a:endParaRPr lang="en-US" sz="2200" b="0" strike="noStrike" spc="-1" dirty="0">
-              <a:latin typeface="Calibri" panose="020F0502020204030204" pitchFamily="34" charset="0"/>
-              <a:cs typeface="Calibri" panose="020F0502020204030204" pitchFamily="34" charset="0"/>
+            <a:endParaRPr lang="en-US" sz="2400" b="0" strike="noStrike" spc="-1" dirty="0">
+              <a:latin typeface="Calibri Light" panose="020F0302020204030204" pitchFamily="34" charset="0"/>
+              <a:ea typeface="Tahoma" panose="020B0604030504040204" pitchFamily="34" charset="0"/>
+              <a:cs typeface="Calibri Light" panose="020F0302020204030204" pitchFamily="34" charset="0"/>
             </a:endParaRPr>
           </a:p>
           <a:p>
@@ -29985,332 +29707,10 @@
                 <a:spcPct val="100000"/>
               </a:lnSpc>
             </a:pPr>
-            <a:r>
-              <a:rPr lang="de-DE" sz="2200" b="0" strike="noStrike" spc="-1" dirty="0">
-                <a:solidFill>
-                  <a:srgbClr val="000000"/>
-                </a:solidFill>
-                <a:latin typeface="Calibri" panose="020F0502020204030204" pitchFamily="34" charset="0"/>
-                <a:ea typeface="DejaVu Sans"/>
-                <a:cs typeface="Calibri" panose="020F0502020204030204" pitchFamily="34" charset="0"/>
-              </a:rPr>
-              <a:t>1) &amp; 2): </a:t>
-            </a:r>
-            <a:r>
-              <a:rPr lang="de-DE" sz="2200" b="1" strike="noStrike" spc="-1" dirty="0">
-                <a:solidFill>
-                  <a:srgbClr val="000000"/>
-                </a:solidFill>
-                <a:latin typeface="Calibri" panose="020F0502020204030204" pitchFamily="34" charset="0"/>
-                <a:ea typeface="DejaVu Sans"/>
-                <a:cs typeface="Calibri" panose="020F0502020204030204" pitchFamily="34" charset="0"/>
-              </a:rPr>
-              <a:t>Feste, konstante Framerate der Inputdaten</a:t>
-            </a:r>
-            <a:endParaRPr lang="en-US" sz="2200" b="0" strike="noStrike" spc="-1" dirty="0">
-              <a:latin typeface="Calibri" panose="020F0502020204030204" pitchFamily="34" charset="0"/>
-              <a:cs typeface="Calibri" panose="020F0502020204030204" pitchFamily="34" charset="0"/>
-            </a:endParaRPr>
-          </a:p>
-          <a:p>
-            <a:pPr>
-              <a:lnSpc>
-                <a:spcPct val="100000"/>
-              </a:lnSpc>
-            </a:pPr>
-            <a:r>
-              <a:rPr lang="de-DE" sz="2200" b="0" strike="noStrike" spc="-1" dirty="0">
-                <a:solidFill>
-                  <a:srgbClr val="000000"/>
-                </a:solidFill>
-                <a:latin typeface="Calibri" panose="020F0502020204030204" pitchFamily="34" charset="0"/>
-                <a:ea typeface="DejaVu Sans"/>
-                <a:cs typeface="Calibri" panose="020F0502020204030204" pitchFamily="34" charset="0"/>
-              </a:rPr>
-              <a:t>Aufnahme der Trainings-, Validierungs- und Testvideos mit 30 </a:t>
-            </a:r>
-            <a:r>
-              <a:rPr lang="de-DE" sz="2200" b="0" strike="noStrike" spc="-1" dirty="0" err="1">
-                <a:solidFill>
-                  <a:srgbClr val="000000"/>
-                </a:solidFill>
-                <a:latin typeface="Calibri" panose="020F0502020204030204" pitchFamily="34" charset="0"/>
-                <a:ea typeface="DejaVu Sans"/>
-                <a:cs typeface="Calibri" panose="020F0502020204030204" pitchFamily="34" charset="0"/>
-              </a:rPr>
-              <a:t>fps</a:t>
-            </a:r>
-            <a:endParaRPr lang="en-US" sz="2200" b="0" strike="noStrike" spc="-1" dirty="0">
-              <a:latin typeface="Calibri" panose="020F0502020204030204" pitchFamily="34" charset="0"/>
-              <a:cs typeface="Calibri" panose="020F0502020204030204" pitchFamily="34" charset="0"/>
-            </a:endParaRPr>
-          </a:p>
-          <a:p>
-            <a:pPr>
-              <a:lnSpc>
-                <a:spcPct val="100000"/>
-              </a:lnSpc>
-            </a:pPr>
-            <a:r>
-              <a:rPr lang="de-DE" sz="2200" b="0" strike="noStrike" spc="-1" dirty="0">
-                <a:solidFill>
-                  <a:srgbClr val="000000"/>
-                </a:solidFill>
-                <a:latin typeface="Calibri" panose="020F0502020204030204" pitchFamily="34" charset="0"/>
-                <a:ea typeface="DejaVu Sans"/>
-                <a:cs typeface="Calibri" panose="020F0502020204030204" pitchFamily="34" charset="0"/>
-              </a:rPr>
-              <a:t>Lineare Interpolation der </a:t>
-            </a:r>
-            <a:r>
-              <a:rPr lang="de-DE" sz="2200" b="0" strike="noStrike" spc="-1" dirty="0" err="1">
-                <a:solidFill>
-                  <a:srgbClr val="000000"/>
-                </a:solidFill>
-                <a:latin typeface="Calibri" panose="020F0502020204030204" pitchFamily="34" charset="0"/>
-                <a:ea typeface="DejaVu Sans"/>
-                <a:cs typeface="Calibri" panose="020F0502020204030204" pitchFamily="34" charset="0"/>
-              </a:rPr>
-              <a:t>MediaPipe</a:t>
-            </a:r>
-            <a:r>
-              <a:rPr lang="de-DE" sz="2200" b="0" strike="noStrike" spc="-1" dirty="0">
-                <a:solidFill>
-                  <a:srgbClr val="000000"/>
-                </a:solidFill>
-                <a:latin typeface="Calibri" panose="020F0502020204030204" pitchFamily="34" charset="0"/>
-                <a:ea typeface="DejaVu Sans"/>
-                <a:cs typeface="Calibri" panose="020F0502020204030204" pitchFamily="34" charset="0"/>
-              </a:rPr>
-              <a:t> Features im Live Mode auf 30 </a:t>
-            </a:r>
-            <a:r>
-              <a:rPr lang="de-DE" sz="2200" b="0" strike="noStrike" spc="-1" dirty="0" err="1">
-                <a:solidFill>
-                  <a:srgbClr val="000000"/>
-                </a:solidFill>
-                <a:latin typeface="Calibri" panose="020F0502020204030204" pitchFamily="34" charset="0"/>
-                <a:ea typeface="DejaVu Sans"/>
-                <a:cs typeface="Calibri" panose="020F0502020204030204" pitchFamily="34" charset="0"/>
-              </a:rPr>
-              <a:t>fps</a:t>
-            </a:r>
-            <a:endParaRPr lang="en-US" sz="2200" b="0" strike="noStrike" spc="-1" dirty="0">
-              <a:latin typeface="Calibri" panose="020F0502020204030204" pitchFamily="34" charset="0"/>
-              <a:cs typeface="Calibri" panose="020F0502020204030204" pitchFamily="34" charset="0"/>
-            </a:endParaRPr>
-          </a:p>
-          <a:p>
-            <a:pPr>
-              <a:lnSpc>
-                <a:spcPct val="100000"/>
-              </a:lnSpc>
-            </a:pPr>
-            <a:endParaRPr lang="en-US" sz="2200" b="0" strike="noStrike" spc="-1" dirty="0">
-              <a:latin typeface="Calibri" panose="020F0502020204030204" pitchFamily="34" charset="0"/>
-              <a:cs typeface="Calibri" panose="020F0502020204030204" pitchFamily="34" charset="0"/>
-            </a:endParaRPr>
-          </a:p>
-          <a:p>
-            <a:pPr>
-              <a:lnSpc>
-                <a:spcPct val="100000"/>
-              </a:lnSpc>
-            </a:pPr>
-            <a:r>
-              <a:rPr lang="de-DE" sz="2200" b="0" strike="noStrike" spc="-1" dirty="0">
-                <a:solidFill>
-                  <a:srgbClr val="000000"/>
-                </a:solidFill>
-                <a:latin typeface="Calibri" panose="020F0502020204030204" pitchFamily="34" charset="0"/>
-                <a:ea typeface="DejaVu Sans"/>
-                <a:cs typeface="Calibri" panose="020F0502020204030204" pitchFamily="34" charset="0"/>
-              </a:rPr>
-              <a:t>3): Verschiedene Netze: Verarbeitung </a:t>
-            </a:r>
-            <a:r>
-              <a:rPr lang="de-DE" sz="2200" b="1" strike="noStrike" spc="-1" dirty="0">
-                <a:solidFill>
-                  <a:srgbClr val="000000"/>
-                </a:solidFill>
-                <a:latin typeface="Calibri" panose="020F0502020204030204" pitchFamily="34" charset="0"/>
-                <a:ea typeface="DejaVu Sans"/>
-                <a:cs typeface="Calibri" panose="020F0502020204030204" pitchFamily="34" charset="0"/>
-              </a:rPr>
-              <a:t>jedes n-ten Frames</a:t>
-            </a:r>
-            <a:r>
-              <a:rPr lang="de-DE" sz="2200" b="0" strike="noStrike" spc="-1" dirty="0">
-                <a:solidFill>
-                  <a:srgbClr val="000000"/>
-                </a:solidFill>
-                <a:latin typeface="Calibri" panose="020F0502020204030204" pitchFamily="34" charset="0"/>
-                <a:ea typeface="DejaVu Sans"/>
-                <a:cs typeface="Calibri" panose="020F0502020204030204" pitchFamily="34" charset="0"/>
-              </a:rPr>
-              <a:t> </a:t>
-            </a:r>
-            <a:endParaRPr lang="en-US" sz="2200" b="0" strike="noStrike" spc="-1" dirty="0">
-              <a:latin typeface="Calibri" panose="020F0502020204030204" pitchFamily="34" charset="0"/>
-              <a:cs typeface="Calibri" panose="020F0502020204030204" pitchFamily="34" charset="0"/>
-            </a:endParaRPr>
-          </a:p>
-          <a:p>
-            <a:pPr marL="457200" indent="-454680">
-              <a:lnSpc>
-                <a:spcPct val="100000"/>
-              </a:lnSpc>
-              <a:buClr>
-                <a:srgbClr val="000000"/>
-              </a:buClr>
-              <a:buFont typeface="Arial"/>
-              <a:buChar char="•"/>
-            </a:pPr>
-            <a:r>
-              <a:rPr lang="de-DE" sz="2200" b="0" strike="noStrike" spc="-1" dirty="0">
-                <a:solidFill>
-                  <a:srgbClr val="000000"/>
-                </a:solidFill>
-                <a:latin typeface="Calibri" panose="020F0502020204030204" pitchFamily="34" charset="0"/>
-                <a:ea typeface="DejaVu Sans"/>
-                <a:cs typeface="Calibri" panose="020F0502020204030204" pitchFamily="34" charset="0"/>
-              </a:rPr>
-              <a:t>n Hyperparameter</a:t>
-            </a:r>
-            <a:endParaRPr lang="en-US" sz="2200" b="0" strike="noStrike" spc="-1" dirty="0">
-              <a:latin typeface="Calibri" panose="020F0502020204030204" pitchFamily="34" charset="0"/>
-              <a:cs typeface="Calibri" panose="020F0502020204030204" pitchFamily="34" charset="0"/>
-            </a:endParaRPr>
-          </a:p>
-          <a:p>
-            <a:pPr marL="457200" indent="-454680">
-              <a:lnSpc>
-                <a:spcPct val="100000"/>
-              </a:lnSpc>
-              <a:buClr>
-                <a:srgbClr val="000000"/>
-              </a:buClr>
-              <a:buFont typeface="Arial"/>
-              <a:buChar char="•"/>
-            </a:pPr>
-            <a:r>
-              <a:rPr lang="de-DE" sz="2200" b="0" strike="noStrike" spc="-1" dirty="0">
-                <a:solidFill>
-                  <a:srgbClr val="000000"/>
-                </a:solidFill>
-                <a:latin typeface="Calibri" panose="020F0502020204030204" pitchFamily="34" charset="0"/>
-                <a:ea typeface="DejaVu Sans"/>
-                <a:cs typeface="Calibri" panose="020F0502020204030204" pitchFamily="34" charset="0"/>
-              </a:rPr>
-              <a:t>Netze mit unterschiedlichem n für unterschiedliche PC-Leistungen</a:t>
-            </a:r>
-            <a:endParaRPr lang="en-US" sz="2200" b="0" strike="noStrike" spc="-1" dirty="0">
-              <a:latin typeface="Calibri" panose="020F0502020204030204" pitchFamily="34" charset="0"/>
-              <a:cs typeface="Calibri" panose="020F0502020204030204" pitchFamily="34" charset="0"/>
-            </a:endParaRPr>
-          </a:p>
-          <a:p>
-            <a:pPr marL="457200" indent="-454680">
-              <a:lnSpc>
-                <a:spcPct val="100000"/>
-              </a:lnSpc>
-              <a:buClr>
-                <a:srgbClr val="000000"/>
-              </a:buClr>
-              <a:buFont typeface="Arial"/>
-              <a:buChar char="•"/>
-            </a:pPr>
-            <a:r>
-              <a:rPr lang="de-DE" sz="2200" b="0" strike="noStrike" spc="-1" dirty="0">
-                <a:solidFill>
-                  <a:srgbClr val="000000"/>
-                </a:solidFill>
-                <a:latin typeface="Calibri" panose="020F0502020204030204" pitchFamily="34" charset="0"/>
-                <a:ea typeface="DejaVu Sans"/>
-                <a:cs typeface="Calibri" panose="020F0502020204030204" pitchFamily="34" charset="0"/>
-              </a:rPr>
-              <a:t>Standard-PC: n = 2 </a:t>
-            </a:r>
-            <a:endParaRPr lang="en-US" sz="2200" b="0" strike="noStrike" spc="-1" dirty="0">
-              <a:latin typeface="Calibri" panose="020F0502020204030204" pitchFamily="34" charset="0"/>
-              <a:cs typeface="Calibri" panose="020F0502020204030204" pitchFamily="34" charset="0"/>
-            </a:endParaRPr>
-          </a:p>
-          <a:p>
-            <a:pPr>
-              <a:lnSpc>
-                <a:spcPct val="100000"/>
-              </a:lnSpc>
-            </a:pPr>
-            <a:r>
-              <a:rPr lang="de-DE" sz="2200" b="0" strike="noStrike" spc="-1" dirty="0">
-                <a:solidFill>
-                  <a:srgbClr val="000000"/>
-                </a:solidFill>
-                <a:latin typeface="Calibri" panose="020F0502020204030204" pitchFamily="34" charset="0"/>
-                <a:ea typeface="DejaVu Sans"/>
-                <a:cs typeface="Calibri" panose="020F0502020204030204" pitchFamily="34" charset="0"/>
-              </a:rPr>
-              <a:t>	→ Frame-Schema [1, 0, 1, 0, 1, 0, 1, 0, 1] (Fenstergröße 10)</a:t>
-            </a:r>
-            <a:endParaRPr lang="en-US" sz="2200" b="0" strike="noStrike" spc="-1" dirty="0">
-              <a:latin typeface="Calibri" panose="020F0502020204030204" pitchFamily="34" charset="0"/>
-              <a:cs typeface="Calibri" panose="020F0502020204030204" pitchFamily="34" charset="0"/>
-            </a:endParaRPr>
-          </a:p>
-          <a:p>
-            <a:pPr>
-              <a:lnSpc>
-                <a:spcPct val="100000"/>
-              </a:lnSpc>
-            </a:pPr>
-            <a:r>
-              <a:rPr lang="de-DE" sz="2200" b="0" strike="noStrike" spc="-1" dirty="0">
-                <a:solidFill>
-                  <a:srgbClr val="000000"/>
-                </a:solidFill>
-                <a:latin typeface="Calibri" panose="020F0502020204030204" pitchFamily="34" charset="0"/>
-                <a:ea typeface="DejaVu Sans"/>
-                <a:cs typeface="Calibri" panose="020F0502020204030204" pitchFamily="34" charset="0"/>
-              </a:rPr>
-              <a:t>	→ Vorhersage auf 15 </a:t>
-            </a:r>
-            <a:r>
-              <a:rPr lang="de-DE" sz="2200" b="0" strike="noStrike" spc="-1" dirty="0" err="1">
-                <a:solidFill>
-                  <a:srgbClr val="000000"/>
-                </a:solidFill>
-                <a:latin typeface="Calibri" panose="020F0502020204030204" pitchFamily="34" charset="0"/>
-                <a:ea typeface="DejaVu Sans"/>
-                <a:cs typeface="Calibri" panose="020F0502020204030204" pitchFamily="34" charset="0"/>
-              </a:rPr>
-              <a:t>fps</a:t>
-            </a:r>
-            <a:endParaRPr lang="en-US" sz="2200" b="0" strike="noStrike" spc="-1" dirty="0">
-              <a:latin typeface="Calibri" panose="020F0502020204030204" pitchFamily="34" charset="0"/>
-              <a:cs typeface="Calibri" panose="020F0502020204030204" pitchFamily="34" charset="0"/>
-            </a:endParaRPr>
-          </a:p>
-          <a:p>
-            <a:pPr>
-              <a:lnSpc>
-                <a:spcPct val="100000"/>
-              </a:lnSpc>
-            </a:pPr>
-            <a:endParaRPr lang="en-US" sz="2200" b="0" strike="noStrike" spc="-1" dirty="0">
-              <a:latin typeface="Calibri" panose="020F0502020204030204" pitchFamily="34" charset="0"/>
-              <a:cs typeface="Calibri" panose="020F0502020204030204" pitchFamily="34" charset="0"/>
-            </a:endParaRPr>
-          </a:p>
-          <a:p>
-            <a:pPr>
-              <a:lnSpc>
-                <a:spcPct val="100000"/>
-              </a:lnSpc>
-            </a:pPr>
-            <a:endParaRPr lang="en-US" sz="2200" b="0" strike="noStrike" spc="-1" dirty="0">
-              <a:latin typeface="Calibri" panose="020F0502020204030204" pitchFamily="34" charset="0"/>
-              <a:cs typeface="Calibri" panose="020F0502020204030204" pitchFamily="34" charset="0"/>
+            <a:endParaRPr lang="en-US" sz="2400" b="0" strike="noStrike" spc="-1" dirty="0">
+              <a:latin typeface="Calibri Light" panose="020F0302020204030204" pitchFamily="34" charset="0"/>
+              <a:ea typeface="Tahoma" panose="020B0604030504040204" pitchFamily="34" charset="0"/>
+              <a:cs typeface="Calibri Light" panose="020F0302020204030204" pitchFamily="34" charset="0"/>
             </a:endParaRPr>
           </a:p>
         </p:txBody>
@@ -30324,606 +29724,6 @@
 </file>
 
 <file path=ppt/slides/slide6.xml><?xml version="1.0" encoding="utf-8"?>
-<p:sld xmlns:a="http://schemas.openxmlformats.org/drawingml/2006/main" xmlns:r="http://schemas.openxmlformats.org/officeDocument/2006/relationships" xmlns:p="http://schemas.openxmlformats.org/presentationml/2006/main">
-  <p:cSld>
-    <p:spTree>
-      <p:nvGrpSpPr>
-        <p:cNvPr id="1" name=""/>
-        <p:cNvGrpSpPr/>
-        <p:nvPr/>
-      </p:nvGrpSpPr>
-      <p:grpSpPr>
-        <a:xfrm>
-          <a:off x="0" y="0"/>
-          <a:ext cx="0" cy="0"/>
-          <a:chOff x="0" y="0"/>
-          <a:chExt cx="0" cy="0"/>
-        </a:xfrm>
-      </p:grpSpPr>
-      <p:sp>
-        <p:nvSpPr>
-          <p:cNvPr id="141" name="CustomShape 1"/>
-          <p:cNvSpPr/>
-          <p:nvPr/>
-        </p:nvSpPr>
-        <p:spPr>
-          <a:xfrm>
-            <a:off x="838080" y="365040"/>
-            <a:ext cx="10514520" cy="751320"/>
-          </a:xfrm>
-          <a:prstGeom prst="rect">
-            <a:avLst/>
-          </a:prstGeom>
-          <a:noFill/>
-          <a:ln>
-            <a:noFill/>
-          </a:ln>
-        </p:spPr>
-        <p:style>
-          <a:lnRef idx="0">
-            <a:scrgbClr r="0" g="0" b="0"/>
-          </a:lnRef>
-          <a:fillRef idx="0">
-            <a:scrgbClr r="0" g="0" b="0"/>
-          </a:fillRef>
-          <a:effectRef idx="0">
-            <a:scrgbClr r="0" g="0" b="0"/>
-          </a:effectRef>
-          <a:fontRef idx="minor"/>
-        </p:style>
-        <p:txBody>
-          <a:bodyPr lIns="90000" tIns="45000" rIns="90000" bIns="45000" anchor="ctr">
-            <a:noAutofit/>
-          </a:bodyPr>
-          <a:lstStyle/>
-          <a:p>
-            <a:pPr>
-              <a:lnSpc>
-                <a:spcPct val="90000"/>
-              </a:lnSpc>
-            </a:pPr>
-            <a:r>
-              <a:rPr lang="de-DE" sz="4400" b="0" strike="noStrike" spc="-1" dirty="0">
-                <a:solidFill>
-                  <a:srgbClr val="000000"/>
-                </a:solidFill>
-                <a:latin typeface="Calibri Light"/>
-                <a:ea typeface="DejaVu Sans"/>
-              </a:rPr>
-              <a:t>Temporale Features: Erste Idee</a:t>
-            </a:r>
-            <a:endParaRPr lang="en-US" sz="4400" b="0" strike="noStrike" spc="-1" dirty="0">
-              <a:latin typeface="Arial"/>
-            </a:endParaRPr>
-          </a:p>
-        </p:txBody>
-      </p:sp>
-      <p:sp>
-        <p:nvSpPr>
-          <p:cNvPr id="142" name="CustomShape 2"/>
-          <p:cNvSpPr/>
-          <p:nvPr/>
-        </p:nvSpPr>
-        <p:spPr>
-          <a:xfrm>
-            <a:off x="838080" y="1265399"/>
-            <a:ext cx="10514520" cy="2731247"/>
-          </a:xfrm>
-          <a:prstGeom prst="rect">
-            <a:avLst/>
-          </a:prstGeom>
-          <a:noFill/>
-          <a:ln>
-            <a:noFill/>
-          </a:ln>
-        </p:spPr>
-        <p:style>
-          <a:lnRef idx="0">
-            <a:scrgbClr r="0" g="0" b="0"/>
-          </a:lnRef>
-          <a:fillRef idx="0">
-            <a:scrgbClr r="0" g="0" b="0"/>
-          </a:fillRef>
-          <a:effectRef idx="0">
-            <a:scrgbClr r="0" g="0" b="0"/>
-          </a:effectRef>
-          <a:fontRef idx="minor"/>
-        </p:style>
-        <p:txBody>
-          <a:bodyPr lIns="90000" tIns="45000" rIns="90000" bIns="45000">
-            <a:noAutofit/>
-          </a:bodyPr>
-          <a:lstStyle/>
-          <a:p>
-            <a:pPr marL="228600" indent="-226080">
-              <a:lnSpc>
-                <a:spcPct val="90000"/>
-              </a:lnSpc>
-              <a:spcBef>
-                <a:spcPts val="1001"/>
-              </a:spcBef>
-              <a:buClr>
-                <a:srgbClr val="000000"/>
-              </a:buClr>
-              <a:buFont typeface="Arial"/>
-              <a:buChar char="•"/>
-            </a:pPr>
-            <a:r>
-              <a:rPr lang="de-DE" sz="2400" b="1" strike="noStrike" spc="-1" dirty="0">
-                <a:solidFill>
-                  <a:srgbClr val="000000"/>
-                </a:solidFill>
-                <a:latin typeface="Calibri" panose="020F0502020204030204" pitchFamily="34" charset="0"/>
-                <a:ea typeface="DejaVu Sans"/>
-                <a:cs typeface="Calibri" panose="020F0502020204030204" pitchFamily="34" charset="0"/>
-              </a:rPr>
-              <a:t>Differenzen von Körperpunkten</a:t>
-            </a:r>
-            <a:r>
-              <a:rPr lang="de-DE" sz="2400" b="0" strike="noStrike" spc="-1" dirty="0">
-                <a:solidFill>
-                  <a:srgbClr val="000000"/>
-                </a:solidFill>
-                <a:latin typeface="Calibri" panose="020F0502020204030204" pitchFamily="34" charset="0"/>
-                <a:ea typeface="DejaVu Sans"/>
-                <a:cs typeface="Calibri" panose="020F0502020204030204" pitchFamily="34" charset="0"/>
-              </a:rPr>
-              <a:t> zwischen ausgewählten Zeitpunkten innerhalb des Zeitfensters</a:t>
-            </a:r>
-            <a:endParaRPr lang="en-US" sz="2400" b="0" strike="noStrike" spc="-1" dirty="0">
-              <a:latin typeface="Calibri" panose="020F0502020204030204" pitchFamily="34" charset="0"/>
-              <a:cs typeface="Calibri" panose="020F0502020204030204" pitchFamily="34" charset="0"/>
-            </a:endParaRPr>
-          </a:p>
-          <a:p>
-            <a:pPr>
-              <a:lnSpc>
-                <a:spcPct val="90000"/>
-              </a:lnSpc>
-              <a:spcBef>
-                <a:spcPts val="1001"/>
-              </a:spcBef>
-              <a:tabLst>
-                <a:tab pos="0" algn="l"/>
-              </a:tabLst>
-            </a:pPr>
-            <a:r>
-              <a:rPr lang="de-DE" sz="2400" b="1" strike="noStrike" spc="-1" dirty="0">
-                <a:solidFill>
-                  <a:srgbClr val="000000"/>
-                </a:solidFill>
-                <a:latin typeface="Calibri" panose="020F0502020204030204" pitchFamily="34" charset="0"/>
-                <a:ea typeface="DejaVu Sans"/>
-                <a:cs typeface="Calibri" panose="020F0502020204030204" pitchFamily="34" charset="0"/>
-              </a:rPr>
-              <a:t>+</a:t>
-            </a:r>
-            <a:r>
-              <a:rPr lang="de-DE" sz="2400" b="0" strike="noStrike" spc="-1" dirty="0">
-                <a:solidFill>
-                  <a:srgbClr val="000000"/>
-                </a:solidFill>
-                <a:latin typeface="Calibri" panose="020F0502020204030204" pitchFamily="34" charset="0"/>
-                <a:ea typeface="DejaVu Sans"/>
-                <a:cs typeface="Calibri" panose="020F0502020204030204" pitchFamily="34" charset="0"/>
-              </a:rPr>
-              <a:t>  Zeitliche Komponente wird abgebildet</a:t>
-            </a:r>
-            <a:endParaRPr lang="en-US" sz="2400" b="0" strike="noStrike" spc="-1" dirty="0">
-              <a:latin typeface="Calibri" panose="020F0502020204030204" pitchFamily="34" charset="0"/>
-              <a:cs typeface="Calibri" panose="020F0502020204030204" pitchFamily="34" charset="0"/>
-            </a:endParaRPr>
-          </a:p>
-          <a:p>
-            <a:pPr marL="342900" indent="-342900">
-              <a:lnSpc>
-                <a:spcPct val="90000"/>
-              </a:lnSpc>
-              <a:spcBef>
-                <a:spcPts val="1001"/>
-              </a:spcBef>
-              <a:buFontTx/>
-              <a:buChar char="-"/>
-              <a:tabLst>
-                <a:tab pos="0" algn="l"/>
-              </a:tabLst>
-            </a:pPr>
-            <a:r>
-              <a:rPr lang="de-DE" sz="2400" b="0" strike="noStrike" spc="-1" dirty="0">
-                <a:solidFill>
-                  <a:srgbClr val="000000"/>
-                </a:solidFill>
-                <a:latin typeface="Calibri" panose="020F0502020204030204" pitchFamily="34" charset="0"/>
-                <a:ea typeface="DejaVu Sans"/>
-                <a:cs typeface="Calibri" panose="020F0502020204030204" pitchFamily="34" charset="0"/>
-              </a:rPr>
-              <a:t>Differenzen sind unabhängig voneinander</a:t>
-            </a:r>
-          </a:p>
-          <a:p>
-            <a:pPr marL="342900" indent="-342900">
-              <a:lnSpc>
-                <a:spcPct val="90000"/>
-              </a:lnSpc>
-              <a:spcBef>
-                <a:spcPts val="1001"/>
-              </a:spcBef>
-              <a:buFontTx/>
-              <a:buChar char="-"/>
-              <a:tabLst>
-                <a:tab pos="0" algn="l"/>
-              </a:tabLst>
-            </a:pPr>
-            <a:r>
-              <a:rPr lang="de-DE" sz="2400" b="0" strike="noStrike" spc="-1" dirty="0">
-                <a:solidFill>
-                  <a:srgbClr val="000000"/>
-                </a:solidFill>
-                <a:latin typeface="Calibri" panose="020F0502020204030204" pitchFamily="34" charset="0"/>
-                <a:ea typeface="DejaVu Sans"/>
-                <a:cs typeface="Calibri" panose="020F0502020204030204" pitchFamily="34" charset="0"/>
-              </a:rPr>
-              <a:t>Anfällig für Rauschen</a:t>
-            </a:r>
-          </a:p>
-          <a:p>
-            <a:pPr marL="342900" indent="-342900">
-              <a:lnSpc>
-                <a:spcPct val="90000"/>
-              </a:lnSpc>
-              <a:spcBef>
-                <a:spcPts val="1001"/>
-              </a:spcBef>
-              <a:buFontTx/>
-              <a:buChar char="-"/>
-              <a:tabLst>
-                <a:tab pos="0" algn="l"/>
-              </a:tabLst>
-            </a:pPr>
-            <a:endParaRPr lang="en-US" sz="2400" b="0" strike="noStrike" spc="-1" dirty="0">
-              <a:latin typeface="Calibri Light" panose="020F0302020204030204" pitchFamily="34" charset="0"/>
-              <a:cs typeface="Calibri Light" panose="020F0302020204030204" pitchFamily="34" charset="0"/>
-            </a:endParaRPr>
-          </a:p>
-          <a:p>
-            <a:pPr marL="342900" indent="-342900">
-              <a:lnSpc>
-                <a:spcPct val="90000"/>
-              </a:lnSpc>
-              <a:spcBef>
-                <a:spcPts val="1001"/>
-              </a:spcBef>
-              <a:buFontTx/>
-              <a:buChar char="-"/>
-              <a:tabLst>
-                <a:tab pos="0" algn="l"/>
-              </a:tabLst>
-            </a:pPr>
-            <a:endParaRPr lang="en-US" sz="2400" b="0" strike="noStrike" spc="-1" dirty="0">
-              <a:latin typeface="Calibri Light" panose="020F0302020204030204" pitchFamily="34" charset="0"/>
-              <a:cs typeface="Calibri Light" panose="020F0302020204030204" pitchFamily="34" charset="0"/>
-            </a:endParaRPr>
-          </a:p>
-          <a:p>
-            <a:pPr>
-              <a:lnSpc>
-                <a:spcPct val="90000"/>
-              </a:lnSpc>
-              <a:spcBef>
-                <a:spcPts val="1001"/>
-              </a:spcBef>
-              <a:tabLst>
-                <a:tab pos="0" algn="l"/>
-              </a:tabLst>
-            </a:pPr>
-            <a:endParaRPr lang="en-US" sz="2400" b="0" strike="noStrike" spc="-1" dirty="0">
-              <a:latin typeface="Calibri Light" panose="020F0302020204030204" pitchFamily="34" charset="0"/>
-              <a:cs typeface="Calibri Light" panose="020F0302020204030204" pitchFamily="34" charset="0"/>
-            </a:endParaRPr>
-          </a:p>
-        </p:txBody>
-      </p:sp>
-      <p:pic>
-        <p:nvPicPr>
-          <p:cNvPr id="143" name="Grafik 5"/>
-          <p:cNvPicPr/>
-          <p:nvPr/>
-        </p:nvPicPr>
-        <p:blipFill>
-          <a:blip r:embed="rId2"/>
-          <a:stretch/>
-        </p:blipFill>
-        <p:spPr>
-          <a:xfrm>
-            <a:off x="641955" y="3725640"/>
-            <a:ext cx="10906770" cy="3132360"/>
-          </a:xfrm>
-          <a:prstGeom prst="rect">
-            <a:avLst/>
-          </a:prstGeom>
-          <a:ln>
-            <a:noFill/>
-          </a:ln>
-        </p:spPr>
-      </p:pic>
-    </p:spTree>
-  </p:cSld>
-  <p:clrMapOvr>
-    <a:masterClrMapping/>
-  </p:clrMapOvr>
-</p:sld>
-</file>
-
-<file path=ppt/slides/slide7.xml><?xml version="1.0" encoding="utf-8"?>
-<p:sld xmlns:a="http://schemas.openxmlformats.org/drawingml/2006/main" xmlns:r="http://schemas.openxmlformats.org/officeDocument/2006/relationships" xmlns:p="http://schemas.openxmlformats.org/presentationml/2006/main">
-  <p:cSld>
-    <p:spTree>
-      <p:nvGrpSpPr>
-        <p:cNvPr id="1" name=""/>
-        <p:cNvGrpSpPr/>
-        <p:nvPr/>
-      </p:nvGrpSpPr>
-      <p:grpSpPr>
-        <a:xfrm>
-          <a:off x="0" y="0"/>
-          <a:ext cx="0" cy="0"/>
-          <a:chOff x="0" y="0"/>
-          <a:chExt cx="0" cy="0"/>
-        </a:xfrm>
-      </p:grpSpPr>
-      <p:sp>
-        <p:nvSpPr>
-          <p:cNvPr id="120" name="CustomShape 1"/>
-          <p:cNvSpPr/>
-          <p:nvPr/>
-        </p:nvSpPr>
-        <p:spPr>
-          <a:xfrm>
-            <a:off x="838080" y="293040"/>
-            <a:ext cx="10513080" cy="821160"/>
-          </a:xfrm>
-          <a:prstGeom prst="rect">
-            <a:avLst/>
-          </a:prstGeom>
-          <a:noFill/>
-          <a:ln>
-            <a:noFill/>
-          </a:ln>
-        </p:spPr>
-        <p:style>
-          <a:lnRef idx="0">
-            <a:scrgbClr r="0" g="0" b="0"/>
-          </a:lnRef>
-          <a:fillRef idx="0">
-            <a:scrgbClr r="0" g="0" b="0"/>
-          </a:fillRef>
-          <a:effectRef idx="0">
-            <a:scrgbClr r="0" g="0" b="0"/>
-          </a:effectRef>
-          <a:fontRef idx="minor"/>
-        </p:style>
-        <p:txBody>
-          <a:bodyPr lIns="90000" tIns="45000" rIns="90000" bIns="45000" anchor="ctr">
-            <a:noAutofit/>
-          </a:bodyPr>
-          <a:lstStyle/>
-          <a:p>
-            <a:pPr>
-              <a:lnSpc>
-                <a:spcPct val="90000"/>
-              </a:lnSpc>
-            </a:pPr>
-            <a:r>
-              <a:rPr lang="de-DE" sz="3600" b="0" strike="noStrike" spc="-1" dirty="0">
-                <a:solidFill>
-                  <a:srgbClr val="000000"/>
-                </a:solidFill>
-                <a:latin typeface="Calibri Light"/>
-                <a:ea typeface="DejaVu Sans"/>
-              </a:rPr>
-              <a:t>Temporale Features: Kumulative Summe</a:t>
-            </a:r>
-            <a:endParaRPr lang="en-US" sz="3600" b="0" strike="noStrike" spc="-1" dirty="0">
-              <a:latin typeface="Arial"/>
-            </a:endParaRPr>
-          </a:p>
-        </p:txBody>
-      </p:sp>
-      <p:pic>
-        <p:nvPicPr>
-          <p:cNvPr id="122" name="Grafik 16"/>
-          <p:cNvPicPr/>
-          <p:nvPr/>
-        </p:nvPicPr>
-        <p:blipFill>
-          <a:blip r:embed="rId2"/>
-          <a:stretch/>
-        </p:blipFill>
-        <p:spPr>
-          <a:xfrm>
-            <a:off x="430920" y="3765960"/>
-            <a:ext cx="10996920" cy="3052800"/>
-          </a:xfrm>
-          <a:prstGeom prst="rect">
-            <a:avLst/>
-          </a:prstGeom>
-          <a:ln>
-            <a:noFill/>
-          </a:ln>
-        </p:spPr>
-      </p:pic>
-      <p:sp>
-        <p:nvSpPr>
-          <p:cNvPr id="2" name="Textfeld 1">
-            <a:extLst>
-              <a:ext uri="{FF2B5EF4-FFF2-40B4-BE49-F238E27FC236}">
-                <a16:creationId xmlns:a16="http://schemas.microsoft.com/office/drawing/2014/main" id="{CB59FB70-66D3-4087-B476-6F7909C46FB2}"/>
-              </a:ext>
-            </a:extLst>
-          </p:cNvPr>
-          <p:cNvSpPr txBox="1"/>
-          <p:nvPr/>
-        </p:nvSpPr>
-        <p:spPr>
-          <a:xfrm>
-            <a:off x="838079" y="1359953"/>
-            <a:ext cx="10823089" cy="3139321"/>
-          </a:xfrm>
-          <a:prstGeom prst="rect">
-            <a:avLst/>
-          </a:prstGeom>
-          <a:noFill/>
-        </p:spPr>
-        <p:txBody>
-          <a:bodyPr wrap="square" rtlCol="0">
-            <a:spAutoFit/>
-          </a:bodyPr>
-          <a:lstStyle/>
-          <a:p>
-            <a:pPr marL="285750" indent="-285750">
-              <a:buFont typeface="Arial" panose="020B0604020202020204" pitchFamily="34" charset="0"/>
-              <a:buChar char="•"/>
-            </a:pPr>
-            <a:r>
-              <a:rPr lang="de-DE" sz="2400" b="1" dirty="0">
-                <a:latin typeface="Calibri" panose="020F0502020204030204" pitchFamily="34" charset="0"/>
-                <a:cs typeface="Calibri" panose="020F0502020204030204" pitchFamily="34" charset="0"/>
-              </a:rPr>
-              <a:t>Idee</a:t>
-            </a:r>
-            <a:r>
-              <a:rPr lang="de-DE" sz="2400" dirty="0">
-                <a:latin typeface="Calibri" panose="020F0502020204030204" pitchFamily="34" charset="0"/>
-                <a:cs typeface="Calibri" panose="020F0502020204030204" pitchFamily="34" charset="0"/>
-              </a:rPr>
-              <a:t>:</a:t>
-            </a:r>
-          </a:p>
-          <a:p>
-            <a:pPr marL="285750" indent="-285750">
-              <a:buFont typeface="Arial" panose="020B0604020202020204" pitchFamily="34" charset="0"/>
-              <a:buChar char="•"/>
-            </a:pPr>
-            <a:r>
-              <a:rPr lang="de-DE" sz="2400" b="0" strike="noStrike" spc="-1" dirty="0">
-                <a:solidFill>
-                  <a:srgbClr val="000000"/>
-                </a:solidFill>
-                <a:latin typeface="Calibri" panose="020F0502020204030204" pitchFamily="34" charset="0"/>
-                <a:ea typeface="DejaVu Sans"/>
-                <a:cs typeface="Calibri" panose="020F0502020204030204" pitchFamily="34" charset="0"/>
-              </a:rPr>
-              <a:t>Gesten-Bewegungen erstrecken sich über viele Frames</a:t>
-            </a:r>
-            <a:endParaRPr lang="en-US" sz="2400" b="0" strike="noStrike" spc="-1" dirty="0">
-              <a:latin typeface="Calibri" panose="020F0502020204030204" pitchFamily="34" charset="0"/>
-              <a:cs typeface="Calibri" panose="020F0502020204030204" pitchFamily="34" charset="0"/>
-            </a:endParaRPr>
-          </a:p>
-          <a:p>
-            <a:pPr marL="285750" indent="-285750">
-              <a:buFont typeface="Arial" panose="020B0604020202020204" pitchFamily="34" charset="0"/>
-              <a:buChar char="•"/>
-            </a:pPr>
-            <a:r>
-              <a:rPr lang="de-DE" sz="2400" b="0" strike="noStrike" spc="-1" dirty="0">
-                <a:solidFill>
-                  <a:srgbClr val="000000"/>
-                </a:solidFill>
-                <a:latin typeface="Calibri" panose="020F0502020204030204" pitchFamily="34" charset="0"/>
-                <a:ea typeface="DejaVu Sans"/>
-                <a:cs typeface="Calibri" panose="020F0502020204030204" pitchFamily="34" charset="0"/>
-              </a:rPr>
-              <a:t>Berechnung von Bewegungen über viele Frames</a:t>
-            </a:r>
-          </a:p>
-          <a:p>
-            <a:pPr marL="285750" indent="-285750">
-              <a:buFont typeface="Arial" panose="020B0604020202020204" pitchFamily="34" charset="0"/>
-              <a:buChar char="•"/>
-            </a:pPr>
-            <a:r>
-              <a:rPr lang="de-DE" sz="2400" b="0" strike="noStrike" spc="-1" dirty="0">
-                <a:solidFill>
-                  <a:srgbClr val="000000"/>
-                </a:solidFill>
-                <a:latin typeface="Calibri" panose="020F0502020204030204" pitchFamily="34" charset="0"/>
-                <a:ea typeface="DejaVu Sans"/>
-                <a:cs typeface="Calibri" panose="020F0502020204030204" pitchFamily="34" charset="0"/>
-              </a:rPr>
-              <a:t>Kumulative Summe der einfachen Differenzen bzw. Differenz jedes Frames im Fenster zum 1. Frame</a:t>
-            </a:r>
-            <a:endParaRPr lang="en-US" sz="2400" b="0" strike="noStrike" spc="-1" dirty="0">
-              <a:latin typeface="Calibri" panose="020F0502020204030204" pitchFamily="34" charset="0"/>
-              <a:cs typeface="Calibri" panose="020F0502020204030204" pitchFamily="34" charset="0"/>
-            </a:endParaRPr>
-          </a:p>
-          <a:p>
-            <a:pPr marL="285750" indent="-285750">
-              <a:buFont typeface="Arial" panose="020B0604020202020204" pitchFamily="34" charset="0"/>
-              <a:buChar char="•"/>
-            </a:pPr>
-            <a:r>
-              <a:rPr lang="de-DE" sz="2400" b="0" strike="noStrike" spc="-1" dirty="0">
-                <a:solidFill>
-                  <a:srgbClr val="000000"/>
-                </a:solidFill>
-                <a:latin typeface="Calibri" panose="020F0502020204030204" pitchFamily="34" charset="0"/>
-                <a:ea typeface="DejaVu Sans"/>
-                <a:cs typeface="Calibri" panose="020F0502020204030204" pitchFamily="34" charset="0"/>
-              </a:rPr>
-              <a:t> Erlernen von Schwellwert</a:t>
-            </a:r>
-            <a:endParaRPr lang="en-US" sz="2400" b="0" strike="noStrike" spc="-1" dirty="0">
-              <a:latin typeface="Calibri" panose="020F0502020204030204" pitchFamily="34" charset="0"/>
-              <a:cs typeface="Calibri" panose="020F0502020204030204" pitchFamily="34" charset="0"/>
-            </a:endParaRPr>
-          </a:p>
-          <a:p>
-            <a:pPr marL="285750" indent="-285750">
-              <a:buFont typeface="Arial" panose="020B0604020202020204" pitchFamily="34" charset="0"/>
-              <a:buChar char="•"/>
-            </a:pPr>
-            <a:endParaRPr lang="en-US" sz="1800" spc="-1" dirty="0">
-              <a:solidFill>
-                <a:srgbClr val="000000"/>
-              </a:solidFill>
-              <a:latin typeface="Calibri" panose="020F0502020204030204" pitchFamily="34" charset="0"/>
-              <a:ea typeface="DejaVu Sans"/>
-              <a:cs typeface="Calibri" panose="020F0502020204030204" pitchFamily="34" charset="0"/>
-            </a:endParaRPr>
-          </a:p>
-          <a:p>
-            <a:pPr marL="285750" indent="-285750">
-              <a:buFont typeface="Arial" panose="020B0604020202020204" pitchFamily="34" charset="0"/>
-              <a:buChar char="•"/>
-            </a:pPr>
-            <a:endParaRPr lang="de-DE" dirty="0">
-              <a:latin typeface="Calibri" panose="020F0502020204030204" pitchFamily="34" charset="0"/>
-              <a:cs typeface="Calibri" panose="020F0502020204030204" pitchFamily="34" charset="0"/>
-            </a:endParaRPr>
-          </a:p>
-          <a:p>
-            <a:pPr marL="285750" indent="-285750">
-              <a:buFont typeface="Arial" panose="020B0604020202020204" pitchFamily="34" charset="0"/>
-              <a:buChar char="•"/>
-            </a:pPr>
-            <a:endParaRPr lang="de-DE" dirty="0">
-              <a:latin typeface="Calibri" panose="020F0502020204030204" pitchFamily="34" charset="0"/>
-              <a:cs typeface="Calibri" panose="020F0502020204030204" pitchFamily="34" charset="0"/>
-            </a:endParaRPr>
-          </a:p>
-        </p:txBody>
-      </p:sp>
-    </p:spTree>
-  </p:cSld>
-  <p:clrMapOvr>
-    <a:masterClrMapping/>
-  </p:clrMapOvr>
-</p:sld>
-</file>
-
-<file path=ppt/slides/slide8.xml><?xml version="1.0" encoding="utf-8"?>
 <p:sld xmlns:a="http://schemas.openxmlformats.org/drawingml/2006/main" xmlns:r="http://schemas.openxmlformats.org/officeDocument/2006/relationships" xmlns:p="http://schemas.openxmlformats.org/presentationml/2006/main">
   <p:cSld>
     <p:spTree>
@@ -30983,17 +29783,19 @@
               </a:lnSpc>
             </a:pPr>
             <a:r>
-              <a:rPr lang="de-DE" sz="3600" b="0" strike="noStrike" spc="-1">
+              <a:rPr lang="de-DE" sz="3600" b="0" strike="noStrike" spc="-1" dirty="0">
                 <a:solidFill>
                   <a:srgbClr val="000000"/>
                 </a:solidFill>
-                <a:latin typeface="Calibri Light"/>
+                <a:latin typeface="Calibri Light" panose="020F0302020204030204" pitchFamily="34" charset="0"/>
                 <a:ea typeface="DejaVu Sans"/>
+                <a:cs typeface="Calibri Light" panose="020F0302020204030204" pitchFamily="34" charset="0"/>
               </a:rPr>
               <a:t>Gestenspezifisches Feature Engineering</a:t>
             </a:r>
-            <a:endParaRPr lang="en-US" sz="3600" b="0" strike="noStrike" spc="-1">
-              <a:latin typeface="Arial"/>
+            <a:endParaRPr lang="en-US" sz="3600" b="0" strike="noStrike" spc="-1" dirty="0">
+              <a:latin typeface="Calibri Light" panose="020F0302020204030204" pitchFamily="34" charset="0"/>
+              <a:cs typeface="Calibri Light" panose="020F0302020204030204" pitchFamily="34" charset="0"/>
             </a:endParaRPr>
           </a:p>
         </p:txBody>
@@ -31049,74 +29851,16 @@
               <a:buChar char="•"/>
             </a:pPr>
             <a:r>
-              <a:rPr lang="de-DE" sz="2200" b="0" strike="noStrike" spc="-1">
+              <a:rPr lang="de-DE" sz="2200" b="0" strike="noStrike" spc="-1" dirty="0">
                 <a:solidFill>
                   <a:srgbClr val="000000"/>
                 </a:solidFill>
-                <a:latin typeface="Calibri"/>
+                <a:latin typeface="Calibri Light" panose="020F0302020204030204" pitchFamily="34" charset="0"/>
                 <a:ea typeface="DejaVu Sans"/>
+                <a:cs typeface="Calibri Light" panose="020F0302020204030204" pitchFamily="34" charset="0"/>
               </a:rPr>
               <a:t>Winkel zwischen Ellenbogen und Unterarm </a:t>
             </a:r>
-            <a:endParaRPr lang="en-US" sz="2200" b="0" strike="noStrike" spc="-1">
-              <a:latin typeface="Arial"/>
-            </a:endParaRPr>
-          </a:p>
-          <a:p>
-            <a:pPr marL="685800" lvl="1" indent="-226080">
-              <a:lnSpc>
-                <a:spcPct val="90000"/>
-              </a:lnSpc>
-              <a:spcBef>
-                <a:spcPts val="499"/>
-              </a:spcBef>
-              <a:buClr>
-                <a:srgbClr val="000000"/>
-              </a:buClr>
-              <a:buFont typeface="Arial"/>
-              <a:buChar char="•"/>
-            </a:pPr>
-            <a:r>
-              <a:rPr lang="de-DE" sz="1800" b="0" strike="noStrike" spc="-1">
-                <a:solidFill>
-                  <a:srgbClr val="000000"/>
-                </a:solidFill>
-                <a:latin typeface="Calibri"/>
-                <a:ea typeface="DejaVu Sans"/>
-              </a:rPr>
-              <a:t>Hoher Ausschlag bei rotate</a:t>
-            </a:r>
-            <a:endParaRPr lang="en-US" sz="1800" b="0" strike="noStrike" spc="-1">
-              <a:latin typeface="Arial"/>
-            </a:endParaRPr>
-          </a:p>
-          <a:p>
-            <a:pPr marL="685800" lvl="1" indent="-226080">
-              <a:lnSpc>
-                <a:spcPct val="90000"/>
-              </a:lnSpc>
-              <a:spcBef>
-                <a:spcPts val="499"/>
-              </a:spcBef>
-              <a:buClr>
-                <a:srgbClr val="000000"/>
-              </a:buClr>
-              <a:buFont typeface="Arial"/>
-              <a:buChar char="•"/>
-            </a:pPr>
-            <a:r>
-              <a:rPr lang="de-DE" sz="1800" b="0" strike="noStrike" spc="-1">
-                <a:solidFill>
-                  <a:srgbClr val="000000"/>
-                </a:solidFill>
-                <a:latin typeface="Calibri"/>
-                <a:ea typeface="DejaVu Sans"/>
-              </a:rPr>
-              <a:t>Bei swipe Bewegung unterdrückt durch Faktor errechnet aus Unterarmposition</a:t>
-            </a:r>
-            <a:endParaRPr lang="en-US" sz="1800" b="0" strike="noStrike" spc="-1">
-              <a:latin typeface="Arial"/>
-            </a:endParaRPr>
           </a:p>
           <a:p>
             <a:pPr marL="228600" indent="-226080">
@@ -31133,66 +29877,16 @@
               <a:buChar char="•"/>
             </a:pPr>
             <a:r>
-              <a:rPr lang="de-DE" sz="2200" b="0" strike="noStrike" spc="-1">
+              <a:rPr lang="de-DE" sz="2200" b="0" strike="noStrike" spc="-1" dirty="0">
                 <a:solidFill>
                   <a:srgbClr val="000000"/>
                 </a:solidFill>
-                <a:latin typeface="Calibri"/>
+                <a:latin typeface="Calibri Light" panose="020F0302020204030204" pitchFamily="34" charset="0"/>
                 <a:ea typeface="DejaVu Sans"/>
+                <a:cs typeface="Calibri Light" panose="020F0302020204030204" pitchFamily="34" charset="0"/>
               </a:rPr>
               <a:t>Abstand zwischen Handgelenk und Ellenbogen</a:t>
             </a:r>
-            <a:endParaRPr lang="en-US" sz="2200" b="0" strike="noStrike" spc="-1">
-              <a:latin typeface="Arial"/>
-            </a:endParaRPr>
-          </a:p>
-          <a:p>
-            <a:pPr marL="685800" lvl="1" indent="-226080">
-              <a:lnSpc>
-                <a:spcPct val="90000"/>
-              </a:lnSpc>
-              <a:spcBef>
-                <a:spcPts val="499"/>
-              </a:spcBef>
-              <a:buClr>
-                <a:srgbClr val="000000"/>
-              </a:buClr>
-              <a:buFont typeface="Arial"/>
-              <a:buChar char="•"/>
-            </a:pPr>
-            <a:r>
-              <a:rPr lang="de-DE" sz="1800" b="0" strike="noStrike" spc="-1">
-                <a:solidFill>
-                  <a:srgbClr val="000000"/>
-                </a:solidFill>
-                <a:latin typeface="Calibri"/>
-                <a:ea typeface="DejaVu Sans"/>
-              </a:rPr>
-              <a:t>Hoher Ausschlag bei swipe </a:t>
-            </a:r>
-            <a:r>
-              <a:rPr lang="de-DE" sz="1600" b="0" strike="noStrike" spc="-1">
-                <a:solidFill>
-                  <a:srgbClr val="000000"/>
-                </a:solidFill>
-                <a:latin typeface="Calibri"/>
-                <a:ea typeface="DejaVu Sans"/>
-              </a:rPr>
-              <a:t>Bewegungen</a:t>
-            </a:r>
-            <a:r>
-              <a:rPr lang="de-DE" sz="1800" b="0" strike="noStrike" spc="-1">
-                <a:solidFill>
-                  <a:srgbClr val="000000"/>
-                </a:solidFill>
-                <a:latin typeface="Calibri"/>
-                <a:ea typeface="DejaVu Sans"/>
-              </a:rPr>
-              <a:t>, bei rotate Bewegungen konstant</a:t>
-            </a:r>
-            <a:endParaRPr lang="en-US" sz="1800" b="0" strike="noStrike" spc="-1">
-              <a:latin typeface="Arial"/>
-            </a:endParaRPr>
           </a:p>
           <a:p>
             <a:pPr marL="228600" indent="-226080">
@@ -31209,73 +29903,19 @@
               <a:buChar char="•"/>
             </a:pPr>
             <a:r>
-              <a:rPr lang="de-DE" sz="2200" b="0" strike="noStrike" spc="-1">
+              <a:rPr lang="de-DE" sz="2200" b="0" strike="noStrike" spc="-1" dirty="0">
                 <a:solidFill>
                   <a:srgbClr val="000000"/>
                 </a:solidFill>
-                <a:latin typeface="Calibri"/>
+                <a:latin typeface="Calibri Light" panose="020F0302020204030204" pitchFamily="34" charset="0"/>
                 <a:ea typeface="DejaVu Sans"/>
+                <a:cs typeface="Calibri Light" panose="020F0302020204030204" pitchFamily="34" charset="0"/>
               </a:rPr>
               <a:t>Abstand Handgelenk/Ellenbogen &amp; Ellenbogen/Schulter</a:t>
             </a:r>
-            <a:endParaRPr lang="en-US" sz="2200" b="0" strike="noStrike" spc="-1">
-              <a:latin typeface="Arial"/>
-            </a:endParaRPr>
-          </a:p>
-          <a:p>
-            <a:pPr marL="685800" lvl="1" indent="-226080">
-              <a:lnSpc>
-                <a:spcPct val="90000"/>
-              </a:lnSpc>
-              <a:spcBef>
-                <a:spcPts val="499"/>
-              </a:spcBef>
-              <a:buClr>
-                <a:srgbClr val="000000"/>
-              </a:buClr>
-              <a:buFont typeface="Arial"/>
-              <a:buChar char="•"/>
-            </a:pPr>
-            <a:r>
-              <a:rPr lang="de-DE" sz="1800" b="0" strike="noStrike" spc="-1">
-                <a:solidFill>
-                  <a:srgbClr val="000000"/>
-                </a:solidFill>
-                <a:latin typeface="Calibri"/>
-                <a:ea typeface="DejaVu Sans"/>
-              </a:rPr>
-              <a:t>Einziges statisches Feature ohne Differenzen</a:t>
-            </a:r>
-            <a:endParaRPr lang="en-US" sz="1800" b="0" strike="noStrike" spc="-1">
-              <a:latin typeface="Arial"/>
-            </a:endParaRPr>
-          </a:p>
-          <a:p>
-            <a:pPr marL="685800" lvl="1" indent="-226080">
-              <a:lnSpc>
-                <a:spcPct val="90000"/>
-              </a:lnSpc>
-              <a:spcBef>
-                <a:spcPts val="499"/>
-              </a:spcBef>
-              <a:buClr>
-                <a:srgbClr val="000000"/>
-              </a:buClr>
-              <a:buFont typeface="Arial"/>
-              <a:buChar char="•"/>
-            </a:pPr>
-            <a:r>
-              <a:rPr lang="de-DE" sz="1800" b="0" strike="noStrike" spc="-1">
-                <a:solidFill>
-                  <a:srgbClr val="000000"/>
-                </a:solidFill>
-                <a:latin typeface="Calibri"/>
-                <a:ea typeface="DejaVu Sans"/>
-              </a:rPr>
-              <a:t>Niedriger Wert bei point</a:t>
-            </a:r>
-            <a:endParaRPr lang="en-US" sz="1800" b="0" strike="noStrike" spc="-1">
-              <a:latin typeface="Arial"/>
+            <a:endParaRPr lang="en-US" sz="2200" b="0" strike="noStrike" spc="-1" dirty="0">
+              <a:latin typeface="Calibri Light" panose="020F0302020204030204" pitchFamily="34" charset="0"/>
+              <a:cs typeface="Calibri Light" panose="020F0302020204030204" pitchFamily="34" charset="0"/>
             </a:endParaRPr>
           </a:p>
           <a:p>
@@ -31284,8 +29924,9 @@
                 <a:spcPct val="100000"/>
               </a:lnSpc>
             </a:pPr>
-            <a:endParaRPr lang="en-US" sz="1800" b="0" strike="noStrike" spc="-1">
-              <a:latin typeface="Arial"/>
+            <a:endParaRPr lang="en-US" sz="1800" b="0" strike="noStrike" spc="-1" dirty="0">
+              <a:latin typeface="Calibri Light" panose="020F0302020204030204" pitchFamily="34" charset="0"/>
+              <a:cs typeface="Calibri Light" panose="020F0302020204030204" pitchFamily="34" charset="0"/>
             </a:endParaRPr>
           </a:p>
           <a:p>
@@ -31294,8 +29935,9 @@
                 <a:spcPct val="100000"/>
               </a:lnSpc>
             </a:pPr>
-            <a:endParaRPr lang="en-US" sz="1800" b="0" strike="noStrike" spc="-1">
-              <a:latin typeface="Arial"/>
+            <a:endParaRPr lang="en-US" sz="1800" b="0" strike="noStrike" spc="-1" dirty="0">
+              <a:latin typeface="Calibri Light" panose="020F0302020204030204" pitchFamily="34" charset="0"/>
+              <a:cs typeface="Calibri Light" panose="020F0302020204030204" pitchFamily="34" charset="0"/>
             </a:endParaRPr>
           </a:p>
           <a:p>
@@ -31304,16 +29946,19 @@
                 <a:spcPct val="100000"/>
               </a:lnSpc>
             </a:pPr>
-            <a:endParaRPr lang="en-US" sz="1800" b="0" strike="noStrike" spc="-1">
-              <a:latin typeface="Arial"/>
+            <a:endParaRPr lang="en-US" sz="1800" b="0" strike="noStrike" spc="-1" dirty="0">
+              <a:latin typeface="Calibri Light" panose="020F0302020204030204" pitchFamily="34" charset="0"/>
+              <a:cs typeface="Calibri Light" panose="020F0302020204030204" pitchFamily="34" charset="0"/>
             </a:endParaRPr>
           </a:p>
         </p:txBody>
       </p:sp>
       <p:pic>
         <p:nvPicPr>
-          <p:cNvPr id="125" name="Inhaltsplatzhalter 4_0"/>
-          <p:cNvPicPr/>
+          <p:cNvPr id="129" name="Grafik 128"/>
+          <p:cNvPicPr>
+            <a:picLocks noChangeAspect="1"/>
+          </p:cNvPicPr>
           <p:nvPr/>
         </p:nvPicPr>
         <p:blipFill>
@@ -31322,122 +29967,8 @@
         </p:blipFill>
         <p:spPr>
           <a:xfrm>
-            <a:off x="457200" y="3729600"/>
-            <a:ext cx="11080080" cy="3076200"/>
-          </a:xfrm>
-          <a:prstGeom prst="rect">
-            <a:avLst/>
-          </a:prstGeom>
-          <a:ln>
-            <a:noFill/>
-          </a:ln>
-        </p:spPr>
-      </p:pic>
-      <p:pic>
-        <p:nvPicPr>
-          <p:cNvPr id="126" name="Grafik 125"/>
-          <p:cNvPicPr/>
-          <p:nvPr/>
-        </p:nvPicPr>
-        <p:blipFill>
-          <a:blip r:embed="rId3"/>
-          <a:stretch/>
-        </p:blipFill>
-        <p:spPr>
-          <a:xfrm>
-            <a:off x="9144000" y="914400"/>
-            <a:ext cx="2285280" cy="1771920"/>
-          </a:xfrm>
-          <a:prstGeom prst="rect">
-            <a:avLst/>
-          </a:prstGeom>
-          <a:ln>
-            <a:noFill/>
-          </a:ln>
-        </p:spPr>
-      </p:pic>
-      <p:sp>
-        <p:nvSpPr>
-          <p:cNvPr id="127" name="Line 3"/>
-          <p:cNvSpPr/>
-          <p:nvPr/>
-        </p:nvSpPr>
-        <p:spPr>
-          <a:xfrm flipH="1">
-            <a:off x="9784080" y="1280160"/>
-            <a:ext cx="182880" cy="365760"/>
-          </a:xfrm>
-          <a:prstGeom prst="line">
-            <a:avLst/>
-          </a:prstGeom>
-          <a:ln w="109800">
-            <a:solidFill>
-              <a:srgbClr val="FF0000"/>
-            </a:solidFill>
-            <a:round/>
-          </a:ln>
-        </p:spPr>
-        <p:style>
-          <a:lnRef idx="0">
-            <a:scrgbClr r="0" g="0" b="0"/>
-          </a:lnRef>
-          <a:fillRef idx="0">
-            <a:scrgbClr r="0" g="0" b="0"/>
-          </a:fillRef>
-          <a:effectRef idx="0">
-            <a:scrgbClr r="0" g="0" b="0"/>
-          </a:effectRef>
-          <a:fontRef idx="minor"/>
-        </p:style>
-      </p:sp>
-      <p:sp>
-        <p:nvSpPr>
-          <p:cNvPr id="128" name="Line 4"/>
-          <p:cNvSpPr/>
-          <p:nvPr/>
-        </p:nvSpPr>
-        <p:spPr>
-          <a:xfrm flipH="1">
-            <a:off x="9784080" y="1645920"/>
-            <a:ext cx="365760" cy="0"/>
-          </a:xfrm>
-          <a:prstGeom prst="line">
-            <a:avLst/>
-          </a:prstGeom>
-          <a:ln w="109800">
-            <a:solidFill>
-              <a:srgbClr val="FF0000"/>
-            </a:solidFill>
-            <a:round/>
-          </a:ln>
-        </p:spPr>
-        <p:style>
-          <a:lnRef idx="0">
-            <a:scrgbClr r="0" g="0" b="0"/>
-          </a:lnRef>
-          <a:fillRef idx="0">
-            <a:scrgbClr r="0" g="0" b="0"/>
-          </a:fillRef>
-          <a:effectRef idx="0">
-            <a:scrgbClr r="0" g="0" b="0"/>
-          </a:effectRef>
-          <a:fontRef idx="minor"/>
-        </p:style>
-      </p:sp>
-      <p:pic>
-        <p:nvPicPr>
-          <p:cNvPr id="129" name="Grafik 128"/>
-          <p:cNvPicPr/>
-          <p:nvPr/>
-        </p:nvPicPr>
-        <p:blipFill>
-          <a:blip r:embed="rId4"/>
-          <a:stretch/>
-        </p:blipFill>
-        <p:spPr>
-          <a:xfrm>
-            <a:off x="10698480" y="2969280"/>
-            <a:ext cx="1150200" cy="2424960"/>
+            <a:off x="10387582" y="2817090"/>
+            <a:ext cx="1526114" cy="2918650"/>
           </a:xfrm>
           <a:prstGeom prst="rect">
             <a:avLst/>
@@ -31450,13 +29981,15 @@
       <p:sp>
         <p:nvSpPr>
           <p:cNvPr id="130" name="CustomShape 5"/>
-          <p:cNvSpPr/>
+          <p:cNvSpPr>
+            <a:spLocks noChangeAspect="1"/>
+          </p:cNvSpPr>
           <p:nvPr/>
         </p:nvSpPr>
         <p:spPr>
           <a:xfrm>
-            <a:off x="10825920" y="3275280"/>
-            <a:ext cx="456480" cy="456480"/>
+            <a:off x="10548677" y="3202980"/>
+            <a:ext cx="513339" cy="513339"/>
           </a:xfrm>
           <a:prstGeom prst="ellipse">
             <a:avLst/>
@@ -31482,6 +30015,158 @@
           <a:fontRef idx="minor"/>
         </p:style>
       </p:sp>
+      <p:pic>
+        <p:nvPicPr>
+          <p:cNvPr id="4" name="Grafik 3">
+            <a:extLst>
+              <a:ext uri="{FF2B5EF4-FFF2-40B4-BE49-F238E27FC236}">
+                <a16:creationId xmlns:a16="http://schemas.microsoft.com/office/drawing/2014/main" id="{3B4FCB40-3A4F-4DC0-8D49-D907041BD21B}"/>
+              </a:ext>
+            </a:extLst>
+          </p:cNvPr>
+          <p:cNvPicPr>
+            <a:picLocks noChangeAspect="1"/>
+          </p:cNvPicPr>
+          <p:nvPr/>
+        </p:nvPicPr>
+        <p:blipFill>
+          <a:blip r:embed="rId3">
+            <a:extLst>
+              <a:ext uri="{28A0092B-C50C-407E-A947-70E740481C1C}">
+                <a14:useLocalDpi xmlns:a14="http://schemas.microsoft.com/office/drawing/2010/main" val="0"/>
+              </a:ext>
+            </a:extLst>
+          </a:blip>
+          <a:stretch>
+            <a:fillRect/>
+          </a:stretch>
+        </p:blipFill>
+        <p:spPr>
+          <a:xfrm>
+            <a:off x="275544" y="2528047"/>
+            <a:ext cx="9270760" cy="3940073"/>
+          </a:xfrm>
+          <a:prstGeom prst="rect">
+            <a:avLst/>
+          </a:prstGeom>
+        </p:spPr>
+      </p:pic>
+      <p:grpSp>
+        <p:nvGrpSpPr>
+          <p:cNvPr id="2" name="Gruppieren 1">
+            <a:extLst>
+              <a:ext uri="{FF2B5EF4-FFF2-40B4-BE49-F238E27FC236}">
+                <a16:creationId xmlns:a16="http://schemas.microsoft.com/office/drawing/2014/main" id="{96832F18-687A-481E-B66C-E758728BC742}"/>
+              </a:ext>
+            </a:extLst>
+          </p:cNvPr>
+          <p:cNvGrpSpPr>
+            <a:grpSpLocks noChangeAspect="1"/>
+          </p:cNvGrpSpPr>
+          <p:nvPr/>
+        </p:nvGrpSpPr>
+        <p:grpSpPr>
+          <a:xfrm>
+            <a:off x="8900160" y="737616"/>
+            <a:ext cx="2529120" cy="1948704"/>
+            <a:chOff x="9144000" y="914400"/>
+            <a:chExt cx="2285280" cy="1771920"/>
+          </a:xfrm>
+        </p:grpSpPr>
+        <p:pic>
+          <p:nvPicPr>
+            <p:cNvPr id="126" name="Grafik 125"/>
+            <p:cNvPicPr>
+              <a:picLocks noChangeAspect="1"/>
+            </p:cNvPicPr>
+            <p:nvPr/>
+          </p:nvPicPr>
+          <p:blipFill>
+            <a:blip r:embed="rId4"/>
+            <a:stretch/>
+          </p:blipFill>
+          <p:spPr>
+            <a:xfrm>
+              <a:off x="9144000" y="914400"/>
+              <a:ext cx="2285280" cy="1771920"/>
+            </a:xfrm>
+            <a:prstGeom prst="rect">
+              <a:avLst/>
+            </a:prstGeom>
+            <a:ln>
+              <a:noFill/>
+            </a:ln>
+          </p:spPr>
+        </p:pic>
+        <p:sp>
+          <p:nvSpPr>
+            <p:cNvPr id="127" name="Line 3"/>
+            <p:cNvSpPr/>
+            <p:nvPr/>
+          </p:nvSpPr>
+          <p:spPr>
+            <a:xfrm flipH="1">
+              <a:off x="9727847" y="1317652"/>
+              <a:ext cx="225179" cy="311781"/>
+            </a:xfrm>
+            <a:prstGeom prst="line">
+              <a:avLst/>
+            </a:prstGeom>
+            <a:ln w="109800">
+              <a:solidFill>
+                <a:srgbClr val="FF0000"/>
+              </a:solidFill>
+              <a:round/>
+            </a:ln>
+          </p:spPr>
+          <p:style>
+            <a:lnRef idx="0">
+              <a:scrgbClr r="0" g="0" b="0"/>
+            </a:lnRef>
+            <a:fillRef idx="0">
+              <a:scrgbClr r="0" g="0" b="0"/>
+            </a:fillRef>
+            <a:effectRef idx="0">
+              <a:scrgbClr r="0" g="0" b="0"/>
+            </a:effectRef>
+            <a:fontRef idx="minor"/>
+          </p:style>
+        </p:sp>
+        <p:sp>
+          <p:nvSpPr>
+            <p:cNvPr id="128" name="Line 4"/>
+            <p:cNvSpPr/>
+            <p:nvPr/>
+          </p:nvSpPr>
+          <p:spPr>
+            <a:xfrm flipH="1" flipV="1">
+              <a:off x="9727847" y="1606093"/>
+              <a:ext cx="356001" cy="23339"/>
+            </a:xfrm>
+            <a:prstGeom prst="line">
+              <a:avLst/>
+            </a:prstGeom>
+            <a:ln w="109800">
+              <a:solidFill>
+                <a:srgbClr val="FF0000"/>
+              </a:solidFill>
+              <a:round/>
+            </a:ln>
+          </p:spPr>
+          <p:style>
+            <a:lnRef idx="0">
+              <a:scrgbClr r="0" g="0" b="0"/>
+            </a:lnRef>
+            <a:fillRef idx="0">
+              <a:scrgbClr r="0" g="0" b="0"/>
+            </a:fillRef>
+            <a:effectRef idx="0">
+              <a:scrgbClr r="0" g="0" b="0"/>
+            </a:effectRef>
+            <a:fontRef idx="minor"/>
+          </p:style>
+        </p:sp>
+      </p:grpSp>
     </p:spTree>
   </p:cSld>
   <p:clrMapOvr>
@@ -31490,7 +30175,7 @@
 </p:sld>
 </file>
 
-<file path=ppt/slides/slide9.xml><?xml version="1.0" encoding="utf-8"?>
+<file path=ppt/slides/slide7.xml><?xml version="1.0" encoding="utf-8"?>
 <p:sld xmlns:a="http://schemas.openxmlformats.org/drawingml/2006/main" xmlns:r="http://schemas.openxmlformats.org/officeDocument/2006/relationships" xmlns:p="http://schemas.openxmlformats.org/presentationml/2006/main">
   <p:cSld>
     <p:spTree>
@@ -31550,18 +30235,15 @@
               </a:lnSpc>
             </a:pPr>
             <a:r>
-              <a:rPr lang="de-DE" sz="4000" b="0" strike="noStrike" spc="-1">
+              <a:rPr lang="de-DE" sz="4000" spc="-1" dirty="0">
                 <a:solidFill>
                   <a:srgbClr val="000000"/>
                 </a:solidFill>
-                <a:latin typeface="Calibri Light"/>
-                <a:ea typeface="DejaVu Sans"/>
+                <a:latin typeface="Calibri Light" panose="020F0302020204030204" pitchFamily="34" charset="0"/>
+                <a:cs typeface="Calibri Light" panose="020F0302020204030204" pitchFamily="34" charset="0"/>
               </a:rPr>
-              <a:t>Präsentator-Kamera-Distanz</a:t>
+              <a:t>Features - allgemein</a:t>
             </a:r>
-            <a:endParaRPr lang="en-US" sz="4000" b="0" strike="noStrike" spc="-1">
-              <a:latin typeface="Arial"/>
-            </a:endParaRPr>
           </a:p>
         </p:txBody>
       </p:sp>
@@ -31574,7 +30256,7 @@
         <p:spPr>
           <a:xfrm>
             <a:off x="838080" y="1514880"/>
-            <a:ext cx="10513080" cy="4348800"/>
+            <a:ext cx="10513080" cy="4428720"/>
           </a:xfrm>
           <a:prstGeom prst="rect">
             <a:avLst/>
@@ -31616,26 +30298,178 @@
               <a:buChar char="•"/>
             </a:pPr>
             <a:r>
-              <a:rPr lang="de-DE" sz="2600" b="0" strike="noStrike" spc="-1">
+              <a:rPr lang="de-DE" sz="2600" b="0" strike="noStrike" spc="-1" dirty="0">
                 <a:solidFill>
                   <a:srgbClr val="000000"/>
                 </a:solidFill>
-                <a:latin typeface="Calibri"/>
+                <a:latin typeface="Calibri Light" panose="020F0302020204030204" pitchFamily="34" charset="0"/>
                 <a:ea typeface="Noto Sans CJK SC"/>
+                <a:cs typeface="Calibri Light" panose="020F0302020204030204" pitchFamily="34" charset="0"/>
               </a:rPr>
-              <a:t>Skalierung aller Features mit Schulter - Hüftabstand</a:t>
+              <a:t>Skalierung mit Schulter – Hüftabstand</a:t>
             </a:r>
-            <a:endParaRPr lang="en-US" sz="2600" b="0" strike="noStrike" spc="-1">
-              <a:latin typeface="Arial"/>
+          </a:p>
+          <a:p>
+            <a:pPr marL="228600" indent="-226080">
+              <a:lnSpc>
+                <a:spcPct val="90000"/>
+              </a:lnSpc>
+              <a:spcBef>
+                <a:spcPts val="1001"/>
+              </a:spcBef>
+              <a:buClr>
+                <a:srgbClr val="000000"/>
+              </a:buClr>
+              <a:buFont typeface="Arial"/>
+              <a:buChar char="•"/>
+            </a:pPr>
+            <a:endParaRPr lang="de-DE" sz="2600" spc="-1" dirty="0">
+              <a:solidFill>
+                <a:srgbClr val="000000"/>
+              </a:solidFill>
+              <a:latin typeface="Calibri Light" panose="020F0302020204030204" pitchFamily="34" charset="0"/>
+              <a:cs typeface="Calibri Light" panose="020F0302020204030204" pitchFamily="34" charset="0"/>
             </a:endParaRPr>
           </a:p>
           <a:p>
-            <a:pPr marL="685800" lvl="1" indent="-226080">
+            <a:pPr marL="228600" indent="-226080">
               <a:lnSpc>
-                <a:spcPct val="100000"/>
+                <a:spcPct val="90000"/>
               </a:lnSpc>
               <a:spcBef>
-                <a:spcPts val="1134"/>
+                <a:spcPts val="1001"/>
+              </a:spcBef>
+              <a:buClr>
+                <a:srgbClr val="000000"/>
+              </a:buClr>
+              <a:buFont typeface="Arial"/>
+              <a:buChar char="•"/>
+            </a:pPr>
+            <a:endParaRPr lang="de-DE" sz="2600" b="0" strike="noStrike" spc="-1" dirty="0">
+              <a:solidFill>
+                <a:srgbClr val="000000"/>
+              </a:solidFill>
+              <a:latin typeface="Calibri Light" panose="020F0302020204030204" pitchFamily="34" charset="0"/>
+              <a:cs typeface="Calibri Light" panose="020F0302020204030204" pitchFamily="34" charset="0"/>
+            </a:endParaRPr>
+          </a:p>
+          <a:p>
+            <a:pPr marL="228600" indent="-226080">
+              <a:lnSpc>
+                <a:spcPct val="90000"/>
+              </a:lnSpc>
+              <a:spcBef>
+                <a:spcPts val="1001"/>
+              </a:spcBef>
+              <a:buClr>
+                <a:srgbClr val="000000"/>
+              </a:buClr>
+              <a:buFont typeface="Arial"/>
+              <a:buChar char="•"/>
+            </a:pPr>
+            <a:endParaRPr lang="de-DE" sz="2600" spc="-1" dirty="0">
+              <a:solidFill>
+                <a:srgbClr val="000000"/>
+              </a:solidFill>
+              <a:latin typeface="Calibri Light" panose="020F0302020204030204" pitchFamily="34" charset="0"/>
+              <a:cs typeface="Calibri Light" panose="020F0302020204030204" pitchFamily="34" charset="0"/>
+            </a:endParaRPr>
+          </a:p>
+          <a:p>
+            <a:pPr marL="228600" indent="-226080">
+              <a:lnSpc>
+                <a:spcPct val="90000"/>
+              </a:lnSpc>
+              <a:spcBef>
+                <a:spcPts val="1001"/>
+              </a:spcBef>
+              <a:buClr>
+                <a:srgbClr val="000000"/>
+              </a:buClr>
+              <a:buFont typeface="Arial"/>
+              <a:buChar char="•"/>
+            </a:pPr>
+            <a:endParaRPr lang="de-DE" sz="2600" b="0" strike="noStrike" spc="-1" dirty="0">
+              <a:solidFill>
+                <a:srgbClr val="000000"/>
+              </a:solidFill>
+              <a:latin typeface="Calibri Light" panose="020F0302020204030204" pitchFamily="34" charset="0"/>
+              <a:cs typeface="Calibri Light" panose="020F0302020204030204" pitchFamily="34" charset="0"/>
+            </a:endParaRPr>
+          </a:p>
+          <a:p>
+            <a:pPr marL="228600" indent="-226080">
+              <a:lnSpc>
+                <a:spcPct val="90000"/>
+              </a:lnSpc>
+              <a:spcBef>
+                <a:spcPts val="1001"/>
+              </a:spcBef>
+              <a:buClr>
+                <a:srgbClr val="000000"/>
+              </a:buClr>
+              <a:buFont typeface="Arial"/>
+              <a:buChar char="•"/>
+            </a:pPr>
+            <a:endParaRPr lang="de-DE" sz="2600" spc="-1" dirty="0">
+              <a:solidFill>
+                <a:srgbClr val="000000"/>
+              </a:solidFill>
+              <a:latin typeface="Calibri Light" panose="020F0302020204030204" pitchFamily="34" charset="0"/>
+              <a:cs typeface="Calibri Light" panose="020F0302020204030204" pitchFamily="34" charset="0"/>
+            </a:endParaRPr>
+          </a:p>
+          <a:p>
+            <a:pPr marL="228600" indent="-226080">
+              <a:lnSpc>
+                <a:spcPct val="90000"/>
+              </a:lnSpc>
+              <a:spcBef>
+                <a:spcPts val="1001"/>
+              </a:spcBef>
+              <a:buClr>
+                <a:srgbClr val="000000"/>
+              </a:buClr>
+              <a:buFont typeface="Arial"/>
+              <a:buChar char="•"/>
+            </a:pPr>
+            <a:endParaRPr lang="de-DE" sz="2600" b="0" strike="noStrike" spc="-1" dirty="0">
+              <a:solidFill>
+                <a:srgbClr val="000000"/>
+              </a:solidFill>
+              <a:latin typeface="Calibri Light" panose="020F0302020204030204" pitchFamily="34" charset="0"/>
+              <a:cs typeface="Calibri Light" panose="020F0302020204030204" pitchFamily="34" charset="0"/>
+            </a:endParaRPr>
+          </a:p>
+          <a:p>
+            <a:pPr marL="228600" indent="-226080">
+              <a:lnSpc>
+                <a:spcPct val="90000"/>
+              </a:lnSpc>
+              <a:spcBef>
+                <a:spcPts val="1001"/>
+              </a:spcBef>
+              <a:buClr>
+                <a:srgbClr val="000000"/>
+              </a:buClr>
+              <a:buFont typeface="Arial"/>
+              <a:buChar char="•"/>
+            </a:pPr>
+            <a:endParaRPr lang="de-DE" sz="2600" b="0" strike="noStrike" spc="-1" dirty="0">
+              <a:solidFill>
+                <a:srgbClr val="000000"/>
+              </a:solidFill>
+              <a:latin typeface="Calibri Light" panose="020F0302020204030204" pitchFamily="34" charset="0"/>
+              <a:cs typeface="Calibri Light" panose="020F0302020204030204" pitchFamily="34" charset="0"/>
+            </a:endParaRPr>
+          </a:p>
+          <a:p>
+            <a:pPr marL="228600" indent="-226080">
+              <a:lnSpc>
+                <a:spcPct val="90000"/>
+              </a:lnSpc>
+              <a:spcBef>
+                <a:spcPts val="1001"/>
               </a:spcBef>
               <a:buClr>
                 <a:srgbClr val="000000"/>
@@ -31644,45 +30478,48 @@
               <a:buChar char="•"/>
             </a:pPr>
             <a:r>
-              <a:rPr lang="de-DE" sz="2200" b="0" strike="noStrike" spc="-1">
+              <a:rPr lang="de-DE" sz="2600" b="0" strike="noStrike" spc="-1" dirty="0">
                 <a:solidFill>
                   <a:srgbClr val="000000"/>
                 </a:solidFill>
-                <a:latin typeface="Calibri"/>
-                <a:ea typeface="Noto Sans CJK SC"/>
+                <a:latin typeface="Calibri Light" panose="020F0302020204030204" pitchFamily="34" charset="0"/>
+                <a:cs typeface="Calibri Light" panose="020F0302020204030204" pitchFamily="34" charset="0"/>
               </a:rPr>
-              <a:t>Verschiedene Distanzen des Präsentators zur Kamera</a:t>
+              <a:t>Finale </a:t>
             </a:r>
-            <a:endParaRPr lang="en-US" sz="2200" b="0" strike="noStrike" spc="-1">
-              <a:latin typeface="Arial"/>
-            </a:endParaRPr>
-          </a:p>
-          <a:p>
-            <a:pPr marL="685800" lvl="1" indent="-226080">
-              <a:lnSpc>
-                <a:spcPct val="100000"/>
-              </a:lnSpc>
-              <a:spcBef>
-                <a:spcPts val="1134"/>
-              </a:spcBef>
-              <a:buClr>
-                <a:srgbClr val="000000"/>
-              </a:buClr>
-              <a:buFont typeface="Arial"/>
-              <a:buChar char="•"/>
-            </a:pPr>
             <a:r>
-              <a:rPr lang="de-DE" sz="2200" b="0" strike="noStrike" spc="-1">
+              <a:rPr lang="de-DE" sz="2600" spc="-1" dirty="0">
                 <a:solidFill>
                   <a:srgbClr val="000000"/>
                 </a:solidFill>
-                <a:latin typeface="Calibri"/>
-                <a:ea typeface="Noto Sans CJK SC"/>
+                <a:latin typeface="Calibri Light" panose="020F0302020204030204" pitchFamily="34" charset="0"/>
+                <a:cs typeface="Calibri Light" panose="020F0302020204030204" pitchFamily="34" charset="0"/>
               </a:rPr>
-              <a:t>Bisherige Features abhängig von Größe des Präsentators im Bild, aber Schwellwerte des Neuronalen Netzes gleich</a:t>
+              <a:t>feature </a:t>
             </a:r>
-            <a:endParaRPr lang="en-US" sz="2200" b="0" strike="noStrike" spc="-1">
-              <a:latin typeface="Arial"/>
+            <a:r>
+              <a:rPr lang="de-DE" sz="2600" spc="-1" dirty="0" err="1">
+                <a:solidFill>
+                  <a:srgbClr val="000000"/>
+                </a:solidFill>
+                <a:latin typeface="Calibri Light" panose="020F0302020204030204" pitchFamily="34" charset="0"/>
+                <a:cs typeface="Calibri Light" panose="020F0302020204030204" pitchFamily="34" charset="0"/>
+              </a:rPr>
+              <a:t>space</a:t>
+            </a:r>
+            <a:r>
+              <a:rPr lang="de-DE" sz="2600" spc="-1" dirty="0">
+                <a:solidFill>
+                  <a:srgbClr val="000000"/>
+                </a:solidFill>
+                <a:latin typeface="Calibri Light" panose="020F0302020204030204" pitchFamily="34" charset="0"/>
+                <a:cs typeface="Calibri Light" panose="020F0302020204030204" pitchFamily="34" charset="0"/>
+              </a:rPr>
+              <a:t> Größe: 110</a:t>
+            </a:r>
+            <a:endParaRPr lang="en-US" sz="2200" b="0" strike="noStrike" spc="-1" dirty="0">
+              <a:latin typeface="Calibri Light" panose="020F0302020204030204" pitchFamily="34" charset="0"/>
+              <a:cs typeface="Calibri Light" panose="020F0302020204030204" pitchFamily="34" charset="0"/>
             </a:endParaRPr>
           </a:p>
           <a:p>
@@ -31691,8 +30528,9 @@
                 <a:spcPct val="100000"/>
               </a:lnSpc>
             </a:pPr>
-            <a:endParaRPr lang="en-US" sz="2200" b="0" strike="noStrike" spc="-1">
-              <a:latin typeface="Arial"/>
+            <a:endParaRPr lang="en-US" sz="2200" b="0" strike="noStrike" spc="-1" dirty="0">
+              <a:latin typeface="Calibri Light" panose="020F0302020204030204" pitchFamily="34" charset="0"/>
+              <a:cs typeface="Calibri Light" panose="020F0302020204030204" pitchFamily="34" charset="0"/>
             </a:endParaRPr>
           </a:p>
           <a:p>
@@ -31701,137 +30539,578 @@
                 <a:spcPct val="100000"/>
               </a:lnSpc>
             </a:pPr>
-            <a:endParaRPr lang="en-US" sz="2200" b="0" strike="noStrike" spc="-1">
-              <a:latin typeface="Arial"/>
+            <a:endParaRPr lang="en-US" sz="2200" b="0" strike="noStrike" spc="-1" dirty="0">
+              <a:latin typeface="Calibri Light" panose="020F0302020204030204" pitchFamily="34" charset="0"/>
+              <a:cs typeface="Calibri Light" panose="020F0302020204030204" pitchFamily="34" charset="0"/>
             </a:endParaRPr>
           </a:p>
+        </p:txBody>
+      </p:sp>
+      <p:grpSp>
+        <p:nvGrpSpPr>
+          <p:cNvPr id="2" name="Gruppieren 1">
+            <a:extLst>
+              <a:ext uri="{FF2B5EF4-FFF2-40B4-BE49-F238E27FC236}">
+                <a16:creationId xmlns:a16="http://schemas.microsoft.com/office/drawing/2014/main" id="{DFF2A63D-22BE-AE62-A31F-ED4E50034C38}"/>
+              </a:ext>
+            </a:extLst>
+          </p:cNvPr>
+          <p:cNvGrpSpPr/>
+          <p:nvPr/>
+        </p:nvGrpSpPr>
+        <p:grpSpPr>
+          <a:xfrm>
+            <a:off x="1681480" y="2316940"/>
+            <a:ext cx="3199680" cy="2480400"/>
+            <a:chOff x="2011680" y="3828240"/>
+            <a:chExt cx="3199680" cy="2480400"/>
+          </a:xfrm>
+        </p:grpSpPr>
+        <p:pic>
+          <p:nvPicPr>
+            <p:cNvPr id="133" name="Grafik 132"/>
+            <p:cNvPicPr/>
+            <p:nvPr/>
+          </p:nvPicPr>
+          <p:blipFill>
+            <a:blip r:embed="rId2"/>
+            <a:stretch/>
+          </p:blipFill>
+          <p:spPr>
+            <a:xfrm>
+              <a:off x="2011680" y="3828240"/>
+              <a:ext cx="3199680" cy="2480400"/>
+            </a:xfrm>
+            <a:prstGeom prst="rect">
+              <a:avLst/>
+            </a:prstGeom>
+            <a:ln>
+              <a:noFill/>
+            </a:ln>
+          </p:spPr>
+        </p:pic>
+        <p:sp>
+          <p:nvSpPr>
+            <p:cNvPr id="135" name="Line 3"/>
+            <p:cNvSpPr/>
+            <p:nvPr/>
+          </p:nvSpPr>
+          <p:spPr>
+            <a:xfrm flipH="1">
+              <a:off x="3657600" y="4480560"/>
+              <a:ext cx="91440" cy="914400"/>
+            </a:xfrm>
+            <a:prstGeom prst="line">
+              <a:avLst/>
+            </a:prstGeom>
+            <a:ln w="109800">
+              <a:solidFill>
+                <a:srgbClr val="FF0000"/>
+              </a:solidFill>
+              <a:round/>
+            </a:ln>
+          </p:spPr>
+          <p:style>
+            <a:lnRef idx="0">
+              <a:scrgbClr r="0" g="0" b="0"/>
+            </a:lnRef>
+            <a:fillRef idx="0">
+              <a:scrgbClr r="0" g="0" b="0"/>
+            </a:fillRef>
+            <a:effectRef idx="0">
+              <a:scrgbClr r="0" g="0" b="0"/>
+            </a:effectRef>
+            <a:fontRef idx="minor"/>
+          </p:style>
+        </p:sp>
+      </p:grpSp>
+      <p:grpSp>
+        <p:nvGrpSpPr>
+          <p:cNvPr id="3" name="Gruppieren 2">
+            <a:extLst>
+              <a:ext uri="{FF2B5EF4-FFF2-40B4-BE49-F238E27FC236}">
+                <a16:creationId xmlns:a16="http://schemas.microsoft.com/office/drawing/2014/main" id="{49E201EA-6EBD-A9EB-E759-815291D1AAD7}"/>
+              </a:ext>
+            </a:extLst>
+          </p:cNvPr>
+          <p:cNvGrpSpPr/>
+          <p:nvPr/>
+        </p:nvGrpSpPr>
+        <p:grpSpPr>
+          <a:xfrm>
+            <a:off x="6441440" y="2355760"/>
+            <a:ext cx="3199680" cy="2479680"/>
+            <a:chOff x="6492240" y="3828960"/>
+            <a:chExt cx="3199680" cy="2479680"/>
+          </a:xfrm>
+        </p:grpSpPr>
+        <p:pic>
+          <p:nvPicPr>
+            <p:cNvPr id="134" name="Grafik 133"/>
+            <p:cNvPicPr/>
+            <p:nvPr/>
+          </p:nvPicPr>
+          <p:blipFill>
+            <a:blip r:embed="rId3"/>
+            <a:stretch/>
+          </p:blipFill>
+          <p:spPr>
+            <a:xfrm>
+              <a:off x="6492240" y="3828960"/>
+              <a:ext cx="3199680" cy="2479680"/>
+            </a:xfrm>
+            <a:prstGeom prst="rect">
+              <a:avLst/>
+            </a:prstGeom>
+            <a:ln>
+              <a:noFill/>
+            </a:ln>
+          </p:spPr>
+        </p:pic>
+        <p:sp>
+          <p:nvSpPr>
+            <p:cNvPr id="136" name="Line 4"/>
+            <p:cNvSpPr/>
+            <p:nvPr/>
+          </p:nvSpPr>
+          <p:spPr>
+            <a:xfrm flipH="1">
+              <a:off x="8202295" y="4846320"/>
+              <a:ext cx="27305" cy="410210"/>
+            </a:xfrm>
+            <a:prstGeom prst="line">
+              <a:avLst/>
+            </a:prstGeom>
+            <a:ln w="109800">
+              <a:solidFill>
+                <a:srgbClr val="FF0000"/>
+              </a:solidFill>
+              <a:round/>
+            </a:ln>
+          </p:spPr>
+          <p:style>
+            <a:lnRef idx="0">
+              <a:scrgbClr r="0" g="0" b="0"/>
+            </a:lnRef>
+            <a:fillRef idx="0">
+              <a:scrgbClr r="0" g="0" b="0"/>
+            </a:fillRef>
+            <a:effectRef idx="0">
+              <a:scrgbClr r="0" g="0" b="0"/>
+            </a:effectRef>
+            <a:fontRef idx="minor"/>
+          </p:style>
+        </p:sp>
+      </p:grpSp>
+    </p:spTree>
+  </p:cSld>
+  <p:clrMapOvr>
+    <a:masterClrMapping/>
+  </p:clrMapOvr>
+</p:sld>
+</file>
+
+<file path=ppt/slides/slide8.xml><?xml version="1.0" encoding="utf-8"?>
+<p:sld xmlns:a="http://schemas.openxmlformats.org/drawingml/2006/main" xmlns:r="http://schemas.openxmlformats.org/officeDocument/2006/relationships" xmlns:p="http://schemas.openxmlformats.org/presentationml/2006/main">
+  <p:cSld>
+    <p:spTree>
+      <p:nvGrpSpPr>
+        <p:cNvPr id="1" name=""/>
+        <p:cNvGrpSpPr/>
+        <p:nvPr/>
+      </p:nvGrpSpPr>
+      <p:grpSpPr>
+        <a:xfrm>
+          <a:off x="0" y="0"/>
+          <a:ext cx="0" cy="0"/>
+          <a:chOff x="0" y="0"/>
+          <a:chExt cx="0" cy="0"/>
+        </a:xfrm>
+      </p:grpSpPr>
+      <p:sp>
+        <p:nvSpPr>
+          <p:cNvPr id="2" name="Titel 1">
+            <a:extLst>
+              <a:ext uri="{FF2B5EF4-FFF2-40B4-BE49-F238E27FC236}">
+                <a16:creationId xmlns:a16="http://schemas.microsoft.com/office/drawing/2014/main" id="{ED8ABAC9-F96A-4A76-8705-9CB4CB1A1B9E}"/>
+              </a:ext>
+            </a:extLst>
+          </p:cNvPr>
+          <p:cNvSpPr>
+            <a:spLocks noGrp="1"/>
+          </p:cNvSpPr>
+          <p:nvPr>
+            <p:ph type="title"/>
+          </p:nvPr>
+        </p:nvSpPr>
+        <p:spPr>
+          <a:xfrm>
+            <a:off x="609480" y="61192"/>
+            <a:ext cx="10972440" cy="945675"/>
+          </a:xfrm>
+        </p:spPr>
+        <p:txBody>
+          <a:bodyPr/>
+          <a:lstStyle/>
           <a:p>
-            <a:pPr>
-              <a:lnSpc>
-                <a:spcPct val="100000"/>
-              </a:lnSpc>
-            </a:pPr>
-            <a:endParaRPr lang="en-US" sz="2200" b="0" strike="noStrike" spc="-1">
-              <a:latin typeface="Arial"/>
-            </a:endParaRPr>
+            <a:r>
+              <a:rPr lang="de-DE" dirty="0"/>
+              <a:t>Ergebnisevaluation</a:t>
+            </a:r>
+          </a:p>
+        </p:txBody>
+      </p:sp>
+      <p:sp>
+        <p:nvSpPr>
+          <p:cNvPr id="3" name="Untertitel 2">
+            <a:extLst>
+              <a:ext uri="{FF2B5EF4-FFF2-40B4-BE49-F238E27FC236}">
+                <a16:creationId xmlns:a16="http://schemas.microsoft.com/office/drawing/2014/main" id="{777A4000-E92B-4A2D-8BBA-058CFB4C292A}"/>
+              </a:ext>
+            </a:extLst>
+          </p:cNvPr>
+          <p:cNvSpPr>
+            <a:spLocks noGrp="1"/>
+          </p:cNvSpPr>
+          <p:nvPr>
+            <p:ph type="subTitle"/>
+          </p:nvPr>
+        </p:nvSpPr>
+        <p:spPr/>
+        <p:txBody>
+          <a:bodyPr/>
+          <a:lstStyle/>
+          <a:p>
+            <a:endParaRPr lang="de-DE" dirty="0"/>
           </a:p>
         </p:txBody>
       </p:sp>
       <p:pic>
         <p:nvPicPr>
-          <p:cNvPr id="133" name="Grafik 132"/>
-          <p:cNvPicPr/>
+          <p:cNvPr id="8" name="Grafik 7">
+            <a:extLst>
+              <a:ext uri="{FF2B5EF4-FFF2-40B4-BE49-F238E27FC236}">
+                <a16:creationId xmlns:a16="http://schemas.microsoft.com/office/drawing/2014/main" id="{F262DB7D-3E43-1646-996C-9958949FFA0C}"/>
+              </a:ext>
+            </a:extLst>
+          </p:cNvPr>
+          <p:cNvPicPr>
+            <a:picLocks noChangeAspect="1"/>
+          </p:cNvPicPr>
           <p:nvPr/>
         </p:nvPicPr>
         <p:blipFill>
-          <a:blip r:embed="rId2"/>
-          <a:stretch/>
+          <a:blip r:embed="rId2">
+            <a:extLst>
+              <a:ext uri="{28A0092B-C50C-407E-A947-70E740481C1C}">
+                <a14:useLocalDpi xmlns:a14="http://schemas.microsoft.com/office/drawing/2010/main" val="0"/>
+              </a:ext>
+            </a:extLst>
+          </a:blip>
+          <a:stretch>
+            <a:fillRect/>
+          </a:stretch>
         </p:blipFill>
         <p:spPr>
           <a:xfrm>
-            <a:off x="2011680" y="3828240"/>
-            <a:ext cx="3199680" cy="2480400"/>
+            <a:off x="0" y="-533400"/>
+            <a:ext cx="12191999" cy="7854950"/>
           </a:xfrm>
           <a:prstGeom prst="rect">
             <a:avLst/>
           </a:prstGeom>
-          <a:ln>
-            <a:noFill/>
-          </a:ln>
         </p:spPr>
       </p:pic>
-      <p:pic>
-        <p:nvPicPr>
-          <p:cNvPr id="134" name="Grafik 133"/>
-          <p:cNvPicPr/>
-          <p:nvPr/>
-        </p:nvPicPr>
-        <p:blipFill>
-          <a:blip r:embed="rId3"/>
-          <a:stretch/>
-        </p:blipFill>
+    </p:spTree>
+    <p:extLst>
+      <p:ext uri="{BB962C8B-B14F-4D97-AF65-F5344CB8AC3E}">
+        <p14:creationId xmlns:p14="http://schemas.microsoft.com/office/powerpoint/2010/main" val="2387672321"/>
+      </p:ext>
+    </p:extLst>
+  </p:cSld>
+  <p:clrMapOvr>
+    <a:masterClrMapping/>
+  </p:clrMapOvr>
+</p:sld>
+</file>
+
+<file path=ppt/slides/slide9.xml><?xml version="1.0" encoding="utf-8"?>
+<p:sld xmlns:a="http://schemas.openxmlformats.org/drawingml/2006/main" xmlns:r="http://schemas.openxmlformats.org/officeDocument/2006/relationships" xmlns:p="http://schemas.openxmlformats.org/presentationml/2006/main">
+  <p:cSld>
+    <p:spTree>
+      <p:nvGrpSpPr>
+        <p:cNvPr id="1" name=""/>
+        <p:cNvGrpSpPr/>
+        <p:nvPr/>
+      </p:nvGrpSpPr>
+      <p:grpSpPr>
+        <a:xfrm>
+          <a:off x="0" y="0"/>
+          <a:ext cx="0" cy="0"/>
+          <a:chOff x="0" y="0"/>
+          <a:chExt cx="0" cy="0"/>
+        </a:xfrm>
+      </p:grpSpPr>
+      <p:sp>
+        <p:nvSpPr>
+          <p:cNvPr id="3" name="Untertitel 2">
+            <a:extLst>
+              <a:ext uri="{FF2B5EF4-FFF2-40B4-BE49-F238E27FC236}">
+                <a16:creationId xmlns:a16="http://schemas.microsoft.com/office/drawing/2014/main" id="{46D2B812-113E-4156-B147-E9972BCB517A}"/>
+              </a:ext>
+            </a:extLst>
+          </p:cNvPr>
+          <p:cNvSpPr>
+            <a:spLocks noGrp="1"/>
+          </p:cNvSpPr>
+          <p:nvPr>
+            <p:ph type="subTitle"/>
+          </p:nvPr>
+        </p:nvSpPr>
         <p:spPr>
           <a:xfrm>
-            <a:off x="6492240" y="3828960"/>
-            <a:ext cx="3199680" cy="2479680"/>
+            <a:off x="609480" y="102743"/>
+            <a:ext cx="10972440" cy="2003460"/>
+          </a:xfrm>
+        </p:spPr>
+        <p:txBody>
+          <a:bodyPr anchor="ctr"/>
+          <a:lstStyle/>
+          <a:p>
+            <a:pPr>
+              <a:lnSpc>
+                <a:spcPct val="150000"/>
+              </a:lnSpc>
+            </a:pPr>
+            <a:r>
+              <a:rPr lang="de-DE" sz="4000" dirty="0">
+                <a:latin typeface="Calibri Light" panose="020F0302020204030204" pitchFamily="34" charset="0"/>
+                <a:cs typeface="Calibri Light" panose="020F0302020204030204" pitchFamily="34" charset="0"/>
+              </a:rPr>
+              <a:t>Hyperparametersuche mit</a:t>
+            </a:r>
+          </a:p>
+          <a:p>
+            <a:r>
+              <a:rPr lang="de-DE" sz="4000" dirty="0">
+                <a:latin typeface="Calibri Light" panose="020F0302020204030204" pitchFamily="34" charset="0"/>
+                <a:cs typeface="Calibri Light" panose="020F0302020204030204" pitchFamily="34" charset="0"/>
+              </a:rPr>
+              <a:t>Random Search</a:t>
+            </a:r>
+          </a:p>
+          <a:p>
+            <a:pPr lvl="1"/>
+            <a:endParaRPr lang="de-DE" sz="1600" dirty="0">
+              <a:latin typeface="Abadi Extra Light" panose="020B0204020104020204" pitchFamily="34" charset="0"/>
+              <a:cs typeface="Calibri Light" panose="020F0302020204030204" pitchFamily="34" charset="0"/>
+            </a:endParaRPr>
+          </a:p>
+        </p:txBody>
+      </p:sp>
+      <p:sp>
+        <p:nvSpPr>
+          <p:cNvPr id="5" name="Textfeld 4">
+            <a:extLst>
+              <a:ext uri="{FF2B5EF4-FFF2-40B4-BE49-F238E27FC236}">
+                <a16:creationId xmlns:a16="http://schemas.microsoft.com/office/drawing/2014/main" id="{E04F49F9-0A35-4EFD-8FF2-DE6B35F4E820}"/>
+              </a:ext>
+            </a:extLst>
+          </p:cNvPr>
+          <p:cNvSpPr txBox="1"/>
+          <p:nvPr/>
+        </p:nvSpPr>
+        <p:spPr>
+          <a:xfrm>
+            <a:off x="223463" y="2106203"/>
+            <a:ext cx="10420564" cy="3405741"/>
           </a:xfrm>
           <a:prstGeom prst="rect">
             <a:avLst/>
           </a:prstGeom>
-          <a:ln>
-            <a:noFill/>
-          </a:ln>
+          <a:noFill/>
         </p:spPr>
-      </p:pic>
-      <p:sp>
-        <p:nvSpPr>
-          <p:cNvPr id="135" name="Line 3"/>
-          <p:cNvSpPr/>
-          <p:nvPr/>
-        </p:nvSpPr>
-        <p:spPr>
-          <a:xfrm flipH="1">
-            <a:off x="3657600" y="4480560"/>
-            <a:ext cx="91440" cy="914400"/>
-          </a:xfrm>
-          <a:prstGeom prst="line">
-            <a:avLst/>
-          </a:prstGeom>
-          <a:ln w="109800">
-            <a:solidFill>
-              <a:srgbClr val="FF0000"/>
-            </a:solidFill>
-            <a:round/>
-          </a:ln>
-        </p:spPr>
-        <p:style>
-          <a:lnRef idx="0">
-            <a:scrgbClr r="0" g="0" b="0"/>
-          </a:lnRef>
-          <a:fillRef idx="0">
-            <a:scrgbClr r="0" g="0" b="0"/>
-          </a:fillRef>
-          <a:effectRef idx="0">
-            <a:scrgbClr r="0" g="0" b="0"/>
-          </a:effectRef>
-          <a:fontRef idx="minor"/>
-        </p:style>
-      </p:sp>
-      <p:sp>
-        <p:nvSpPr>
-          <p:cNvPr id="136" name="Line 4"/>
-          <p:cNvSpPr/>
-          <p:nvPr/>
-        </p:nvSpPr>
-        <p:spPr>
-          <a:xfrm>
-            <a:off x="8229600" y="4846320"/>
-            <a:ext cx="0" cy="457200"/>
-          </a:xfrm>
-          <a:prstGeom prst="line">
-            <a:avLst/>
-          </a:prstGeom>
-          <a:ln w="109800">
-            <a:solidFill>
-              <a:srgbClr val="FF0000"/>
-            </a:solidFill>
-            <a:round/>
-          </a:ln>
-        </p:spPr>
-        <p:style>
-          <a:lnRef idx="0">
-            <a:scrgbClr r="0" g="0" b="0"/>
-          </a:lnRef>
-          <a:fillRef idx="0">
-            <a:scrgbClr r="0" g="0" b="0"/>
-          </a:fillRef>
-          <a:effectRef idx="0">
-            <a:scrgbClr r="0" g="0" b="0"/>
-          </a:effectRef>
-          <a:fontRef idx="minor"/>
-        </p:style>
+        <p:txBody>
+          <a:bodyPr wrap="square">
+            <a:spAutoFit/>
+          </a:bodyPr>
+          <a:lstStyle/>
+          <a:p>
+            <a:pPr lvl="1">
+              <a:lnSpc>
+                <a:spcPct val="200000"/>
+              </a:lnSpc>
+            </a:pPr>
+            <a:r>
+              <a:rPr lang="de-DE" sz="2800" dirty="0">
+                <a:latin typeface="Calibri Light" panose="020F0302020204030204" pitchFamily="34" charset="0"/>
+                <a:cs typeface="Calibri Light" panose="020F0302020204030204" pitchFamily="34" charset="0"/>
+              </a:rPr>
+              <a:t>Learning rate:		[0.00001, 0.001]</a:t>
+            </a:r>
+          </a:p>
+          <a:p>
+            <a:pPr lvl="1">
+              <a:lnSpc>
+                <a:spcPct val="200000"/>
+              </a:lnSpc>
+            </a:pPr>
+            <a:r>
+              <a:rPr lang="de-DE" sz="2800" dirty="0" err="1">
+                <a:latin typeface="Calibri Light" panose="020F0302020204030204" pitchFamily="34" charset="0"/>
+                <a:cs typeface="Calibri Light" panose="020F0302020204030204" pitchFamily="34" charset="0"/>
+              </a:rPr>
+              <a:t>Weight</a:t>
+            </a:r>
+            <a:r>
+              <a:rPr lang="de-DE" sz="2800" dirty="0">
+                <a:latin typeface="Calibri Light" panose="020F0302020204030204" pitchFamily="34" charset="0"/>
+                <a:cs typeface="Calibri Light" panose="020F0302020204030204" pitchFamily="34" charset="0"/>
+              </a:rPr>
+              <a:t> </a:t>
+            </a:r>
+            <a:r>
+              <a:rPr lang="de-DE" sz="2800" dirty="0" err="1">
+                <a:latin typeface="Calibri Light" panose="020F0302020204030204" pitchFamily="34" charset="0"/>
+                <a:cs typeface="Calibri Light" panose="020F0302020204030204" pitchFamily="34" charset="0"/>
+              </a:rPr>
+              <a:t>decay</a:t>
+            </a:r>
+            <a:r>
+              <a:rPr lang="de-DE" sz="2800" dirty="0">
+                <a:latin typeface="Calibri Light" panose="020F0302020204030204" pitchFamily="34" charset="0"/>
+                <a:cs typeface="Calibri Light" panose="020F0302020204030204" pitchFamily="34" charset="0"/>
+              </a:rPr>
+              <a:t>:		[0.001, 0.01]</a:t>
+            </a:r>
+          </a:p>
+          <a:p>
+            <a:pPr lvl="1">
+              <a:lnSpc>
+                <a:spcPct val="200000"/>
+              </a:lnSpc>
+            </a:pPr>
+            <a:r>
+              <a:rPr lang="de-DE" sz="2800" dirty="0">
+                <a:latin typeface="Calibri Light" panose="020F0302020204030204" pitchFamily="34" charset="0"/>
+                <a:cs typeface="Calibri Light" panose="020F0302020204030204" pitchFamily="34" charset="0"/>
+              </a:rPr>
+              <a:t>Batch </a:t>
+            </a:r>
+            <a:r>
+              <a:rPr lang="de-DE" sz="2800" dirty="0" err="1">
+                <a:latin typeface="Calibri Light" panose="020F0302020204030204" pitchFamily="34" charset="0"/>
+                <a:cs typeface="Calibri Light" panose="020F0302020204030204" pitchFamily="34" charset="0"/>
+              </a:rPr>
+              <a:t>size</a:t>
+            </a:r>
+            <a:r>
+              <a:rPr lang="de-DE" sz="2800" dirty="0">
+                <a:latin typeface="Calibri Light" panose="020F0302020204030204" pitchFamily="34" charset="0"/>
+                <a:cs typeface="Calibri Light" panose="020F0302020204030204" pitchFamily="34" charset="0"/>
+              </a:rPr>
+              <a:t>:		{64, 128, 256, 512}</a:t>
+            </a:r>
+          </a:p>
+          <a:p>
+            <a:pPr lvl="1">
+              <a:lnSpc>
+                <a:spcPct val="200000"/>
+              </a:lnSpc>
+            </a:pPr>
+            <a:r>
+              <a:rPr lang="de-DE" sz="2800" dirty="0" err="1">
+                <a:latin typeface="Calibri Light" panose="020F0302020204030204" pitchFamily="34" charset="0"/>
+                <a:cs typeface="Calibri Light" panose="020F0302020204030204" pitchFamily="34" charset="0"/>
+              </a:rPr>
+              <a:t>Activation</a:t>
+            </a:r>
+            <a:r>
+              <a:rPr lang="de-DE" sz="2800" dirty="0">
+                <a:latin typeface="Calibri Light" panose="020F0302020204030204" pitchFamily="34" charset="0"/>
+                <a:cs typeface="Calibri Light" panose="020F0302020204030204" pitchFamily="34" charset="0"/>
+              </a:rPr>
+              <a:t> </a:t>
+            </a:r>
+            <a:r>
+              <a:rPr lang="de-DE" sz="2800" dirty="0" err="1">
+                <a:latin typeface="Calibri Light" panose="020F0302020204030204" pitchFamily="34" charset="0"/>
+                <a:cs typeface="Calibri Light" panose="020F0302020204030204" pitchFamily="34" charset="0"/>
+              </a:rPr>
+              <a:t>function</a:t>
+            </a:r>
+            <a:r>
+              <a:rPr lang="de-DE" sz="2800" dirty="0">
+                <a:latin typeface="Calibri Light" panose="020F0302020204030204" pitchFamily="34" charset="0"/>
+                <a:cs typeface="Calibri Light" panose="020F0302020204030204" pitchFamily="34" charset="0"/>
+              </a:rPr>
+              <a:t>:     {</a:t>
+            </a:r>
+            <a:r>
+              <a:rPr lang="de-DE" sz="2800" dirty="0" err="1">
+                <a:latin typeface="Calibri Light" panose="020F0302020204030204" pitchFamily="34" charset="0"/>
+                <a:cs typeface="Calibri Light" panose="020F0302020204030204" pitchFamily="34" charset="0"/>
+              </a:rPr>
+              <a:t>sigmoid</a:t>
+            </a:r>
+            <a:r>
+              <a:rPr lang="de-DE" sz="2800" dirty="0">
+                <a:latin typeface="Calibri Light" panose="020F0302020204030204" pitchFamily="34" charset="0"/>
+                <a:cs typeface="Calibri Light" panose="020F0302020204030204" pitchFamily="34" charset="0"/>
+              </a:rPr>
+              <a:t>, </a:t>
+            </a:r>
+            <a:r>
+              <a:rPr lang="de-DE" sz="2800" dirty="0" err="1">
+                <a:latin typeface="Calibri Light" panose="020F0302020204030204" pitchFamily="34" charset="0"/>
+                <a:cs typeface="Calibri Light" panose="020F0302020204030204" pitchFamily="34" charset="0"/>
+              </a:rPr>
+              <a:t>relu</a:t>
+            </a:r>
+            <a:r>
+              <a:rPr lang="de-DE" sz="2800" dirty="0">
+                <a:latin typeface="Calibri Light" panose="020F0302020204030204" pitchFamily="34" charset="0"/>
+                <a:cs typeface="Calibri Light" panose="020F0302020204030204" pitchFamily="34" charset="0"/>
+              </a:rPr>
+              <a:t>, </a:t>
+            </a:r>
+            <a:r>
+              <a:rPr lang="de-DE" sz="2800" dirty="0" err="1">
+                <a:latin typeface="Calibri Light" panose="020F0302020204030204" pitchFamily="34" charset="0"/>
+                <a:cs typeface="Calibri Light" panose="020F0302020204030204" pitchFamily="34" charset="0"/>
+              </a:rPr>
+              <a:t>leaky</a:t>
+            </a:r>
+            <a:r>
+              <a:rPr lang="de-DE" sz="2800" dirty="0">
+                <a:latin typeface="Calibri Light" panose="020F0302020204030204" pitchFamily="34" charset="0"/>
+                <a:cs typeface="Calibri Light" panose="020F0302020204030204" pitchFamily="34" charset="0"/>
+              </a:rPr>
+              <a:t> </a:t>
+            </a:r>
+            <a:r>
+              <a:rPr lang="de-DE" sz="2800" dirty="0" err="1">
+                <a:latin typeface="Calibri Light" panose="020F0302020204030204" pitchFamily="34" charset="0"/>
+                <a:cs typeface="Calibri Light" panose="020F0302020204030204" pitchFamily="34" charset="0"/>
+              </a:rPr>
+              <a:t>relu</a:t>
+            </a:r>
+            <a:r>
+              <a:rPr lang="de-DE" sz="2800" dirty="0">
+                <a:latin typeface="Calibri Light" panose="020F0302020204030204" pitchFamily="34" charset="0"/>
+                <a:cs typeface="Calibri Light" panose="020F0302020204030204" pitchFamily="34" charset="0"/>
+              </a:rPr>
+              <a:t>}</a:t>
+            </a:r>
+          </a:p>
+        </p:txBody>
       </p:sp>
     </p:spTree>
+    <p:extLst>
+      <p:ext uri="{BB962C8B-B14F-4D97-AF65-F5344CB8AC3E}">
+        <p14:creationId xmlns:p14="http://schemas.microsoft.com/office/powerpoint/2010/main" val="534983797"/>
+      </p:ext>
+    </p:extLst>
   </p:cSld>
   <p:clrMapOvr>
     <a:masterClrMapping/>
@@ -32293,4 +31572,299 @@
   <a:objectDefaults/>
   <a:extraClrSchemeLst/>
 </a:theme>
+</file>
+
+<file path=ppt/theme/theme3.xml><?xml version="1.0" encoding="utf-8"?>
+<a:theme xmlns:a="http://schemas.openxmlformats.org/drawingml/2006/main" name="Office">
+  <a:themeElements>
+    <a:clrScheme name="Office">
+      <a:dk1>
+        <a:sysClr val="windowText" lastClr="000000"/>
+      </a:dk1>
+      <a:lt1>
+        <a:sysClr val="window" lastClr="FFFFFF"/>
+      </a:lt1>
+      <a:dk2>
+        <a:srgbClr val="44546A"/>
+      </a:dk2>
+      <a:lt2>
+        <a:srgbClr val="E7E6E6"/>
+      </a:lt2>
+      <a:accent1>
+        <a:srgbClr val="4472C4"/>
+      </a:accent1>
+      <a:accent2>
+        <a:srgbClr val="ED7D31"/>
+      </a:accent2>
+      <a:accent3>
+        <a:srgbClr val="A5A5A5"/>
+      </a:accent3>
+      <a:accent4>
+        <a:srgbClr val="FFC000"/>
+      </a:accent4>
+      <a:accent5>
+        <a:srgbClr val="5B9BD5"/>
+      </a:accent5>
+      <a:accent6>
+        <a:srgbClr val="70AD47"/>
+      </a:accent6>
+      <a:hlink>
+        <a:srgbClr val="0563C1"/>
+      </a:hlink>
+      <a:folHlink>
+        <a:srgbClr val="954F72"/>
+      </a:folHlink>
+    </a:clrScheme>
+    <a:fontScheme name="Office">
+      <a:majorFont>
+        <a:latin typeface="Calibri Light" panose="020F0302020204030204"/>
+        <a:ea typeface=""/>
+        <a:cs typeface=""/>
+        <a:font script="Jpan" typeface="游ゴシック Light"/>
+        <a:font script="Hang" typeface="맑은 고딕"/>
+        <a:font script="Hans" typeface="等线 Light"/>
+        <a:font script="Hant" typeface="新細明體"/>
+        <a:font script="Arab" typeface="Times New Roman"/>
+        <a:font script="Hebr" typeface="Times New Roman"/>
+        <a:font script="Thai" typeface="Angsana New"/>
+        <a:font script="Ethi" typeface="Nyala"/>
+        <a:font script="Beng" typeface="Vrinda"/>
+        <a:font script="Gujr" typeface="Shruti"/>
+        <a:font script="Khmr" typeface="MoolBoran"/>
+        <a:font script="Knda" typeface="Tunga"/>
+        <a:font script="Guru" typeface="Raavi"/>
+        <a:font script="Cans" typeface="Euphemia"/>
+        <a:font script="Cher" typeface="Plantagenet Cherokee"/>
+        <a:font script="Yiii" typeface="Microsoft Yi Baiti"/>
+        <a:font script="Tibt" typeface="Microsoft Himalaya"/>
+        <a:font script="Thaa" typeface="MV Boli"/>
+        <a:font script="Deva" typeface="Mangal"/>
+        <a:font script="Telu" typeface="Gautami"/>
+        <a:font script="Taml" typeface="Latha"/>
+        <a:font script="Syrc" typeface="Estrangelo Edessa"/>
+        <a:font script="Orya" typeface="Kalinga"/>
+        <a:font script="Mlym" typeface="Kartika"/>
+        <a:font script="Laoo" typeface="DokChampa"/>
+        <a:font script="Sinh" typeface="Iskoola Pota"/>
+        <a:font script="Mong" typeface="Mongolian Baiti"/>
+        <a:font script="Viet" typeface="Times New Roman"/>
+        <a:font script="Uigh" typeface="Microsoft Uighur"/>
+        <a:font script="Geor" typeface="Sylfaen"/>
+        <a:font script="Armn" typeface="Arial"/>
+        <a:font script="Bugi" typeface="Leelawadee UI"/>
+        <a:font script="Bopo" typeface="Microsoft JhengHei"/>
+        <a:font script="Java" typeface="Javanese Text"/>
+        <a:font script="Lisu" typeface="Segoe UI"/>
+        <a:font script="Mymr" typeface="Myanmar Text"/>
+        <a:font script="Nkoo" typeface="Ebrima"/>
+        <a:font script="Olck" typeface="Nirmala UI"/>
+        <a:font script="Osma" typeface="Ebrima"/>
+        <a:font script="Phag" typeface="Phagspa"/>
+        <a:font script="Syrn" typeface="Estrangelo Edessa"/>
+        <a:font script="Syrj" typeface="Estrangelo Edessa"/>
+        <a:font script="Syre" typeface="Estrangelo Edessa"/>
+        <a:font script="Sora" typeface="Nirmala UI"/>
+        <a:font script="Tale" typeface="Microsoft Tai Le"/>
+        <a:font script="Talu" typeface="Microsoft New Tai Lue"/>
+        <a:font script="Tfng" typeface="Ebrima"/>
+      </a:majorFont>
+      <a:minorFont>
+        <a:latin typeface="Calibri" panose="020F0502020204030204"/>
+        <a:ea typeface=""/>
+        <a:cs typeface=""/>
+        <a:font script="Jpan" typeface="游ゴシック"/>
+        <a:font script="Hang" typeface="맑은 고딕"/>
+        <a:font script="Hans" typeface="等线"/>
+        <a:font script="Hant" typeface="新細明體"/>
+        <a:font script="Arab" typeface="Arial"/>
+        <a:font script="Hebr" typeface="Arial"/>
+        <a:font script="Thai" typeface="Cordia New"/>
+        <a:font script="Ethi" typeface="Nyala"/>
+        <a:font script="Beng" typeface="Vrinda"/>
+        <a:font script="Gujr" typeface="Shruti"/>
+        <a:font script="Khmr" typeface="DaunPenh"/>
+        <a:font script="Knda" typeface="Tunga"/>
+        <a:font script="Guru" typeface="Raavi"/>
+        <a:font script="Cans" typeface="Euphemia"/>
+        <a:font script="Cher" typeface="Plantagenet Cherokee"/>
+        <a:font script="Yiii" typeface="Microsoft Yi Baiti"/>
+        <a:font script="Tibt" typeface="Microsoft Himalaya"/>
+        <a:font script="Thaa" typeface="MV Boli"/>
+        <a:font script="Deva" typeface="Mangal"/>
+        <a:font script="Telu" typeface="Gautami"/>
+        <a:font script="Taml" typeface="Latha"/>
+        <a:font script="Syrc" typeface="Estrangelo Edessa"/>
+        <a:font script="Orya" typeface="Kalinga"/>
+        <a:font script="Mlym" typeface="Kartika"/>
+        <a:font script="Laoo" typeface="DokChampa"/>
+        <a:font script="Sinh" typeface="Iskoola Pota"/>
+        <a:font script="Mong" typeface="Mongolian Baiti"/>
+        <a:font script="Viet" typeface="Arial"/>
+        <a:font script="Uigh" typeface="Microsoft Uighur"/>
+        <a:font script="Geor" typeface="Sylfaen"/>
+        <a:font script="Armn" typeface="Arial"/>
+        <a:font script="Bugi" typeface="Leelawadee UI"/>
+        <a:font script="Bopo" typeface="Microsoft JhengHei"/>
+        <a:font script="Java" typeface="Javanese Text"/>
+        <a:font script="Lisu" typeface="Segoe UI"/>
+        <a:font script="Mymr" typeface="Myanmar Text"/>
+        <a:font script="Nkoo" typeface="Ebrima"/>
+        <a:font script="Olck" typeface="Nirmala UI"/>
+        <a:font script="Osma" typeface="Ebrima"/>
+        <a:font script="Phag" typeface="Phagspa"/>
+        <a:font script="Syrn" typeface="Estrangelo Edessa"/>
+        <a:font script="Syrj" typeface="Estrangelo Edessa"/>
+        <a:font script="Syre" typeface="Estrangelo Edessa"/>
+        <a:font script="Sora" typeface="Nirmala UI"/>
+        <a:font script="Tale" typeface="Microsoft Tai Le"/>
+        <a:font script="Talu" typeface="Microsoft New Tai Lue"/>
+        <a:font script="Tfng" typeface="Ebrima"/>
+      </a:minorFont>
+    </a:fontScheme>
+    <a:fmtScheme name="Office">
+      <a:fillStyleLst>
+        <a:solidFill>
+          <a:schemeClr val="phClr"/>
+        </a:solidFill>
+        <a:gradFill rotWithShape="1">
+          <a:gsLst>
+            <a:gs pos="0">
+              <a:schemeClr val="phClr">
+                <a:lumMod val="110000"/>
+                <a:satMod val="105000"/>
+                <a:tint val="67000"/>
+              </a:schemeClr>
+            </a:gs>
+            <a:gs pos="50000">
+              <a:schemeClr val="phClr">
+                <a:lumMod val="105000"/>
+                <a:satMod val="103000"/>
+                <a:tint val="73000"/>
+              </a:schemeClr>
+            </a:gs>
+            <a:gs pos="100000">
+              <a:schemeClr val="phClr">
+                <a:lumMod val="105000"/>
+                <a:satMod val="109000"/>
+                <a:tint val="81000"/>
+              </a:schemeClr>
+            </a:gs>
+          </a:gsLst>
+          <a:lin ang="5400000" scaled="0"/>
+        </a:gradFill>
+        <a:gradFill rotWithShape="1">
+          <a:gsLst>
+            <a:gs pos="0">
+              <a:schemeClr val="phClr">
+                <a:satMod val="103000"/>
+                <a:lumMod val="102000"/>
+                <a:tint val="94000"/>
+              </a:schemeClr>
+            </a:gs>
+            <a:gs pos="50000">
+              <a:schemeClr val="phClr">
+                <a:satMod val="110000"/>
+                <a:lumMod val="100000"/>
+                <a:shade val="100000"/>
+              </a:schemeClr>
+            </a:gs>
+            <a:gs pos="100000">
+              <a:schemeClr val="phClr">
+                <a:lumMod val="99000"/>
+                <a:satMod val="120000"/>
+                <a:shade val="78000"/>
+              </a:schemeClr>
+            </a:gs>
+          </a:gsLst>
+          <a:lin ang="5400000" scaled="0"/>
+        </a:gradFill>
+      </a:fillStyleLst>
+      <a:lnStyleLst>
+        <a:ln w="6350" cap="flat" cmpd="sng" algn="ctr">
+          <a:solidFill>
+            <a:schemeClr val="phClr"/>
+          </a:solidFill>
+          <a:prstDash val="solid"/>
+          <a:miter lim="800000"/>
+        </a:ln>
+        <a:ln w="12700" cap="flat" cmpd="sng" algn="ctr">
+          <a:solidFill>
+            <a:schemeClr val="phClr"/>
+          </a:solidFill>
+          <a:prstDash val="solid"/>
+          <a:miter lim="800000"/>
+        </a:ln>
+        <a:ln w="19050" cap="flat" cmpd="sng" algn="ctr">
+          <a:solidFill>
+            <a:schemeClr val="phClr"/>
+          </a:solidFill>
+          <a:prstDash val="solid"/>
+          <a:miter lim="800000"/>
+        </a:ln>
+      </a:lnStyleLst>
+      <a:effectStyleLst>
+        <a:effectStyle>
+          <a:effectLst/>
+        </a:effectStyle>
+        <a:effectStyle>
+          <a:effectLst/>
+        </a:effectStyle>
+        <a:effectStyle>
+          <a:effectLst>
+            <a:outerShdw blurRad="57150" dist="19050" dir="5400000" algn="ctr" rotWithShape="0">
+              <a:srgbClr val="000000">
+                <a:alpha val="63000"/>
+              </a:srgbClr>
+            </a:outerShdw>
+          </a:effectLst>
+        </a:effectStyle>
+      </a:effectStyleLst>
+      <a:bgFillStyleLst>
+        <a:solidFill>
+          <a:schemeClr val="phClr"/>
+        </a:solidFill>
+        <a:solidFill>
+          <a:schemeClr val="phClr">
+            <a:tint val="95000"/>
+            <a:satMod val="170000"/>
+          </a:schemeClr>
+        </a:solidFill>
+        <a:gradFill rotWithShape="1">
+          <a:gsLst>
+            <a:gs pos="0">
+              <a:schemeClr val="phClr">
+                <a:tint val="93000"/>
+                <a:satMod val="150000"/>
+                <a:shade val="98000"/>
+                <a:lumMod val="102000"/>
+              </a:schemeClr>
+            </a:gs>
+            <a:gs pos="50000">
+              <a:schemeClr val="phClr">
+                <a:tint val="98000"/>
+                <a:satMod val="130000"/>
+                <a:shade val="90000"/>
+                <a:lumMod val="103000"/>
+              </a:schemeClr>
+            </a:gs>
+            <a:gs pos="100000">
+              <a:schemeClr val="phClr">
+                <a:shade val="63000"/>
+                <a:satMod val="120000"/>
+              </a:schemeClr>
+            </a:gs>
+          </a:gsLst>
+          <a:lin ang="5400000" scaled="0"/>
+        </a:gradFill>
+      </a:bgFillStyleLst>
+    </a:fmtScheme>
+  </a:themeElements>
+  <a:objectDefaults/>
+  <a:extraClrSchemeLst/>
+  <a:extLst>
+    <a:ext uri="{05A4C25C-085E-4340-85A3-A5531E510DB2}">
+      <thm15:themeFamily xmlns:thm15="http://schemas.microsoft.com/office/thememl/2012/main" name="Office Theme" id="{62F939B6-93AF-4DB8-9C6B-D6C7DFDC589F}" vid="{4A3C46E8-61CC-4603-A589-7422A47A8E4A}"/>
+    </a:ext>
+  </a:extLst>
+</a:theme>
 </file>